--- a/SlideApresentacao/TRIGGERS.pptx
+++ b/SlideApresentacao/TRIGGERS.pptx
@@ -5,28 +5,23 @@
     <p:sldMasterId id="2147483756" r:id="rId4"/>
   </p:sldMasterIdLst>
   <p:notesMasterIdLst>
-    <p:notesMasterId r:id="rId21"/>
+    <p:notesMasterId r:id="rId16"/>
   </p:notesMasterIdLst>
   <p:handoutMasterIdLst>
-    <p:handoutMasterId r:id="rId22"/>
+    <p:handoutMasterId r:id="rId17"/>
   </p:handoutMasterIdLst>
   <p:sldIdLst>
     <p:sldId id="267" r:id="rId5"/>
     <p:sldId id="281" r:id="rId6"/>
     <p:sldId id="272" r:id="rId7"/>
     <p:sldId id="287" r:id="rId8"/>
-    <p:sldId id="278" r:id="rId9"/>
-    <p:sldId id="283" r:id="rId10"/>
-    <p:sldId id="285" r:id="rId11"/>
-    <p:sldId id="279" r:id="rId12"/>
-    <p:sldId id="280" r:id="rId13"/>
-    <p:sldId id="284" r:id="rId14"/>
-    <p:sldId id="269" r:id="rId15"/>
-    <p:sldId id="271" r:id="rId16"/>
-    <p:sldId id="286" r:id="rId17"/>
-    <p:sldId id="273" r:id="rId18"/>
-    <p:sldId id="282" r:id="rId19"/>
-    <p:sldId id="277" r:id="rId20"/>
+    <p:sldId id="292" r:id="rId9"/>
+    <p:sldId id="293" r:id="rId10"/>
+    <p:sldId id="288" r:id="rId11"/>
+    <p:sldId id="289" r:id="rId12"/>
+    <p:sldId id="290" r:id="rId13"/>
+    <p:sldId id="291" r:id="rId14"/>
+    <p:sldId id="283" r:id="rId15"/>
   </p:sldIdLst>
   <p:sldSz cx="12188825" cy="6858000"/>
   <p:notesSz cx="6858000" cy="9144000"/>
@@ -156,4014 +151,6 @@
     </p:ext>
   </p:extLst>
 </p:presentation>
-</file>
-
-<file path=ppt/charts/chart1.xml><?xml version="1.0" encoding="utf-8"?>
-<c:chartSpace xmlns:c="http://schemas.openxmlformats.org/drawingml/2006/chart" xmlns:a="http://schemas.openxmlformats.org/drawingml/2006/main" xmlns:r="http://schemas.openxmlformats.org/officeDocument/2006/relationships" xmlns:c16r2="http://schemas.microsoft.com/office/drawing/2015/06/chart">
-  <c:date1904 val="0"/>
-  <c:lang val="pt-BR"/>
-  <c:roundedCorners val="0"/>
-  <mc:AlternateContent xmlns:mc="http://schemas.openxmlformats.org/markup-compatibility/2006">
-    <mc:Choice xmlns:c14="http://schemas.microsoft.com/office/drawing/2007/8/2/chart" Requires="c14">
-      <c14:style val="102"/>
-    </mc:Choice>
-    <mc:Fallback>
-      <c:style val="2"/>
-    </mc:Fallback>
-  </mc:AlternateContent>
-  <c:chart>
-    <c:autoTitleDeleted val="1"/>
-    <c:plotArea>
-      <c:layout/>
-      <c:barChart>
-        <c:barDir val="col"/>
-        <c:grouping val="clustered"/>
-        <c:varyColors val="0"/>
-        <c:ser>
-          <c:idx val="0"/>
-          <c:order val="0"/>
-          <c:tx>
-            <c:strRef>
-              <c:f>Sheet1!$B$1</c:f>
-              <c:strCache>
-                <c:ptCount val="1"/>
-                <c:pt idx="0">
-                  <c:v>Série 1</c:v>
-                </c:pt>
-              </c:strCache>
-            </c:strRef>
-          </c:tx>
-          <c:spPr>
-            <a:solidFill>
-              <a:schemeClr val="accent1"/>
-            </a:solidFill>
-            <a:ln>
-              <a:noFill/>
-            </a:ln>
-            <a:effectLst/>
-          </c:spPr>
-          <c:invertIfNegative val="0"/>
-          <c:cat>
-            <c:strRef>
-              <c:f>Sheet1!$A$2:$A$5</c:f>
-              <c:strCache>
-                <c:ptCount val="4"/>
-                <c:pt idx="0">
-                  <c:v>Categoria 1</c:v>
-                </c:pt>
-                <c:pt idx="1">
-                  <c:v>Categoria 2</c:v>
-                </c:pt>
-                <c:pt idx="2">
-                  <c:v>Categoria 3</c:v>
-                </c:pt>
-                <c:pt idx="3">
-                  <c:v>Categoria 4</c:v>
-                </c:pt>
-              </c:strCache>
-            </c:strRef>
-          </c:cat>
-          <c:val>
-            <c:numRef>
-              <c:f>Sheet1!$B$2:$B$5</c:f>
-              <c:numCache>
-                <c:formatCode>General</c:formatCode>
-                <c:ptCount val="4"/>
-                <c:pt idx="0">
-                  <c:v>4.3</c:v>
-                </c:pt>
-                <c:pt idx="1">
-                  <c:v>2.5</c:v>
-                </c:pt>
-                <c:pt idx="2">
-                  <c:v>3.5</c:v>
-                </c:pt>
-                <c:pt idx="3">
-                  <c:v>4.5</c:v>
-                </c:pt>
-              </c:numCache>
-            </c:numRef>
-          </c:val>
-          <c:extLst>
-            <c:ext xmlns:c16="http://schemas.microsoft.com/office/drawing/2014/chart" uri="{C3380CC4-5D6E-409C-BE32-E72D297353CC}">
-              <c16:uniqueId val="{00000000-3514-4EFA-8242-05C3FB47F50E}"/>
-            </c:ext>
-          </c:extLst>
-        </c:ser>
-        <c:ser>
-          <c:idx val="1"/>
-          <c:order val="1"/>
-          <c:tx>
-            <c:strRef>
-              <c:f>Sheet1!$C$1</c:f>
-              <c:strCache>
-                <c:ptCount val="1"/>
-                <c:pt idx="0">
-                  <c:v>Série 2</c:v>
-                </c:pt>
-              </c:strCache>
-            </c:strRef>
-          </c:tx>
-          <c:spPr>
-            <a:solidFill>
-              <a:schemeClr val="accent2"/>
-            </a:solidFill>
-            <a:ln>
-              <a:noFill/>
-            </a:ln>
-            <a:effectLst/>
-          </c:spPr>
-          <c:invertIfNegative val="0"/>
-          <c:cat>
-            <c:strRef>
-              <c:f>Sheet1!$A$2:$A$5</c:f>
-              <c:strCache>
-                <c:ptCount val="4"/>
-                <c:pt idx="0">
-                  <c:v>Categoria 1</c:v>
-                </c:pt>
-                <c:pt idx="1">
-                  <c:v>Categoria 2</c:v>
-                </c:pt>
-                <c:pt idx="2">
-                  <c:v>Categoria 3</c:v>
-                </c:pt>
-                <c:pt idx="3">
-                  <c:v>Categoria 4</c:v>
-                </c:pt>
-              </c:strCache>
-            </c:strRef>
-          </c:cat>
-          <c:val>
-            <c:numRef>
-              <c:f>Sheet1!$C$2:$C$5</c:f>
-              <c:numCache>
-                <c:formatCode>General</c:formatCode>
-                <c:ptCount val="4"/>
-                <c:pt idx="0">
-                  <c:v>2.4</c:v>
-                </c:pt>
-                <c:pt idx="1">
-                  <c:v>4.4000000000000004</c:v>
-                </c:pt>
-                <c:pt idx="2">
-                  <c:v>1.8</c:v>
-                </c:pt>
-                <c:pt idx="3">
-                  <c:v>2.8</c:v>
-                </c:pt>
-              </c:numCache>
-            </c:numRef>
-          </c:val>
-          <c:extLst>
-            <c:ext xmlns:c16="http://schemas.microsoft.com/office/drawing/2014/chart" uri="{C3380CC4-5D6E-409C-BE32-E72D297353CC}">
-              <c16:uniqueId val="{00000001-3514-4EFA-8242-05C3FB47F50E}"/>
-            </c:ext>
-          </c:extLst>
-        </c:ser>
-        <c:ser>
-          <c:idx val="2"/>
-          <c:order val="2"/>
-          <c:tx>
-            <c:strRef>
-              <c:f>Sheet1!$D$1</c:f>
-              <c:strCache>
-                <c:ptCount val="1"/>
-                <c:pt idx="0">
-                  <c:v>Série 3</c:v>
-                </c:pt>
-              </c:strCache>
-            </c:strRef>
-          </c:tx>
-          <c:spPr>
-            <a:solidFill>
-              <a:schemeClr val="accent3"/>
-            </a:solidFill>
-            <a:ln>
-              <a:noFill/>
-            </a:ln>
-            <a:effectLst/>
-          </c:spPr>
-          <c:invertIfNegative val="0"/>
-          <c:cat>
-            <c:strRef>
-              <c:f>Sheet1!$A$2:$A$5</c:f>
-              <c:strCache>
-                <c:ptCount val="4"/>
-                <c:pt idx="0">
-                  <c:v>Categoria 1</c:v>
-                </c:pt>
-                <c:pt idx="1">
-                  <c:v>Categoria 2</c:v>
-                </c:pt>
-                <c:pt idx="2">
-                  <c:v>Categoria 3</c:v>
-                </c:pt>
-                <c:pt idx="3">
-                  <c:v>Categoria 4</c:v>
-                </c:pt>
-              </c:strCache>
-            </c:strRef>
-          </c:cat>
-          <c:val>
-            <c:numRef>
-              <c:f>Sheet1!$D$2:$D$5</c:f>
-              <c:numCache>
-                <c:formatCode>General</c:formatCode>
-                <c:ptCount val="4"/>
-                <c:pt idx="0">
-                  <c:v>2</c:v>
-                </c:pt>
-                <c:pt idx="1">
-                  <c:v>2</c:v>
-                </c:pt>
-                <c:pt idx="2">
-                  <c:v>3</c:v>
-                </c:pt>
-                <c:pt idx="3">
-                  <c:v>5</c:v>
-                </c:pt>
-              </c:numCache>
-            </c:numRef>
-          </c:val>
-          <c:extLst>
-            <c:ext xmlns:c16="http://schemas.microsoft.com/office/drawing/2014/chart" uri="{C3380CC4-5D6E-409C-BE32-E72D297353CC}">
-              <c16:uniqueId val="{00000002-3514-4EFA-8242-05C3FB47F50E}"/>
-            </c:ext>
-          </c:extLst>
-        </c:ser>
-        <c:dLbls>
-          <c:showLegendKey val="0"/>
-          <c:showVal val="0"/>
-          <c:showCatName val="0"/>
-          <c:showSerName val="0"/>
-          <c:showPercent val="0"/>
-          <c:showBubbleSize val="0"/>
-        </c:dLbls>
-        <c:gapWidth val="199"/>
-        <c:axId val="603895568"/>
-        <c:axId val="603889296"/>
-      </c:barChart>
-      <c:catAx>
-        <c:axId val="603895568"/>
-        <c:scaling>
-          <c:orientation val="minMax"/>
-        </c:scaling>
-        <c:delete val="0"/>
-        <c:axPos val="b"/>
-        <c:numFmt formatCode="General" sourceLinked="1"/>
-        <c:majorTickMark val="none"/>
-        <c:minorTickMark val="none"/>
-        <c:tickLblPos val="nextTo"/>
-        <c:spPr>
-          <a:noFill/>
-          <a:ln w="9525" cap="flat" cmpd="sng" algn="ctr">
-            <a:solidFill>
-              <a:schemeClr val="tx1">
-                <a:lumMod val="15000"/>
-                <a:lumOff val="85000"/>
-              </a:schemeClr>
-            </a:solidFill>
-            <a:round/>
-          </a:ln>
-          <a:effectLst/>
-        </c:spPr>
-        <c:txPr>
-          <a:bodyPr rot="-60000000" spcFirstLastPara="1" vertOverflow="ellipsis" vert="horz" wrap="square" anchor="ctr" anchorCtr="1"/>
-          <a:lstStyle/>
-          <a:p>
-            <a:pPr>
-              <a:defRPr sz="1197" b="0" i="0" u="none" strike="noStrike" kern="1200" cap="none" spc="0" normalizeH="0" baseline="0">
-                <a:solidFill>
-                  <a:schemeClr val="tx1">
-                    <a:lumMod val="65000"/>
-                    <a:lumOff val="35000"/>
-                  </a:schemeClr>
-                </a:solidFill>
-                <a:latin typeface="+mn-lt"/>
-                <a:ea typeface="+mn-ea"/>
-                <a:cs typeface="+mn-cs"/>
-              </a:defRPr>
-            </a:pPr>
-            <a:endParaRPr lang="pt-BR"/>
-          </a:p>
-        </c:txPr>
-        <c:crossAx val="603889296"/>
-        <c:crosses val="autoZero"/>
-        <c:auto val="1"/>
-        <c:lblAlgn val="ctr"/>
-        <c:lblOffset val="100"/>
-        <c:noMultiLvlLbl val="0"/>
-      </c:catAx>
-      <c:valAx>
-        <c:axId val="603889296"/>
-        <c:scaling>
-          <c:orientation val="minMax"/>
-        </c:scaling>
-        <c:delete val="0"/>
-        <c:axPos val="l"/>
-        <c:majorGridlines>
-          <c:spPr>
-            <a:ln w="9525" cap="flat" cmpd="sng" algn="ctr">
-              <a:solidFill>
-                <a:schemeClr val="tx1">
-                  <a:lumMod val="15000"/>
-                  <a:lumOff val="85000"/>
-                </a:schemeClr>
-              </a:solidFill>
-              <a:round/>
-            </a:ln>
-            <a:effectLst/>
-          </c:spPr>
-        </c:majorGridlines>
-        <c:minorGridlines>
-          <c:spPr>
-            <a:ln w="9525" cap="flat" cmpd="sng" algn="ctr">
-              <a:solidFill>
-                <a:schemeClr val="tx1">
-                  <a:lumMod val="5000"/>
-                  <a:lumOff val="95000"/>
-                </a:schemeClr>
-              </a:solidFill>
-              <a:round/>
-            </a:ln>
-            <a:effectLst/>
-          </c:spPr>
-        </c:minorGridlines>
-        <c:numFmt formatCode="General" sourceLinked="1"/>
-        <c:majorTickMark val="none"/>
-        <c:minorTickMark val="none"/>
-        <c:tickLblPos val="nextTo"/>
-        <c:spPr>
-          <a:noFill/>
-          <a:ln>
-            <a:noFill/>
-          </a:ln>
-          <a:effectLst/>
-        </c:spPr>
-        <c:txPr>
-          <a:bodyPr rot="-60000000" spcFirstLastPara="1" vertOverflow="ellipsis" vert="horz" wrap="square" anchor="ctr" anchorCtr="1"/>
-          <a:lstStyle/>
-          <a:p>
-            <a:pPr>
-              <a:defRPr sz="1197" b="0" i="0" u="none" strike="noStrike" kern="1200" baseline="0">
-                <a:solidFill>
-                  <a:schemeClr val="tx1">
-                    <a:lumMod val="65000"/>
-                    <a:lumOff val="35000"/>
-                  </a:schemeClr>
-                </a:solidFill>
-                <a:latin typeface="+mn-lt"/>
-                <a:ea typeface="+mn-ea"/>
-                <a:cs typeface="+mn-cs"/>
-              </a:defRPr>
-            </a:pPr>
-            <a:endParaRPr lang="pt-BR"/>
-          </a:p>
-        </c:txPr>
-        <c:crossAx val="603895568"/>
-        <c:crosses val="autoZero"/>
-        <c:crossBetween val="between"/>
-      </c:valAx>
-      <c:spPr>
-        <a:noFill/>
-        <a:ln>
-          <a:noFill/>
-        </a:ln>
-        <a:effectLst/>
-      </c:spPr>
-    </c:plotArea>
-    <c:legend>
-      <c:legendPos val="t"/>
-      <c:overlay val="0"/>
-      <c:spPr>
-        <a:noFill/>
-        <a:ln>
-          <a:noFill/>
-        </a:ln>
-        <a:effectLst/>
-      </c:spPr>
-      <c:txPr>
-        <a:bodyPr rot="0" spcFirstLastPara="1" vertOverflow="ellipsis" vert="horz" wrap="square" anchor="ctr" anchorCtr="1"/>
-        <a:lstStyle/>
-        <a:p>
-          <a:pPr>
-            <a:defRPr sz="1197" b="0" i="0" u="none" strike="noStrike" kern="1200" baseline="0">
-              <a:solidFill>
-                <a:schemeClr val="tx1">
-                  <a:lumMod val="65000"/>
-                  <a:lumOff val="35000"/>
-                </a:schemeClr>
-              </a:solidFill>
-              <a:latin typeface="+mn-lt"/>
-              <a:ea typeface="+mn-ea"/>
-              <a:cs typeface="+mn-cs"/>
-            </a:defRPr>
-          </a:pPr>
-          <a:endParaRPr lang="pt-BR"/>
-        </a:p>
-      </c:txPr>
-    </c:legend>
-    <c:plotVisOnly val="1"/>
-    <c:dispBlanksAs val="gap"/>
-    <c:showDLblsOverMax val="0"/>
-  </c:chart>
-  <c:spPr>
-    <a:noFill/>
-    <a:ln>
-      <a:noFill/>
-    </a:ln>
-    <a:effectLst/>
-  </c:spPr>
-  <c:txPr>
-    <a:bodyPr/>
-    <a:lstStyle/>
-    <a:p>
-      <a:pPr>
-        <a:defRPr/>
-      </a:pPr>
-      <a:endParaRPr lang="pt-BR"/>
-    </a:p>
-  </c:txPr>
-  <c:externalData r:id="rId3">
-    <c:autoUpdate val="0"/>
-  </c:externalData>
-</c:chartSpace>
-</file>
-
-<file path=ppt/charts/colors1.xml><?xml version="1.0" encoding="utf-8"?>
-<cs:colorStyle xmlns:cs="http://schemas.microsoft.com/office/drawing/2012/chartStyle" xmlns:a="http://schemas.openxmlformats.org/drawingml/2006/main" meth="cycle" id="10">
-  <a:schemeClr val="accent1"/>
-  <a:schemeClr val="accent2"/>
-  <a:schemeClr val="accent3"/>
-  <a:schemeClr val="accent4"/>
-  <a:schemeClr val="accent5"/>
-  <a:schemeClr val="accent6"/>
-  <cs:variation/>
-  <cs:variation>
-    <a:lumMod val="60000"/>
-  </cs:variation>
-  <cs:variation>
-    <a:lumMod val="80000"/>
-    <a:lumOff val="20000"/>
-  </cs:variation>
-  <cs:variation>
-    <a:lumMod val="80000"/>
-  </cs:variation>
-  <cs:variation>
-    <a:lumMod val="60000"/>
-    <a:lumOff val="40000"/>
-  </cs:variation>
-  <cs:variation>
-    <a:lumMod val="50000"/>
-  </cs:variation>
-  <cs:variation>
-    <a:lumMod val="70000"/>
-    <a:lumOff val="30000"/>
-  </cs:variation>
-  <cs:variation>
-    <a:lumMod val="70000"/>
-  </cs:variation>
-  <cs:variation>
-    <a:lumMod val="50000"/>
-    <a:lumOff val="50000"/>
-  </cs:variation>
-</cs:colorStyle>
-</file>
-
-<file path=ppt/charts/style1.xml><?xml version="1.0" encoding="utf-8"?>
-<cs:chartStyle xmlns:cs="http://schemas.microsoft.com/office/drawing/2012/chartStyle" xmlns:a="http://schemas.openxmlformats.org/drawingml/2006/main" id="212">
-  <cs:axisTitle>
-    <cs:lnRef idx="0"/>
-    <cs:fillRef idx="0"/>
-    <cs:effectRef idx="0"/>
-    <cs:fontRef idx="minor">
-      <a:schemeClr val="tx1">
-        <a:lumMod val="65000"/>
-        <a:lumOff val="35000"/>
-      </a:schemeClr>
-    </cs:fontRef>
-    <cs:defRPr sz="1197" kern="1200" cap="all"/>
-  </cs:axisTitle>
-  <cs:categoryAxis>
-    <cs:lnRef idx="0"/>
-    <cs:fillRef idx="0"/>
-    <cs:effectRef idx="0"/>
-    <cs:fontRef idx="minor">
-      <a:schemeClr val="tx1">
-        <a:lumMod val="65000"/>
-        <a:lumOff val="35000"/>
-      </a:schemeClr>
-    </cs:fontRef>
-    <cs:spPr>
-      <a:ln w="9525" cap="flat" cmpd="sng" algn="ctr">
-        <a:solidFill>
-          <a:schemeClr val="tx1">
-            <a:lumMod val="15000"/>
-            <a:lumOff val="85000"/>
-          </a:schemeClr>
-        </a:solidFill>
-        <a:round/>
-      </a:ln>
-    </cs:spPr>
-    <cs:defRPr sz="1197" b="0" kern="1200" cap="none" spc="0" normalizeH="0" baseline="0"/>
-  </cs:categoryAxis>
-  <cs:chartArea mods="allowNoFillOverride allowNoLineOverride">
-    <cs:lnRef idx="0"/>
-    <cs:fillRef idx="0"/>
-    <cs:effectRef idx="0"/>
-    <cs:fontRef idx="minor">
-      <a:schemeClr val="dk1"/>
-    </cs:fontRef>
-    <cs:spPr>
-      <a:solidFill>
-        <a:schemeClr val="bg1"/>
-      </a:solidFill>
-      <a:ln w="9525" cap="flat" cmpd="sng" algn="ctr">
-        <a:solidFill>
-          <a:schemeClr val="tx1">
-            <a:lumMod val="15000"/>
-            <a:lumOff val="85000"/>
-          </a:schemeClr>
-        </a:solidFill>
-        <a:round/>
-      </a:ln>
-    </cs:spPr>
-    <cs:defRPr sz="1197" kern="1200"/>
-  </cs:chartArea>
-  <cs:dataLabel>
-    <cs:lnRef idx="0"/>
-    <cs:fillRef idx="0"/>
-    <cs:effectRef idx="0"/>
-    <cs:fontRef idx="minor">
-      <a:schemeClr val="tx1">
-        <a:lumMod val="75000"/>
-        <a:lumOff val="25000"/>
-      </a:schemeClr>
-    </cs:fontRef>
-    <cs:defRPr sz="1197" kern="1200"/>
-  </cs:dataLabel>
-  <cs:dataLabelCallout>
-    <cs:lnRef idx="0"/>
-    <cs:fillRef idx="0"/>
-    <cs:effectRef idx="0"/>
-    <cs:fontRef idx="minor">
-      <a:schemeClr val="dk1">
-        <a:lumMod val="75000"/>
-        <a:lumOff val="25000"/>
-      </a:schemeClr>
-    </cs:fontRef>
-    <cs:spPr>
-      <a:solidFill>
-        <a:schemeClr val="dk1">
-          <a:lumMod val="15000"/>
-          <a:lumOff val="85000"/>
-        </a:schemeClr>
-      </a:solidFill>
-    </cs:spPr>
-    <cs:defRPr sz="1197" kern="1200"/>
-  </cs:dataLabelCallout>
-  <cs:dataPoint>
-    <cs:lnRef idx="0"/>
-    <cs:fillRef idx="0">
-      <cs:styleClr val="auto"/>
-    </cs:fillRef>
-    <cs:effectRef idx="0"/>
-    <cs:fontRef idx="minor">
-      <a:schemeClr val="dk1"/>
-    </cs:fontRef>
-    <cs:spPr>
-      <a:solidFill>
-        <a:schemeClr val="phClr"/>
-      </a:solidFill>
-    </cs:spPr>
-  </cs:dataPoint>
-  <cs:dataPoint3D>
-    <cs:lnRef idx="0"/>
-    <cs:fillRef idx="0">
-      <cs:styleClr val="auto"/>
-    </cs:fillRef>
-    <cs:effectRef idx="0"/>
-    <cs:fontRef idx="minor">
-      <a:schemeClr val="dk1"/>
-    </cs:fontRef>
-    <cs:spPr>
-      <a:solidFill>
-        <a:schemeClr val="phClr"/>
-      </a:solidFill>
-    </cs:spPr>
-  </cs:dataPoint3D>
-  <cs:dataPointLine>
-    <cs:lnRef idx="0">
-      <cs:styleClr val="auto"/>
-    </cs:lnRef>
-    <cs:fillRef idx="0"/>
-    <cs:effectRef idx="0"/>
-    <cs:fontRef idx="minor">
-      <a:schemeClr val="dk1"/>
-    </cs:fontRef>
-    <cs:spPr>
-      <a:ln w="38100" cap="rnd">
-        <a:solidFill>
-          <a:schemeClr val="phClr"/>
-        </a:solidFill>
-        <a:round/>
-      </a:ln>
-    </cs:spPr>
-  </cs:dataPointLine>
-  <cs:dataPointMarker>
-    <cs:lnRef idx="0"/>
-    <cs:fillRef idx="0">
-      <cs:styleClr val="auto"/>
-    </cs:fillRef>
-    <cs:effectRef idx="0"/>
-    <cs:fontRef idx="minor">
-      <a:schemeClr val="dk1"/>
-    </cs:fontRef>
-    <cs:spPr>
-      <a:solidFill>
-        <a:schemeClr val="phClr"/>
-      </a:solidFill>
-    </cs:spPr>
-  </cs:dataPointMarker>
-  <cs:dataPointMarkerLayout symbol="circle" size="8"/>
-  <cs:dataPointWireframe>
-    <cs:lnRef idx="0">
-      <cs:styleClr val="auto"/>
-    </cs:lnRef>
-    <cs:fillRef idx="0"/>
-    <cs:effectRef idx="0"/>
-    <cs:fontRef idx="minor">
-      <a:schemeClr val="dk1"/>
-    </cs:fontRef>
-    <cs:spPr>
-      <a:ln w="9525" cap="rnd">
-        <a:solidFill>
-          <a:schemeClr val="phClr"/>
-        </a:solidFill>
-        <a:round/>
-      </a:ln>
-    </cs:spPr>
-  </cs:dataPointWireframe>
-  <cs:dataTable>
-    <cs:lnRef idx="0"/>
-    <cs:fillRef idx="0"/>
-    <cs:effectRef idx="0"/>
-    <cs:fontRef idx="minor">
-      <a:schemeClr val="tx1">
-        <a:lumMod val="65000"/>
-        <a:lumOff val="35000"/>
-      </a:schemeClr>
-    </cs:fontRef>
-    <cs:spPr>
-      <a:ln w="9525">
-        <a:solidFill>
-          <a:schemeClr val="tx1">
-            <a:lumMod val="15000"/>
-            <a:lumOff val="85000"/>
-          </a:schemeClr>
-        </a:solidFill>
-      </a:ln>
-    </cs:spPr>
-    <cs:defRPr sz="1197" kern="1200"/>
-  </cs:dataTable>
-  <cs:downBar>
-    <cs:lnRef idx="0"/>
-    <cs:fillRef idx="0"/>
-    <cs:effectRef idx="0"/>
-    <cs:fontRef idx="minor">
-      <a:schemeClr val="dk1"/>
-    </cs:fontRef>
-    <cs:spPr>
-      <a:solidFill>
-        <a:schemeClr val="dk1">
-          <a:lumMod val="75000"/>
-          <a:lumOff val="25000"/>
-        </a:schemeClr>
-      </a:solidFill>
-      <a:ln w="9525">
-        <a:solidFill>
-          <a:schemeClr val="tx1">
-            <a:lumMod val="50000"/>
-            <a:lumOff val="50000"/>
-          </a:schemeClr>
-        </a:solidFill>
-      </a:ln>
-    </cs:spPr>
-  </cs:downBar>
-  <cs:dropLine>
-    <cs:lnRef idx="0"/>
-    <cs:fillRef idx="0"/>
-    <cs:effectRef idx="0"/>
-    <cs:fontRef idx="minor">
-      <a:schemeClr val="dk1"/>
-    </cs:fontRef>
-    <cs:spPr>
-      <a:ln w="9525">
-        <a:solidFill>
-          <a:schemeClr val="tx1">
-            <a:lumMod val="50000"/>
-            <a:lumOff val="50000"/>
-          </a:schemeClr>
-        </a:solidFill>
-        <a:prstDash val="dash"/>
-      </a:ln>
-    </cs:spPr>
-  </cs:dropLine>
-  <cs:errorBar>
-    <cs:lnRef idx="0"/>
-    <cs:fillRef idx="0"/>
-    <cs:effectRef idx="0"/>
-    <cs:fontRef idx="minor">
-      <a:schemeClr val="dk1"/>
-    </cs:fontRef>
-    <cs:spPr>
-      <a:ln w="9525">
-        <a:solidFill>
-          <a:schemeClr val="tx1">
-            <a:lumMod val="50000"/>
-            <a:lumOff val="50000"/>
-          </a:schemeClr>
-        </a:solidFill>
-        <a:round/>
-      </a:ln>
-    </cs:spPr>
-  </cs:errorBar>
-  <cs:floor>
-    <cs:lnRef idx="0"/>
-    <cs:fillRef idx="0"/>
-    <cs:effectRef idx="0"/>
-    <cs:fontRef idx="minor">
-      <a:schemeClr val="dk1"/>
-    </cs:fontRef>
-  </cs:floor>
-  <cs:gridlineMajor>
-    <cs:lnRef idx="0"/>
-    <cs:fillRef idx="0"/>
-    <cs:effectRef idx="0"/>
-    <cs:fontRef idx="minor">
-      <a:schemeClr val="dk1"/>
-    </cs:fontRef>
-    <cs:spPr>
-      <a:ln w="9525" cap="flat" cmpd="sng" algn="ctr">
-        <a:solidFill>
-          <a:schemeClr val="tx1">
-            <a:lumMod val="15000"/>
-            <a:lumOff val="85000"/>
-          </a:schemeClr>
-        </a:solidFill>
-        <a:round/>
-      </a:ln>
-    </cs:spPr>
-  </cs:gridlineMajor>
-  <cs:gridlineMinor>
-    <cs:lnRef idx="0"/>
-    <cs:fillRef idx="0"/>
-    <cs:effectRef idx="0"/>
-    <cs:fontRef idx="minor">
-      <a:schemeClr val="dk1"/>
-    </cs:fontRef>
-    <cs:spPr>
-      <a:ln w="9525" cap="flat" cmpd="sng" algn="ctr">
-        <a:solidFill>
-          <a:schemeClr val="tx1">
-            <a:lumMod val="5000"/>
-            <a:lumOff val="95000"/>
-          </a:schemeClr>
-        </a:solidFill>
-        <a:round/>
-      </a:ln>
-    </cs:spPr>
-  </cs:gridlineMinor>
-  <cs:hiLoLine>
-    <cs:lnRef idx="0"/>
-    <cs:fillRef idx="0"/>
-    <cs:effectRef idx="0"/>
-    <cs:fontRef idx="minor">
-      <a:schemeClr val="dk1"/>
-    </cs:fontRef>
-    <cs:spPr>
-      <a:ln w="9525">
-        <a:solidFill>
-          <a:schemeClr val="tx1">
-            <a:lumMod val="50000"/>
-            <a:lumOff val="50000"/>
-          </a:schemeClr>
-        </a:solidFill>
-        <a:prstDash val="dash"/>
-      </a:ln>
-    </cs:spPr>
-  </cs:hiLoLine>
-  <cs:leaderLine>
-    <cs:lnRef idx="0"/>
-    <cs:fillRef idx="0"/>
-    <cs:effectRef idx="0"/>
-    <cs:fontRef idx="minor">
-      <a:schemeClr val="dk1"/>
-    </cs:fontRef>
-    <cs:spPr>
-      <a:ln w="9525">
-        <a:solidFill>
-          <a:schemeClr val="tx1">
-            <a:lumMod val="35000"/>
-            <a:lumOff val="65000"/>
-          </a:schemeClr>
-        </a:solidFill>
-      </a:ln>
-    </cs:spPr>
-  </cs:leaderLine>
-  <cs:legend>
-    <cs:lnRef idx="0"/>
-    <cs:fillRef idx="0"/>
-    <cs:effectRef idx="0"/>
-    <cs:fontRef idx="minor">
-      <a:schemeClr val="tx1">
-        <a:lumMod val="65000"/>
-        <a:lumOff val="35000"/>
-      </a:schemeClr>
-    </cs:fontRef>
-    <cs:defRPr sz="1197" kern="1200"/>
-  </cs:legend>
-  <cs:plotArea mods="allowNoFillOverride allowNoLineOverride">
-    <cs:lnRef idx="0"/>
-    <cs:fillRef idx="0"/>
-    <cs:effectRef idx="0"/>
-    <cs:fontRef idx="minor">
-      <a:schemeClr val="dk1"/>
-    </cs:fontRef>
-  </cs:plotArea>
-  <cs:plotArea3D mods="allowNoFillOverride allowNoLineOverride">
-    <cs:lnRef idx="0"/>
-    <cs:fillRef idx="0"/>
-    <cs:effectRef idx="0"/>
-    <cs:fontRef idx="minor">
-      <a:schemeClr val="dk1"/>
-    </cs:fontRef>
-  </cs:plotArea3D>
-  <cs:seriesAxis>
-    <cs:lnRef idx="0"/>
-    <cs:fillRef idx="0"/>
-    <cs:effectRef idx="0"/>
-    <cs:fontRef idx="minor">
-      <a:schemeClr val="tx1">
-        <a:lumMod val="65000"/>
-        <a:lumOff val="35000"/>
-      </a:schemeClr>
-    </cs:fontRef>
-    <cs:spPr>
-      <a:ln w="9525" cap="flat" cmpd="sng" algn="ctr">
-        <a:solidFill>
-          <a:schemeClr val="tx1">
-            <a:lumMod val="15000"/>
-            <a:lumOff val="85000"/>
-          </a:schemeClr>
-        </a:solidFill>
-        <a:round/>
-      </a:ln>
-    </cs:spPr>
-    <cs:defRPr sz="1197" kern="1200"/>
-  </cs:seriesAxis>
-  <cs:seriesLine>
-    <cs:lnRef idx="0"/>
-    <cs:fillRef idx="0"/>
-    <cs:effectRef idx="0"/>
-    <cs:fontRef idx="minor">
-      <a:schemeClr val="dk1"/>
-    </cs:fontRef>
-    <cs:spPr>
-      <a:ln w="9525">
-        <a:solidFill>
-          <a:schemeClr val="tx1">
-            <a:lumMod val="35000"/>
-            <a:lumOff val="65000"/>
-          </a:schemeClr>
-        </a:solidFill>
-        <a:round/>
-      </a:ln>
-    </cs:spPr>
-  </cs:seriesLine>
-  <cs:title>
-    <cs:lnRef idx="0"/>
-    <cs:fillRef idx="0"/>
-    <cs:effectRef idx="0"/>
-    <cs:fontRef idx="major">
-      <a:schemeClr val="tx1">
-        <a:lumMod val="65000"/>
-        <a:lumOff val="35000"/>
-      </a:schemeClr>
-    </cs:fontRef>
-    <cs:defRPr sz="2200" b="0" kern="1200" cap="none" spc="0" normalizeH="0" baseline="0"/>
-  </cs:title>
-  <cs:trendline>
-    <cs:lnRef idx="0">
-      <cs:styleClr val="auto"/>
-    </cs:lnRef>
-    <cs:fillRef idx="0"/>
-    <cs:effectRef idx="0"/>
-    <cs:fontRef idx="minor">
-      <a:schemeClr val="dk1"/>
-    </cs:fontRef>
-    <cs:spPr>
-      <a:ln w="19050" cap="rnd">
-        <a:solidFill>
-          <a:schemeClr val="phClr"/>
-        </a:solidFill>
-        <a:round/>
-      </a:ln>
-    </cs:spPr>
-  </cs:trendline>
-  <cs:trendlineLabel>
-    <cs:lnRef idx="0"/>
-    <cs:fillRef idx="0"/>
-    <cs:effectRef idx="0"/>
-    <cs:fontRef idx="minor">
-      <a:schemeClr val="tx1">
-        <a:lumMod val="65000"/>
-        <a:lumOff val="35000"/>
-      </a:schemeClr>
-    </cs:fontRef>
-    <cs:defRPr sz="1197" kern="1200"/>
-  </cs:trendlineLabel>
-  <cs:upBar>
-    <cs:lnRef idx="0"/>
-    <cs:fillRef idx="0"/>
-    <cs:effectRef idx="0"/>
-    <cs:fontRef idx="minor">
-      <a:schemeClr val="dk1"/>
-    </cs:fontRef>
-    <cs:spPr>
-      <a:solidFill>
-        <a:schemeClr val="lt1"/>
-      </a:solidFill>
-      <a:ln w="9525">
-        <a:solidFill>
-          <a:schemeClr val="tx1">
-            <a:lumMod val="50000"/>
-            <a:lumOff val="50000"/>
-          </a:schemeClr>
-        </a:solidFill>
-      </a:ln>
-    </cs:spPr>
-  </cs:upBar>
-  <cs:valueAxis>
-    <cs:lnRef idx="0"/>
-    <cs:fillRef idx="0"/>
-    <cs:effectRef idx="0"/>
-    <cs:fontRef idx="minor">
-      <a:schemeClr val="tx1">
-        <a:lumMod val="65000"/>
-        <a:lumOff val="35000"/>
-      </a:schemeClr>
-    </cs:fontRef>
-    <cs:defRPr sz="1197" kern="1200"/>
-  </cs:valueAxis>
-  <cs:wall>
-    <cs:lnRef idx="0"/>
-    <cs:fillRef idx="0"/>
-    <cs:effectRef idx="0"/>
-    <cs:fontRef idx="minor">
-      <a:schemeClr val="dk1"/>
-    </cs:fontRef>
-  </cs:wall>
-</cs:chartStyle>
-</file>
-
-<file path=ppt/diagrams/colors1.xml><?xml version="1.0" encoding="utf-8"?>
-<dgm:colorsDef xmlns:dgm="http://schemas.openxmlformats.org/drawingml/2006/diagram" xmlns:a="http://schemas.openxmlformats.org/drawingml/2006/main" uniqueId="urn:microsoft.com/office/officeart/2005/8/colors/colorful3">
-  <dgm:title val=""/>
-  <dgm:desc val=""/>
-  <dgm:catLst>
-    <dgm:cat type="colorful" pri="10300"/>
-  </dgm:catLst>
-  <dgm:styleLbl name="node0">
-    <dgm:fillClrLst meth="repeat">
-      <a:schemeClr val="accent2"/>
-    </dgm:fillClrLst>
-    <dgm:linClrLst meth="repeat">
-      <a:schemeClr val="lt1"/>
-    </dgm:linClrLst>
-    <dgm:effectClrLst/>
-    <dgm:txLinClrLst/>
-    <dgm:txFillClrLst/>
-    <dgm:txEffectClrLst/>
-  </dgm:styleLbl>
-  <dgm:styleLbl name="node1">
-    <dgm:fillClrLst>
-      <a:schemeClr val="accent3"/>
-      <a:schemeClr val="accent4"/>
-    </dgm:fillClrLst>
-    <dgm:linClrLst meth="repeat">
-      <a:schemeClr val="lt1"/>
-    </dgm:linClrLst>
-    <dgm:effectClrLst/>
-    <dgm:txLinClrLst/>
-    <dgm:txFillClrLst/>
-    <dgm:txEffectClrLst/>
-  </dgm:styleLbl>
-  <dgm:styleLbl name="alignNode1">
-    <dgm:fillClrLst>
-      <a:schemeClr val="accent3"/>
-      <a:schemeClr val="accent4"/>
-    </dgm:fillClrLst>
-    <dgm:linClrLst>
-      <a:schemeClr val="accent3"/>
-      <a:schemeClr val="accent4"/>
-    </dgm:linClrLst>
-    <dgm:effectClrLst/>
-    <dgm:txLinClrLst/>
-    <dgm:txFillClrLst/>
-    <dgm:txEffectClrLst/>
-  </dgm:styleLbl>
-  <dgm:styleLbl name="lnNode1">
-    <dgm:fillClrLst>
-      <a:schemeClr val="accent3"/>
-      <a:schemeClr val="accent4"/>
-    </dgm:fillClrLst>
-    <dgm:linClrLst meth="repeat">
-      <a:schemeClr val="lt1"/>
-    </dgm:linClrLst>
-    <dgm:effectClrLst/>
-    <dgm:txLinClrLst/>
-    <dgm:txFillClrLst/>
-    <dgm:txEffectClrLst/>
-  </dgm:styleLbl>
-  <dgm:styleLbl name="vennNode1">
-    <dgm:fillClrLst>
-      <a:schemeClr val="accent3">
-        <a:alpha val="50000"/>
-      </a:schemeClr>
-      <a:schemeClr val="accent4">
-        <a:alpha val="50000"/>
-      </a:schemeClr>
-    </dgm:fillClrLst>
-    <dgm:linClrLst meth="repeat">
-      <a:schemeClr val="lt1"/>
-    </dgm:linClrLst>
-    <dgm:effectClrLst/>
-    <dgm:txLinClrLst/>
-    <dgm:txFillClrLst/>
-    <dgm:txEffectClrLst/>
-  </dgm:styleLbl>
-  <dgm:styleLbl name="node2">
-    <dgm:fillClrLst>
-      <a:schemeClr val="accent4"/>
-    </dgm:fillClrLst>
-    <dgm:linClrLst meth="repeat">
-      <a:schemeClr val="lt1"/>
-    </dgm:linClrLst>
-    <dgm:effectClrLst/>
-    <dgm:txLinClrLst/>
-    <dgm:txFillClrLst/>
-    <dgm:txEffectClrLst/>
-  </dgm:styleLbl>
-  <dgm:styleLbl name="node3">
-    <dgm:fillClrLst>
-      <a:schemeClr val="accent5"/>
-    </dgm:fillClrLst>
-    <dgm:linClrLst meth="repeat">
-      <a:schemeClr val="lt1"/>
-    </dgm:linClrLst>
-    <dgm:effectClrLst/>
-    <dgm:txLinClrLst/>
-    <dgm:txFillClrLst/>
-    <dgm:txEffectClrLst/>
-  </dgm:styleLbl>
-  <dgm:styleLbl name="node4">
-    <dgm:fillClrLst>
-      <a:schemeClr val="accent6"/>
-    </dgm:fillClrLst>
-    <dgm:linClrLst meth="repeat">
-      <a:schemeClr val="lt1"/>
-    </dgm:linClrLst>
-    <dgm:effectClrLst/>
-    <dgm:txLinClrLst/>
-    <dgm:txFillClrLst/>
-    <dgm:txEffectClrLst/>
-  </dgm:styleLbl>
-  <dgm:styleLbl name="fgImgPlace1">
-    <dgm:fillClrLst>
-      <a:schemeClr val="accent3">
-        <a:tint val="50000"/>
-      </a:schemeClr>
-      <a:schemeClr val="accent4">
-        <a:tint val="50000"/>
-      </a:schemeClr>
-    </dgm:fillClrLst>
-    <dgm:linClrLst meth="repeat">
-      <a:schemeClr val="lt1"/>
-    </dgm:linClrLst>
-    <dgm:effectClrLst/>
-    <dgm:txLinClrLst/>
-    <dgm:txFillClrLst meth="repeat">
-      <a:schemeClr val="lt1"/>
-    </dgm:txFillClrLst>
-    <dgm:txEffectClrLst/>
-  </dgm:styleLbl>
-  <dgm:styleLbl name="alignImgPlace1">
-    <dgm:fillClrLst>
-      <a:schemeClr val="accent3">
-        <a:tint val="50000"/>
-      </a:schemeClr>
-      <a:schemeClr val="accent4">
-        <a:tint val="20000"/>
-      </a:schemeClr>
-    </dgm:fillClrLst>
-    <dgm:linClrLst meth="repeat">
-      <a:schemeClr val="lt1"/>
-    </dgm:linClrLst>
-    <dgm:effectClrLst/>
-    <dgm:txLinClrLst/>
-    <dgm:txFillClrLst meth="repeat">
-      <a:schemeClr val="lt1"/>
-    </dgm:txFillClrLst>
-    <dgm:txEffectClrLst/>
-  </dgm:styleLbl>
-  <dgm:styleLbl name="bgImgPlace1">
-    <dgm:fillClrLst>
-      <a:schemeClr val="accent3">
-        <a:tint val="50000"/>
-      </a:schemeClr>
-      <a:schemeClr val="accent4">
-        <a:tint val="20000"/>
-      </a:schemeClr>
-    </dgm:fillClrLst>
-    <dgm:linClrLst meth="repeat">
-      <a:schemeClr val="lt1"/>
-    </dgm:linClrLst>
-    <dgm:effectClrLst/>
-    <dgm:txLinClrLst/>
-    <dgm:txFillClrLst meth="repeat">
-      <a:schemeClr val="lt1"/>
-    </dgm:txFillClrLst>
-    <dgm:txEffectClrLst/>
-  </dgm:styleLbl>
-  <dgm:styleLbl name="sibTrans2D1">
-    <dgm:fillClrLst>
-      <a:schemeClr val="accent3"/>
-      <a:schemeClr val="accent4"/>
-    </dgm:fillClrLst>
-    <dgm:linClrLst meth="repeat">
-      <a:schemeClr val="lt1"/>
-    </dgm:linClrLst>
-    <dgm:effectClrLst/>
-    <dgm:txLinClrLst/>
-    <dgm:txFillClrLst/>
-    <dgm:txEffectClrLst/>
-  </dgm:styleLbl>
-  <dgm:styleLbl name="fgSibTrans2D1">
-    <dgm:fillClrLst>
-      <a:schemeClr val="accent3"/>
-      <a:schemeClr val="accent4"/>
-    </dgm:fillClrLst>
-    <dgm:linClrLst meth="repeat">
-      <a:schemeClr val="lt1"/>
-    </dgm:linClrLst>
-    <dgm:effectClrLst/>
-    <dgm:txLinClrLst/>
-    <dgm:txFillClrLst meth="repeat">
-      <a:schemeClr val="lt1"/>
-    </dgm:txFillClrLst>
-    <dgm:txEffectClrLst/>
-  </dgm:styleLbl>
-  <dgm:styleLbl name="bgSibTrans2D1">
-    <dgm:fillClrLst>
-      <a:schemeClr val="accent3"/>
-      <a:schemeClr val="accent4"/>
-    </dgm:fillClrLst>
-    <dgm:linClrLst meth="repeat">
-      <a:schemeClr val="lt1"/>
-    </dgm:linClrLst>
-    <dgm:effectClrLst/>
-    <dgm:txLinClrLst/>
-    <dgm:txFillClrLst meth="repeat">
-      <a:schemeClr val="lt1"/>
-    </dgm:txFillClrLst>
-    <dgm:txEffectClrLst/>
-  </dgm:styleLbl>
-  <dgm:styleLbl name="sibTrans1D1">
-    <dgm:fillClrLst/>
-    <dgm:linClrLst>
-      <a:schemeClr val="accent3"/>
-      <a:schemeClr val="accent4"/>
-    </dgm:linClrLst>
-    <dgm:effectClrLst/>
-    <dgm:txLinClrLst/>
-    <dgm:txFillClrLst meth="repeat">
-      <a:schemeClr val="tx1"/>
-    </dgm:txFillClrLst>
-    <dgm:txEffectClrLst/>
-  </dgm:styleLbl>
-  <dgm:styleLbl name="callout">
-    <dgm:fillClrLst meth="repeat">
-      <a:schemeClr val="accent3"/>
-    </dgm:fillClrLst>
-    <dgm:linClrLst meth="repeat">
-      <a:schemeClr val="accent3">
-        <a:tint val="50000"/>
-      </a:schemeClr>
-    </dgm:linClrLst>
-    <dgm:effectClrLst/>
-    <dgm:txLinClrLst/>
-    <dgm:txFillClrLst meth="repeat">
-      <a:schemeClr val="tx1"/>
-    </dgm:txFillClrLst>
-    <dgm:txEffectClrLst/>
-  </dgm:styleLbl>
-  <dgm:styleLbl name="asst0">
-    <dgm:fillClrLst meth="repeat">
-      <a:schemeClr val="accent3"/>
-    </dgm:fillClrLst>
-    <dgm:linClrLst meth="repeat">
-      <a:schemeClr val="lt1">
-        <a:shade val="80000"/>
-      </a:schemeClr>
-    </dgm:linClrLst>
-    <dgm:effectClrLst/>
-    <dgm:txLinClrLst/>
-    <dgm:txFillClrLst/>
-    <dgm:txEffectClrLst/>
-  </dgm:styleLbl>
-  <dgm:styleLbl name="asst1">
-    <dgm:fillClrLst meth="repeat">
-      <a:schemeClr val="accent4"/>
-    </dgm:fillClrLst>
-    <dgm:linClrLst meth="repeat">
-      <a:schemeClr val="lt1">
-        <a:shade val="80000"/>
-      </a:schemeClr>
-    </dgm:linClrLst>
-    <dgm:effectClrLst/>
-    <dgm:txLinClrLst/>
-    <dgm:txFillClrLst/>
-    <dgm:txEffectClrLst/>
-  </dgm:styleLbl>
-  <dgm:styleLbl name="asst2">
-    <dgm:fillClrLst>
-      <a:schemeClr val="accent5"/>
-    </dgm:fillClrLst>
-    <dgm:linClrLst meth="repeat">
-      <a:schemeClr val="lt1"/>
-    </dgm:linClrLst>
-    <dgm:effectClrLst/>
-    <dgm:txLinClrLst/>
-    <dgm:txFillClrLst/>
-    <dgm:txEffectClrLst/>
-  </dgm:styleLbl>
-  <dgm:styleLbl name="asst3">
-    <dgm:fillClrLst>
-      <a:schemeClr val="accent6"/>
-    </dgm:fillClrLst>
-    <dgm:linClrLst meth="repeat">
-      <a:schemeClr val="lt1"/>
-    </dgm:linClrLst>
-    <dgm:effectClrLst/>
-    <dgm:txLinClrLst/>
-    <dgm:txFillClrLst/>
-    <dgm:txEffectClrLst/>
-  </dgm:styleLbl>
-  <dgm:styleLbl name="asst4">
-    <dgm:fillClrLst>
-      <a:schemeClr val="accent1"/>
-    </dgm:fillClrLst>
-    <dgm:linClrLst meth="repeat">
-      <a:schemeClr val="lt1"/>
-    </dgm:linClrLst>
-    <dgm:effectClrLst/>
-    <dgm:txLinClrLst/>
-    <dgm:txFillClrLst/>
-    <dgm:txEffectClrLst/>
-  </dgm:styleLbl>
-  <dgm:styleLbl name="parChTrans2D1">
-    <dgm:fillClrLst meth="repeat">
-      <a:schemeClr val="accent2"/>
-    </dgm:fillClrLst>
-    <dgm:linClrLst meth="repeat">
-      <a:schemeClr val="lt1"/>
-    </dgm:linClrLst>
-    <dgm:effectClrLst/>
-    <dgm:txLinClrLst/>
-    <dgm:txFillClrLst meth="repeat">
-      <a:schemeClr val="lt1"/>
-    </dgm:txFillClrLst>
-    <dgm:txEffectClrLst/>
-  </dgm:styleLbl>
-  <dgm:styleLbl name="parChTrans2D2">
-    <dgm:fillClrLst meth="repeat">
-      <a:schemeClr val="accent3"/>
-    </dgm:fillClrLst>
-    <dgm:linClrLst meth="repeat">
-      <a:schemeClr val="lt1"/>
-    </dgm:linClrLst>
-    <dgm:effectClrLst/>
-    <dgm:txLinClrLst/>
-    <dgm:txFillClrLst/>
-    <dgm:txEffectClrLst/>
-  </dgm:styleLbl>
-  <dgm:styleLbl name="parChTrans2D3">
-    <dgm:fillClrLst meth="repeat">
-      <a:schemeClr val="accent4"/>
-    </dgm:fillClrLst>
-    <dgm:linClrLst meth="repeat">
-      <a:schemeClr val="lt1"/>
-    </dgm:linClrLst>
-    <dgm:effectClrLst/>
-    <dgm:txLinClrLst/>
-    <dgm:txFillClrLst/>
-    <dgm:txEffectClrLst/>
-  </dgm:styleLbl>
-  <dgm:styleLbl name="parChTrans2D4">
-    <dgm:fillClrLst meth="repeat">
-      <a:schemeClr val="accent5"/>
-    </dgm:fillClrLst>
-    <dgm:linClrLst meth="repeat">
-      <a:schemeClr val="lt1"/>
-    </dgm:linClrLst>
-    <dgm:effectClrLst/>
-    <dgm:txLinClrLst/>
-    <dgm:txFillClrLst meth="repeat">
-      <a:schemeClr val="lt1"/>
-    </dgm:txFillClrLst>
-    <dgm:txEffectClrLst/>
-  </dgm:styleLbl>
-  <dgm:styleLbl name="parChTrans1D1">
-    <dgm:fillClrLst meth="repeat">
-      <a:schemeClr val="accent3"/>
-    </dgm:fillClrLst>
-    <dgm:linClrLst meth="repeat">
-      <a:schemeClr val="accent3"/>
-    </dgm:linClrLst>
-    <dgm:effectClrLst/>
-    <dgm:txLinClrLst/>
-    <dgm:txFillClrLst meth="repeat">
-      <a:schemeClr val="tx1"/>
-    </dgm:txFillClrLst>
-    <dgm:txEffectClrLst/>
-  </dgm:styleLbl>
-  <dgm:styleLbl name="parChTrans1D2">
-    <dgm:fillClrLst meth="repeat">
-      <a:schemeClr val="accent2">
-        <a:tint val="90000"/>
-      </a:schemeClr>
-    </dgm:fillClrLst>
-    <dgm:linClrLst meth="repeat">
-      <a:schemeClr val="accent4"/>
-    </dgm:linClrLst>
-    <dgm:effectClrLst/>
-    <dgm:txLinClrLst/>
-    <dgm:txFillClrLst meth="repeat">
-      <a:schemeClr val="tx1"/>
-    </dgm:txFillClrLst>
-    <dgm:txEffectClrLst/>
-  </dgm:styleLbl>
-  <dgm:styleLbl name="parChTrans1D3">
-    <dgm:fillClrLst meth="repeat">
-      <a:schemeClr val="accent2">
-        <a:tint val="70000"/>
-      </a:schemeClr>
-    </dgm:fillClrLst>
-    <dgm:linClrLst meth="repeat">
-      <a:schemeClr val="accent5"/>
-    </dgm:linClrLst>
-    <dgm:effectClrLst/>
-    <dgm:txLinClrLst/>
-    <dgm:txFillClrLst meth="repeat">
-      <a:schemeClr val="tx1"/>
-    </dgm:txFillClrLst>
-    <dgm:txEffectClrLst/>
-  </dgm:styleLbl>
-  <dgm:styleLbl name="parChTrans1D4">
-    <dgm:fillClrLst meth="repeat">
-      <a:schemeClr val="accent6">
-        <a:tint val="50000"/>
-      </a:schemeClr>
-    </dgm:fillClrLst>
-    <dgm:linClrLst meth="repeat">
-      <a:schemeClr val="accent6"/>
-    </dgm:linClrLst>
-    <dgm:effectClrLst/>
-    <dgm:txLinClrLst/>
-    <dgm:txFillClrLst meth="repeat">
-      <a:schemeClr val="tx1"/>
-    </dgm:txFillClrLst>
-    <dgm:txEffectClrLst/>
-  </dgm:styleLbl>
-  <dgm:styleLbl name="fgAcc1">
-    <dgm:fillClrLst meth="repeat">
-      <a:schemeClr val="lt1">
-        <a:alpha val="90000"/>
-      </a:schemeClr>
-    </dgm:fillClrLst>
-    <dgm:linClrLst>
-      <a:schemeClr val="accent3"/>
-      <a:schemeClr val="accent4"/>
-    </dgm:linClrLst>
-    <dgm:effectClrLst/>
-    <dgm:txLinClrLst/>
-    <dgm:txFillClrLst meth="repeat">
-      <a:schemeClr val="dk1"/>
-    </dgm:txFillClrLst>
-    <dgm:txEffectClrLst/>
-  </dgm:styleLbl>
-  <dgm:styleLbl name="conFgAcc1">
-    <dgm:fillClrLst meth="repeat">
-      <a:schemeClr val="lt1">
-        <a:alpha val="90000"/>
-      </a:schemeClr>
-    </dgm:fillClrLst>
-    <dgm:linClrLst>
-      <a:schemeClr val="accent3"/>
-      <a:schemeClr val="accent4"/>
-    </dgm:linClrLst>
-    <dgm:effectClrLst/>
-    <dgm:txLinClrLst/>
-    <dgm:txFillClrLst meth="repeat">
-      <a:schemeClr val="dk1"/>
-    </dgm:txFillClrLst>
-    <dgm:txEffectClrLst/>
-  </dgm:styleLbl>
-  <dgm:styleLbl name="alignAcc1">
-    <dgm:fillClrLst meth="repeat">
-      <a:schemeClr val="lt1">
-        <a:alpha val="90000"/>
-      </a:schemeClr>
-    </dgm:fillClrLst>
-    <dgm:linClrLst>
-      <a:schemeClr val="accent3"/>
-      <a:schemeClr val="accent4"/>
-    </dgm:linClrLst>
-    <dgm:effectClrLst/>
-    <dgm:txLinClrLst/>
-    <dgm:txFillClrLst meth="repeat">
-      <a:schemeClr val="dk1"/>
-    </dgm:txFillClrLst>
-    <dgm:txEffectClrLst/>
-  </dgm:styleLbl>
-  <dgm:styleLbl name="trAlignAcc1">
-    <dgm:fillClrLst meth="repeat">
-      <a:schemeClr val="lt1">
-        <a:alpha val="40000"/>
-      </a:schemeClr>
-    </dgm:fillClrLst>
-    <dgm:linClrLst meth="repeat">
-      <a:schemeClr val="accent2"/>
-    </dgm:linClrLst>
-    <dgm:effectClrLst/>
-    <dgm:txLinClrLst/>
-    <dgm:txFillClrLst meth="repeat">
-      <a:schemeClr val="dk1"/>
-    </dgm:txFillClrLst>
-    <dgm:txEffectClrLst/>
-  </dgm:styleLbl>
-  <dgm:styleLbl name="bgAcc1">
-    <dgm:fillClrLst meth="repeat">
-      <a:schemeClr val="lt1">
-        <a:alpha val="90000"/>
-      </a:schemeClr>
-    </dgm:fillClrLst>
-    <dgm:linClrLst>
-      <a:schemeClr val="accent3"/>
-      <a:schemeClr val="accent4"/>
-    </dgm:linClrLst>
-    <dgm:effectClrLst/>
-    <dgm:txLinClrLst/>
-    <dgm:txFillClrLst meth="repeat">
-      <a:schemeClr val="dk1"/>
-    </dgm:txFillClrLst>
-    <dgm:txEffectClrLst/>
-  </dgm:styleLbl>
-  <dgm:styleLbl name="solidFgAcc1">
-    <dgm:fillClrLst meth="repeat">
-      <a:schemeClr val="lt1"/>
-    </dgm:fillClrLst>
-    <dgm:linClrLst>
-      <a:schemeClr val="accent3"/>
-      <a:schemeClr val="accent4"/>
-    </dgm:linClrLst>
-    <dgm:effectClrLst/>
-    <dgm:txLinClrLst/>
-    <dgm:txFillClrLst meth="repeat">
-      <a:schemeClr val="dk1"/>
-    </dgm:txFillClrLst>
-    <dgm:txEffectClrLst/>
-  </dgm:styleLbl>
-  <dgm:styleLbl name="solidAlignAcc1">
-    <dgm:fillClrLst meth="repeat">
-      <a:schemeClr val="lt1"/>
-    </dgm:fillClrLst>
-    <dgm:linClrLst>
-      <a:schemeClr val="accent3"/>
-      <a:schemeClr val="accent4"/>
-    </dgm:linClrLst>
-    <dgm:effectClrLst/>
-    <dgm:txLinClrLst/>
-    <dgm:txFillClrLst meth="repeat">
-      <a:schemeClr val="dk1"/>
-    </dgm:txFillClrLst>
-    <dgm:txEffectClrLst/>
-  </dgm:styleLbl>
-  <dgm:styleLbl name="solidBgAcc1">
-    <dgm:fillClrLst meth="repeat">
-      <a:schemeClr val="lt1"/>
-    </dgm:fillClrLst>
-    <dgm:linClrLst>
-      <a:schemeClr val="accent3"/>
-      <a:schemeClr val="accent4"/>
-    </dgm:linClrLst>
-    <dgm:effectClrLst/>
-    <dgm:txLinClrLst/>
-    <dgm:txFillClrLst meth="repeat">
-      <a:schemeClr val="dk1"/>
-    </dgm:txFillClrLst>
-    <dgm:txEffectClrLst/>
-  </dgm:styleLbl>
-  <dgm:styleLbl name="fgAccFollowNode1">
-    <dgm:fillClrLst>
-      <a:schemeClr val="accent3">
-        <a:tint val="40000"/>
-        <a:alpha val="90000"/>
-      </a:schemeClr>
-      <a:schemeClr val="accent4">
-        <a:tint val="40000"/>
-        <a:alpha val="90000"/>
-      </a:schemeClr>
-    </dgm:fillClrLst>
-    <dgm:linClrLst>
-      <a:schemeClr val="accent3">
-        <a:tint val="40000"/>
-        <a:alpha val="90000"/>
-      </a:schemeClr>
-      <a:schemeClr val="accent4">
-        <a:tint val="40000"/>
-        <a:alpha val="90000"/>
-      </a:schemeClr>
-    </dgm:linClrLst>
-    <dgm:effectClrLst/>
-    <dgm:txLinClrLst/>
-    <dgm:txFillClrLst meth="repeat">
-      <a:schemeClr val="dk1"/>
-    </dgm:txFillClrLst>
-    <dgm:txEffectClrLst/>
-  </dgm:styleLbl>
-  <dgm:styleLbl name="alignAccFollowNode1">
-    <dgm:fillClrLst>
-      <a:schemeClr val="accent3">
-        <a:tint val="40000"/>
-        <a:alpha val="90000"/>
-      </a:schemeClr>
-      <a:schemeClr val="accent4">
-        <a:tint val="40000"/>
-        <a:alpha val="90000"/>
-      </a:schemeClr>
-    </dgm:fillClrLst>
-    <dgm:linClrLst>
-      <a:schemeClr val="accent3">
-        <a:tint val="40000"/>
-        <a:alpha val="90000"/>
-      </a:schemeClr>
-      <a:schemeClr val="accent4">
-        <a:tint val="40000"/>
-        <a:alpha val="90000"/>
-      </a:schemeClr>
-    </dgm:linClrLst>
-    <dgm:effectClrLst/>
-    <dgm:txLinClrLst/>
-    <dgm:txFillClrLst meth="repeat">
-      <a:schemeClr val="dk1"/>
-    </dgm:txFillClrLst>
-    <dgm:txEffectClrLst/>
-  </dgm:styleLbl>
-  <dgm:styleLbl name="bgAccFollowNode1">
-    <dgm:fillClrLst>
-      <a:schemeClr val="accent3">
-        <a:tint val="40000"/>
-        <a:alpha val="90000"/>
-      </a:schemeClr>
-      <a:schemeClr val="accent4">
-        <a:tint val="40000"/>
-        <a:alpha val="90000"/>
-      </a:schemeClr>
-    </dgm:fillClrLst>
-    <dgm:linClrLst>
-      <a:schemeClr val="accent3">
-        <a:tint val="40000"/>
-        <a:alpha val="90000"/>
-      </a:schemeClr>
-      <a:schemeClr val="accent4">
-        <a:tint val="40000"/>
-        <a:alpha val="90000"/>
-      </a:schemeClr>
-    </dgm:linClrLst>
-    <dgm:effectClrLst/>
-    <dgm:txLinClrLst/>
-    <dgm:txFillClrLst meth="repeat">
-      <a:schemeClr val="dk1"/>
-    </dgm:txFillClrLst>
-    <dgm:txEffectClrLst/>
-  </dgm:styleLbl>
-  <dgm:styleLbl name="fgAcc0">
-    <dgm:fillClrLst meth="repeat">
-      <a:schemeClr val="lt1">
-        <a:alpha val="90000"/>
-      </a:schemeClr>
-    </dgm:fillClrLst>
-    <dgm:linClrLst>
-      <a:schemeClr val="accent2"/>
-    </dgm:linClrLst>
-    <dgm:effectClrLst/>
-    <dgm:txLinClrLst/>
-    <dgm:txFillClrLst meth="repeat">
-      <a:schemeClr val="dk1"/>
-    </dgm:txFillClrLst>
-    <dgm:txEffectClrLst/>
-  </dgm:styleLbl>
-  <dgm:styleLbl name="fgAcc2">
-    <dgm:fillClrLst meth="repeat">
-      <a:schemeClr val="lt1">
-        <a:alpha val="90000"/>
-      </a:schemeClr>
-    </dgm:fillClrLst>
-    <dgm:linClrLst>
-      <a:schemeClr val="accent4"/>
-    </dgm:linClrLst>
-    <dgm:effectClrLst/>
-    <dgm:txLinClrLst/>
-    <dgm:txFillClrLst meth="repeat">
-      <a:schemeClr val="dk1"/>
-    </dgm:txFillClrLst>
-    <dgm:txEffectClrLst/>
-  </dgm:styleLbl>
-  <dgm:styleLbl name="fgAcc3">
-    <dgm:fillClrLst meth="repeat">
-      <a:schemeClr val="lt1">
-        <a:alpha val="90000"/>
-      </a:schemeClr>
-    </dgm:fillClrLst>
-    <dgm:linClrLst>
-      <a:schemeClr val="accent5"/>
-    </dgm:linClrLst>
-    <dgm:effectClrLst/>
-    <dgm:txLinClrLst/>
-    <dgm:txFillClrLst meth="repeat">
-      <a:schemeClr val="dk1"/>
-    </dgm:txFillClrLst>
-    <dgm:txEffectClrLst/>
-  </dgm:styleLbl>
-  <dgm:styleLbl name="fgAcc4">
-    <dgm:fillClrLst meth="repeat">
-      <a:schemeClr val="lt1">
-        <a:alpha val="90000"/>
-      </a:schemeClr>
-    </dgm:fillClrLst>
-    <dgm:linClrLst>
-      <a:schemeClr val="accent6"/>
-    </dgm:linClrLst>
-    <dgm:effectClrLst/>
-    <dgm:txLinClrLst/>
-    <dgm:txFillClrLst meth="repeat">
-      <a:schemeClr val="dk1"/>
-    </dgm:txFillClrLst>
-    <dgm:txEffectClrLst/>
-  </dgm:styleLbl>
-  <dgm:styleLbl name="bgShp">
-    <dgm:fillClrLst meth="repeat">
-      <a:schemeClr val="accent3">
-        <a:tint val="40000"/>
-      </a:schemeClr>
-    </dgm:fillClrLst>
-    <dgm:linClrLst meth="repeat">
-      <a:schemeClr val="dk1"/>
-    </dgm:linClrLst>
-    <dgm:effectClrLst/>
-    <dgm:txLinClrLst/>
-    <dgm:txFillClrLst meth="repeat">
-      <a:schemeClr val="dk1"/>
-    </dgm:txFillClrLst>
-    <dgm:txEffectClrLst/>
-  </dgm:styleLbl>
-  <dgm:styleLbl name="dkBgShp">
-    <dgm:fillClrLst meth="repeat">
-      <a:schemeClr val="accent3">
-        <a:shade val="90000"/>
-      </a:schemeClr>
-    </dgm:fillClrLst>
-    <dgm:linClrLst meth="repeat">
-      <a:schemeClr val="dk1"/>
-    </dgm:linClrLst>
-    <dgm:effectClrLst/>
-    <dgm:txLinClrLst/>
-    <dgm:txFillClrLst meth="repeat">
-      <a:schemeClr val="lt1"/>
-    </dgm:txFillClrLst>
-    <dgm:txEffectClrLst/>
-  </dgm:styleLbl>
-  <dgm:styleLbl name="trBgShp">
-    <dgm:fillClrLst meth="repeat">
-      <a:schemeClr val="accent2">
-        <a:tint val="50000"/>
-        <a:alpha val="40000"/>
-      </a:schemeClr>
-    </dgm:fillClrLst>
-    <dgm:linClrLst meth="repeat">
-      <a:schemeClr val="accent3"/>
-    </dgm:linClrLst>
-    <dgm:effectClrLst/>
-    <dgm:txLinClrLst/>
-    <dgm:txFillClrLst meth="repeat">
-      <a:schemeClr val="lt1"/>
-    </dgm:txFillClrLst>
-    <dgm:txEffectClrLst/>
-  </dgm:styleLbl>
-  <dgm:styleLbl name="fgShp">
-    <dgm:fillClrLst meth="repeat">
-      <a:schemeClr val="accent3">
-        <a:tint val="40000"/>
-      </a:schemeClr>
-    </dgm:fillClrLst>
-    <dgm:linClrLst meth="repeat">
-      <a:schemeClr val="lt1"/>
-    </dgm:linClrLst>
-    <dgm:effectClrLst/>
-    <dgm:txLinClrLst/>
-    <dgm:txFillClrLst meth="repeat">
-      <a:schemeClr val="dk1"/>
-    </dgm:txFillClrLst>
-    <dgm:txEffectClrLst/>
-  </dgm:styleLbl>
-  <dgm:styleLbl name="revTx">
-    <dgm:fillClrLst meth="repeat">
-      <a:schemeClr val="lt1">
-        <a:alpha val="0"/>
-      </a:schemeClr>
-    </dgm:fillClrLst>
-    <dgm:linClrLst meth="repeat">
-      <a:schemeClr val="dk1">
-        <a:alpha val="0"/>
-      </a:schemeClr>
-    </dgm:linClrLst>
-    <dgm:effectClrLst/>
-    <dgm:txLinClrLst/>
-    <dgm:txFillClrLst meth="repeat">
-      <a:schemeClr val="tx1"/>
-    </dgm:txFillClrLst>
-    <dgm:txEffectClrLst/>
-  </dgm:styleLbl>
-</dgm:colorsDef>
-</file>
-
-<file path=ppt/diagrams/data1.xml><?xml version="1.0" encoding="utf-8"?>
-<dgm:dataModel xmlns:dgm="http://schemas.openxmlformats.org/drawingml/2006/diagram" xmlns:a="http://schemas.openxmlformats.org/drawingml/2006/main">
-  <dgm:ptLst>
-    <dgm:pt modelId="{3F442EA2-39BA-4C9A-AD59-755D4917D532}" type="doc">
-      <dgm:prSet loTypeId="urn:microsoft.com/office/officeart/2005/8/layout/list1" loCatId="list" qsTypeId="urn:microsoft.com/office/officeart/2005/8/quickstyle/simple1" qsCatId="simple" csTypeId="urn:microsoft.com/office/officeart/2005/8/colors/colorful3" csCatId="colorful" phldr="1"/>
-      <dgm:spPr/>
-      <dgm:t>
-        <a:bodyPr rtlCol="0"/>
-        <a:lstStyle/>
-        <a:p>
-          <a:pPr rtl="0"/>
-          <a:endParaRPr lang="en-US"/>
-        </a:p>
-      </dgm:t>
-    </dgm:pt>
-    <dgm:pt modelId="{4DF9FE7B-F642-4898-A360-D4E3814E1A3D}">
-      <dgm:prSet phldrT="[Text]"/>
-      <dgm:spPr/>
-      <dgm:t>
-        <a:bodyPr rtlCol="0"/>
-        <a:lstStyle/>
-        <a:p>
-          <a:pPr rtl="0"/>
-          <a:r>
-            <a:rPr lang="pt-br"/>
-            <a:t>Grupo A</a:t>
-          </a:r>
-          <a:endParaRPr lang="en-US" dirty="0"/>
-        </a:p>
-      </dgm:t>
-    </dgm:pt>
-    <dgm:pt modelId="{1C10F06D-860A-4604-A7AD-02E614FE3976}" type="parTrans" cxnId="{EBD8BE8D-6018-43E2-B081-034BB5656EB6}">
-      <dgm:prSet/>
-      <dgm:spPr/>
-      <dgm:t>
-        <a:bodyPr rtlCol="0"/>
-        <a:lstStyle/>
-        <a:p>
-          <a:pPr rtl="0"/>
-          <a:endParaRPr lang="en-US"/>
-        </a:p>
-      </dgm:t>
-    </dgm:pt>
-    <dgm:pt modelId="{43C18EFF-81FC-4D70-8C6B-E95FF3730413}" type="sibTrans" cxnId="{EBD8BE8D-6018-43E2-B081-034BB5656EB6}">
-      <dgm:prSet/>
-      <dgm:spPr/>
-      <dgm:t>
-        <a:bodyPr rtlCol="0"/>
-        <a:lstStyle/>
-        <a:p>
-          <a:pPr rtl="0"/>
-          <a:endParaRPr lang="en-US"/>
-        </a:p>
-      </dgm:t>
-    </dgm:pt>
-    <dgm:pt modelId="{EFF2750D-B4B3-474C-8B62-8B638DC31F7E}">
-      <dgm:prSet phldrT="[Text]"/>
-      <dgm:spPr/>
-      <dgm:t>
-        <a:bodyPr rtlCol="0"/>
-        <a:lstStyle/>
-        <a:p>
-          <a:pPr rtl="0"/>
-          <a:r>
-            <a:rPr lang="pt-br"/>
-            <a:t>Tarefa 1</a:t>
-          </a:r>
-        </a:p>
-      </dgm:t>
-    </dgm:pt>
-    <dgm:pt modelId="{AEBC78E6-CDDC-4C8F-A157-3C51E907FACD}" type="parTrans" cxnId="{A058DDA2-48CA-4E5B-B389-F71A59C262B0}">
-      <dgm:prSet/>
-      <dgm:spPr/>
-      <dgm:t>
-        <a:bodyPr rtlCol="0"/>
-        <a:lstStyle/>
-        <a:p>
-          <a:pPr rtl="0"/>
-          <a:endParaRPr lang="en-US"/>
-        </a:p>
-      </dgm:t>
-    </dgm:pt>
-    <dgm:pt modelId="{75C067D7-FCD2-4969-8F27-4BBDA88E75ED}" type="sibTrans" cxnId="{A058DDA2-48CA-4E5B-B389-F71A59C262B0}">
-      <dgm:prSet/>
-      <dgm:spPr/>
-      <dgm:t>
-        <a:bodyPr rtlCol="0"/>
-        <a:lstStyle/>
-        <a:p>
-          <a:pPr rtl="0"/>
-          <a:endParaRPr lang="en-US"/>
-        </a:p>
-      </dgm:t>
-    </dgm:pt>
-    <dgm:pt modelId="{789CD6DB-3A68-4A41-90BD-4F0CBB3617D1}">
-      <dgm:prSet phldrT="[Text]"/>
-      <dgm:spPr/>
-      <dgm:t>
-        <a:bodyPr rtlCol="0"/>
-        <a:lstStyle/>
-        <a:p>
-          <a:pPr rtl="0"/>
-          <a:r>
-            <a:rPr lang="pt-br"/>
-            <a:t>Tarefa 2</a:t>
-          </a:r>
-        </a:p>
-      </dgm:t>
-    </dgm:pt>
-    <dgm:pt modelId="{C0BEB5FF-8DFB-40B9-A228-C0C6097DDDC4}" type="parTrans" cxnId="{62C10234-45D3-426A-8820-4C0D1D8CBA21}">
-      <dgm:prSet/>
-      <dgm:spPr/>
-      <dgm:t>
-        <a:bodyPr rtlCol="0"/>
-        <a:lstStyle/>
-        <a:p>
-          <a:pPr rtl="0"/>
-          <a:endParaRPr lang="en-US"/>
-        </a:p>
-      </dgm:t>
-    </dgm:pt>
-    <dgm:pt modelId="{1A702531-A59F-4EE2-8246-E2EB0955D8B1}" type="sibTrans" cxnId="{62C10234-45D3-426A-8820-4C0D1D8CBA21}">
-      <dgm:prSet/>
-      <dgm:spPr/>
-      <dgm:t>
-        <a:bodyPr rtlCol="0"/>
-        <a:lstStyle/>
-        <a:p>
-          <a:pPr rtl="0"/>
-          <a:endParaRPr lang="en-US"/>
-        </a:p>
-      </dgm:t>
-    </dgm:pt>
-    <dgm:pt modelId="{3929B1E1-4BC4-4C73-ABE8-27CEF96A3652}">
-      <dgm:prSet phldrT="[Text]"/>
-      <dgm:spPr/>
-      <dgm:t>
-        <a:bodyPr rtlCol="0"/>
-        <a:lstStyle/>
-        <a:p>
-          <a:pPr rtl="0"/>
-          <a:r>
-            <a:rPr lang="pt-br"/>
-            <a:t>Grupo B</a:t>
-          </a:r>
-        </a:p>
-      </dgm:t>
-    </dgm:pt>
-    <dgm:pt modelId="{F356CC76-9117-4B79-A270-BBBAFD3E9C79}" type="parTrans" cxnId="{1339090C-9A95-4C05-841C-FA3AF987601B}">
-      <dgm:prSet/>
-      <dgm:spPr/>
-      <dgm:t>
-        <a:bodyPr rtlCol="0"/>
-        <a:lstStyle/>
-        <a:p>
-          <a:pPr rtl="0"/>
-          <a:endParaRPr lang="en-US"/>
-        </a:p>
-      </dgm:t>
-    </dgm:pt>
-    <dgm:pt modelId="{19BA0C22-38BB-4E9F-89D5-0FF5FF9F12CE}" type="sibTrans" cxnId="{1339090C-9A95-4C05-841C-FA3AF987601B}">
-      <dgm:prSet/>
-      <dgm:spPr/>
-      <dgm:t>
-        <a:bodyPr rtlCol="0"/>
-        <a:lstStyle/>
-        <a:p>
-          <a:pPr rtl="0"/>
-          <a:endParaRPr lang="en-US"/>
-        </a:p>
-      </dgm:t>
-    </dgm:pt>
-    <dgm:pt modelId="{99E0600D-9954-43F4-8926-13B8777FAAA1}">
-      <dgm:prSet phldrT="[Text]"/>
-      <dgm:spPr/>
-      <dgm:t>
-        <a:bodyPr rtlCol="0"/>
-        <a:lstStyle/>
-        <a:p>
-          <a:pPr rtl="0"/>
-          <a:r>
-            <a:rPr lang="pt-br"/>
-            <a:t>Tarefa 1</a:t>
-          </a:r>
-        </a:p>
-      </dgm:t>
-    </dgm:pt>
-    <dgm:pt modelId="{BE23F476-2C5C-42ED-BF2B-CD5FC7ADDDF6}" type="parTrans" cxnId="{09FCCB9D-A30A-4326-970E-26252D39327F}">
-      <dgm:prSet/>
-      <dgm:spPr/>
-      <dgm:t>
-        <a:bodyPr rtlCol="0"/>
-        <a:lstStyle/>
-        <a:p>
-          <a:pPr rtl="0"/>
-          <a:endParaRPr lang="en-US"/>
-        </a:p>
-      </dgm:t>
-    </dgm:pt>
-    <dgm:pt modelId="{C44937DC-4907-4769-AA8B-1B3E7391D7B0}" type="sibTrans" cxnId="{09FCCB9D-A30A-4326-970E-26252D39327F}">
-      <dgm:prSet/>
-      <dgm:spPr/>
-      <dgm:t>
-        <a:bodyPr rtlCol="0"/>
-        <a:lstStyle/>
-        <a:p>
-          <a:pPr rtl="0"/>
-          <a:endParaRPr lang="en-US"/>
-        </a:p>
-      </dgm:t>
-    </dgm:pt>
-    <dgm:pt modelId="{0791135C-9DAB-47F6-BE9C-A3E56A2DDA50}">
-      <dgm:prSet phldrT="[Text]"/>
-      <dgm:spPr/>
-      <dgm:t>
-        <a:bodyPr rtlCol="0"/>
-        <a:lstStyle/>
-        <a:p>
-          <a:pPr rtl="0"/>
-          <a:r>
-            <a:rPr lang="pt-br"/>
-            <a:t>Tarefa 2</a:t>
-          </a:r>
-        </a:p>
-      </dgm:t>
-    </dgm:pt>
-    <dgm:pt modelId="{D6057E63-9793-4991-97C1-30FC405E95A5}" type="parTrans" cxnId="{B3B26E9A-58E5-497B-BD59-F5567958C609}">
-      <dgm:prSet/>
-      <dgm:spPr/>
-      <dgm:t>
-        <a:bodyPr rtlCol="0"/>
-        <a:lstStyle/>
-        <a:p>
-          <a:pPr rtl="0"/>
-          <a:endParaRPr lang="en-US"/>
-        </a:p>
-      </dgm:t>
-    </dgm:pt>
-    <dgm:pt modelId="{B670C2A7-83CB-4F4C-BC19-A3A7C066A822}" type="sibTrans" cxnId="{B3B26E9A-58E5-497B-BD59-F5567958C609}">
-      <dgm:prSet/>
-      <dgm:spPr/>
-      <dgm:t>
-        <a:bodyPr rtlCol="0"/>
-        <a:lstStyle/>
-        <a:p>
-          <a:pPr rtl="0"/>
-          <a:endParaRPr lang="en-US"/>
-        </a:p>
-      </dgm:t>
-    </dgm:pt>
-    <dgm:pt modelId="{60CDF8D0-D4FC-4467-A51E-79C5A58B0B2C}">
-      <dgm:prSet phldrT="[Text]"/>
-      <dgm:spPr/>
-      <dgm:t>
-        <a:bodyPr rtlCol="0"/>
-        <a:lstStyle/>
-        <a:p>
-          <a:pPr rtl="0"/>
-          <a:r>
-            <a:rPr lang="pt-br"/>
-            <a:t>Grupo C</a:t>
-          </a:r>
-        </a:p>
-      </dgm:t>
-    </dgm:pt>
-    <dgm:pt modelId="{E12A269F-AB82-486A-9077-80F2BBBE48C2}" type="parTrans" cxnId="{2BA65DEC-E719-4ED3-8135-48349D42DD04}">
-      <dgm:prSet/>
-      <dgm:spPr/>
-      <dgm:t>
-        <a:bodyPr rtlCol="0"/>
-        <a:lstStyle/>
-        <a:p>
-          <a:pPr rtl="0"/>
-          <a:endParaRPr lang="en-US"/>
-        </a:p>
-      </dgm:t>
-    </dgm:pt>
-    <dgm:pt modelId="{3F7FD59D-A716-4310-A89A-AB6F740D9FFF}" type="sibTrans" cxnId="{2BA65DEC-E719-4ED3-8135-48349D42DD04}">
-      <dgm:prSet/>
-      <dgm:spPr/>
-      <dgm:t>
-        <a:bodyPr rtlCol="0"/>
-        <a:lstStyle/>
-        <a:p>
-          <a:pPr rtl="0"/>
-          <a:endParaRPr lang="en-US"/>
-        </a:p>
-      </dgm:t>
-    </dgm:pt>
-    <dgm:pt modelId="{50629C12-7464-4473-ADEF-1A284F8A9957}">
-      <dgm:prSet phldrT="[Text]"/>
-      <dgm:spPr/>
-      <dgm:t>
-        <a:bodyPr rtlCol="0"/>
-        <a:lstStyle/>
-        <a:p>
-          <a:pPr rtl="0"/>
-          <a:r>
-            <a:rPr lang="pt-br"/>
-            <a:t>Tarefa 1</a:t>
-          </a:r>
-        </a:p>
-      </dgm:t>
-    </dgm:pt>
-    <dgm:pt modelId="{9D1CB46C-0CFA-4B27-9224-267431FBD094}" type="parTrans" cxnId="{1D32FCC9-657C-4348-9C0D-52115D559FEB}">
-      <dgm:prSet/>
-      <dgm:spPr/>
-      <dgm:t>
-        <a:bodyPr rtlCol="0"/>
-        <a:lstStyle/>
-        <a:p>
-          <a:pPr rtl="0"/>
-          <a:endParaRPr lang="en-US"/>
-        </a:p>
-      </dgm:t>
-    </dgm:pt>
-    <dgm:pt modelId="{4576BCC5-0598-4332-A2E7-87AC3ADD4EB8}" type="sibTrans" cxnId="{1D32FCC9-657C-4348-9C0D-52115D559FEB}">
-      <dgm:prSet/>
-      <dgm:spPr/>
-      <dgm:t>
-        <a:bodyPr rtlCol="0"/>
-        <a:lstStyle/>
-        <a:p>
-          <a:pPr rtl="0"/>
-          <a:endParaRPr lang="en-US"/>
-        </a:p>
-      </dgm:t>
-    </dgm:pt>
-    <dgm:pt modelId="{E6A445EE-D086-4B01-B491-D67950A5A065}" type="pres">
-      <dgm:prSet presAssocID="{3F442EA2-39BA-4C9A-AD59-755D4917D532}" presName="linear" presStyleCnt="0">
-        <dgm:presLayoutVars>
-          <dgm:dir/>
-          <dgm:animLvl val="lvl"/>
-          <dgm:resizeHandles val="exact"/>
-        </dgm:presLayoutVars>
-      </dgm:prSet>
-      <dgm:spPr/>
-    </dgm:pt>
-    <dgm:pt modelId="{6D3A9625-D3EB-4CA1-AB05-34452283708A}" type="pres">
-      <dgm:prSet presAssocID="{4DF9FE7B-F642-4898-A360-D4E3814E1A3D}" presName="parentLin" presStyleCnt="0"/>
-      <dgm:spPr/>
-    </dgm:pt>
-    <dgm:pt modelId="{7E290D25-335D-4339-A8E8-B036E46B5EB5}" type="pres">
-      <dgm:prSet presAssocID="{4DF9FE7B-F642-4898-A360-D4E3814E1A3D}" presName="parentLeftMargin" presStyleLbl="node1" presStyleIdx="0" presStyleCnt="3"/>
-      <dgm:spPr/>
-    </dgm:pt>
-    <dgm:pt modelId="{674922F1-7266-4681-AD4F-1C618A5FFF23}" type="pres">
-      <dgm:prSet presAssocID="{4DF9FE7B-F642-4898-A360-D4E3814E1A3D}" presName="parentText" presStyleLbl="node1" presStyleIdx="0" presStyleCnt="3">
-        <dgm:presLayoutVars>
-          <dgm:chMax val="0"/>
-          <dgm:bulletEnabled val="1"/>
-        </dgm:presLayoutVars>
-      </dgm:prSet>
-      <dgm:spPr/>
-    </dgm:pt>
-    <dgm:pt modelId="{96C29850-0672-4B77-B5DE-2E1563038631}" type="pres">
-      <dgm:prSet presAssocID="{4DF9FE7B-F642-4898-A360-D4E3814E1A3D}" presName="negativeSpace" presStyleCnt="0"/>
-      <dgm:spPr/>
-    </dgm:pt>
-    <dgm:pt modelId="{80259B02-529C-422B-91BE-D70198BA9F6C}" type="pres">
-      <dgm:prSet presAssocID="{4DF9FE7B-F642-4898-A360-D4E3814E1A3D}" presName="childText" presStyleLbl="conFgAcc1" presStyleIdx="0" presStyleCnt="3">
-        <dgm:presLayoutVars>
-          <dgm:bulletEnabled val="1"/>
-        </dgm:presLayoutVars>
-      </dgm:prSet>
-      <dgm:spPr/>
-    </dgm:pt>
-    <dgm:pt modelId="{E53EFB4E-D3DB-42E1-82AC-148F7D29254F}" type="pres">
-      <dgm:prSet presAssocID="{43C18EFF-81FC-4D70-8C6B-E95FF3730413}" presName="spaceBetweenRectangles" presStyleCnt="0"/>
-      <dgm:spPr/>
-    </dgm:pt>
-    <dgm:pt modelId="{07AC1C38-F728-4390-9C76-57A49ED97DBB}" type="pres">
-      <dgm:prSet presAssocID="{3929B1E1-4BC4-4C73-ABE8-27CEF96A3652}" presName="parentLin" presStyleCnt="0"/>
-      <dgm:spPr/>
-    </dgm:pt>
-    <dgm:pt modelId="{D0037F0D-DB9A-4BA4-97B4-D939B26E14DA}" type="pres">
-      <dgm:prSet presAssocID="{3929B1E1-4BC4-4C73-ABE8-27CEF96A3652}" presName="parentLeftMargin" presStyleLbl="node1" presStyleIdx="0" presStyleCnt="3"/>
-      <dgm:spPr/>
-    </dgm:pt>
-    <dgm:pt modelId="{21EEBBE2-729F-4D85-8CAE-C2B30FF126D2}" type="pres">
-      <dgm:prSet presAssocID="{3929B1E1-4BC4-4C73-ABE8-27CEF96A3652}" presName="parentText" presStyleLbl="node1" presStyleIdx="1" presStyleCnt="3">
-        <dgm:presLayoutVars>
-          <dgm:chMax val="0"/>
-          <dgm:bulletEnabled val="1"/>
-        </dgm:presLayoutVars>
-      </dgm:prSet>
-      <dgm:spPr/>
-    </dgm:pt>
-    <dgm:pt modelId="{AACB3FAF-C320-430D-84D4-71BA6D1761D1}" type="pres">
-      <dgm:prSet presAssocID="{3929B1E1-4BC4-4C73-ABE8-27CEF96A3652}" presName="negativeSpace" presStyleCnt="0"/>
-      <dgm:spPr/>
-    </dgm:pt>
-    <dgm:pt modelId="{5282638F-EFF2-4770-BB1A-21455422E45D}" type="pres">
-      <dgm:prSet presAssocID="{3929B1E1-4BC4-4C73-ABE8-27CEF96A3652}" presName="childText" presStyleLbl="conFgAcc1" presStyleIdx="1" presStyleCnt="3">
-        <dgm:presLayoutVars>
-          <dgm:bulletEnabled val="1"/>
-        </dgm:presLayoutVars>
-      </dgm:prSet>
-      <dgm:spPr/>
-    </dgm:pt>
-    <dgm:pt modelId="{8CE827AA-77D8-4146-A665-00110A17769E}" type="pres">
-      <dgm:prSet presAssocID="{19BA0C22-38BB-4E9F-89D5-0FF5FF9F12CE}" presName="spaceBetweenRectangles" presStyleCnt="0"/>
-      <dgm:spPr/>
-    </dgm:pt>
-    <dgm:pt modelId="{34C9EE47-81AF-461E-8292-AB107AA0D367}" type="pres">
-      <dgm:prSet presAssocID="{60CDF8D0-D4FC-4467-A51E-79C5A58B0B2C}" presName="parentLin" presStyleCnt="0"/>
-      <dgm:spPr/>
-    </dgm:pt>
-    <dgm:pt modelId="{864CB39B-29F9-473D-90E5-0686D86E278F}" type="pres">
-      <dgm:prSet presAssocID="{60CDF8D0-D4FC-4467-A51E-79C5A58B0B2C}" presName="parentLeftMargin" presStyleLbl="node1" presStyleIdx="1" presStyleCnt="3"/>
-      <dgm:spPr/>
-    </dgm:pt>
-    <dgm:pt modelId="{5B203A22-00AF-46E7-9415-C6DAFD7E01CC}" type="pres">
-      <dgm:prSet presAssocID="{60CDF8D0-D4FC-4467-A51E-79C5A58B0B2C}" presName="parentText" presStyleLbl="node1" presStyleIdx="2" presStyleCnt="3">
-        <dgm:presLayoutVars>
-          <dgm:chMax val="0"/>
-          <dgm:bulletEnabled val="1"/>
-        </dgm:presLayoutVars>
-      </dgm:prSet>
-      <dgm:spPr/>
-    </dgm:pt>
-    <dgm:pt modelId="{DF9C1F84-81DE-4E5D-9537-C2D1A211B8B6}" type="pres">
-      <dgm:prSet presAssocID="{60CDF8D0-D4FC-4467-A51E-79C5A58B0B2C}" presName="negativeSpace" presStyleCnt="0"/>
-      <dgm:spPr/>
-    </dgm:pt>
-    <dgm:pt modelId="{964E6811-5072-4466-B721-689C35A65029}" type="pres">
-      <dgm:prSet presAssocID="{60CDF8D0-D4FC-4467-A51E-79C5A58B0B2C}" presName="childText" presStyleLbl="conFgAcc1" presStyleIdx="2" presStyleCnt="3">
-        <dgm:presLayoutVars>
-          <dgm:bulletEnabled val="1"/>
-        </dgm:presLayoutVars>
-      </dgm:prSet>
-      <dgm:spPr/>
-    </dgm:pt>
-  </dgm:ptLst>
-  <dgm:cxnLst>
-    <dgm:cxn modelId="{1339090C-9A95-4C05-841C-FA3AF987601B}" srcId="{3F442EA2-39BA-4C9A-AD59-755D4917D532}" destId="{3929B1E1-4BC4-4C73-ABE8-27CEF96A3652}" srcOrd="1" destOrd="0" parTransId="{F356CC76-9117-4B79-A270-BBBAFD3E9C79}" sibTransId="{19BA0C22-38BB-4E9F-89D5-0FF5FF9F12CE}"/>
-    <dgm:cxn modelId="{EF39DC10-C489-4F29-BCDA-31D69D3CEE27}" type="presOf" srcId="{60CDF8D0-D4FC-4467-A51E-79C5A58B0B2C}" destId="{5B203A22-00AF-46E7-9415-C6DAFD7E01CC}" srcOrd="1" destOrd="0" presId="urn:microsoft.com/office/officeart/2005/8/layout/list1"/>
-    <dgm:cxn modelId="{91E8EE10-A24D-4E72-918C-DFE8B8A56CE9}" type="presOf" srcId="{EFF2750D-B4B3-474C-8B62-8B638DC31F7E}" destId="{80259B02-529C-422B-91BE-D70198BA9F6C}" srcOrd="0" destOrd="0" presId="urn:microsoft.com/office/officeart/2005/8/layout/list1"/>
-    <dgm:cxn modelId="{D777451D-9818-431F-B600-33C7C8A40A98}" type="presOf" srcId="{3929B1E1-4BC4-4C73-ABE8-27CEF96A3652}" destId="{21EEBBE2-729F-4D85-8CAE-C2B30FF126D2}" srcOrd="1" destOrd="0" presId="urn:microsoft.com/office/officeart/2005/8/layout/list1"/>
-    <dgm:cxn modelId="{3F41141F-3FE3-4E69-BA1B-B1022C76134F}" type="presOf" srcId="{0791135C-9DAB-47F6-BE9C-A3E56A2DDA50}" destId="{5282638F-EFF2-4770-BB1A-21455422E45D}" srcOrd="0" destOrd="1" presId="urn:microsoft.com/office/officeart/2005/8/layout/list1"/>
-    <dgm:cxn modelId="{F7E95423-786D-404D-8158-68B1C89303BF}" type="presOf" srcId="{4DF9FE7B-F642-4898-A360-D4E3814E1A3D}" destId="{7E290D25-335D-4339-A8E8-B036E46B5EB5}" srcOrd="0" destOrd="0" presId="urn:microsoft.com/office/officeart/2005/8/layout/list1"/>
-    <dgm:cxn modelId="{62C10234-45D3-426A-8820-4C0D1D8CBA21}" srcId="{4DF9FE7B-F642-4898-A360-D4E3814E1A3D}" destId="{789CD6DB-3A68-4A41-90BD-4F0CBB3617D1}" srcOrd="1" destOrd="0" parTransId="{C0BEB5FF-8DFB-40B9-A228-C0C6097DDDC4}" sibTransId="{1A702531-A59F-4EE2-8246-E2EB0955D8B1}"/>
-    <dgm:cxn modelId="{3E379D5E-3519-4604-8C91-9AEBC1B5DA6A}" type="presOf" srcId="{60CDF8D0-D4FC-4467-A51E-79C5A58B0B2C}" destId="{864CB39B-29F9-473D-90E5-0686D86E278F}" srcOrd="0" destOrd="0" presId="urn:microsoft.com/office/officeart/2005/8/layout/list1"/>
-    <dgm:cxn modelId="{E694B157-BB09-40E7-9144-6278540E0676}" type="presOf" srcId="{789CD6DB-3A68-4A41-90BD-4F0CBB3617D1}" destId="{80259B02-529C-422B-91BE-D70198BA9F6C}" srcOrd="0" destOrd="1" presId="urn:microsoft.com/office/officeart/2005/8/layout/list1"/>
-    <dgm:cxn modelId="{E12E128A-D14B-4DAD-B3C2-4C2D815371A8}" type="presOf" srcId="{3929B1E1-4BC4-4C73-ABE8-27CEF96A3652}" destId="{D0037F0D-DB9A-4BA4-97B4-D939B26E14DA}" srcOrd="0" destOrd="0" presId="urn:microsoft.com/office/officeart/2005/8/layout/list1"/>
-    <dgm:cxn modelId="{EBD8BE8D-6018-43E2-B081-034BB5656EB6}" srcId="{3F442EA2-39BA-4C9A-AD59-755D4917D532}" destId="{4DF9FE7B-F642-4898-A360-D4E3814E1A3D}" srcOrd="0" destOrd="0" parTransId="{1C10F06D-860A-4604-A7AD-02E614FE3976}" sibTransId="{43C18EFF-81FC-4D70-8C6B-E95FF3730413}"/>
-    <dgm:cxn modelId="{B3B26E9A-58E5-497B-BD59-F5567958C609}" srcId="{3929B1E1-4BC4-4C73-ABE8-27CEF96A3652}" destId="{0791135C-9DAB-47F6-BE9C-A3E56A2DDA50}" srcOrd="1" destOrd="0" parTransId="{D6057E63-9793-4991-97C1-30FC405E95A5}" sibTransId="{B670C2A7-83CB-4F4C-BC19-A3A7C066A822}"/>
-    <dgm:cxn modelId="{09FCCB9D-A30A-4326-970E-26252D39327F}" srcId="{3929B1E1-4BC4-4C73-ABE8-27CEF96A3652}" destId="{99E0600D-9954-43F4-8926-13B8777FAAA1}" srcOrd="0" destOrd="0" parTransId="{BE23F476-2C5C-42ED-BF2B-CD5FC7ADDDF6}" sibTransId="{C44937DC-4907-4769-AA8B-1B3E7391D7B0}"/>
-    <dgm:cxn modelId="{A058DDA2-48CA-4E5B-B389-F71A59C262B0}" srcId="{4DF9FE7B-F642-4898-A360-D4E3814E1A3D}" destId="{EFF2750D-B4B3-474C-8B62-8B638DC31F7E}" srcOrd="0" destOrd="0" parTransId="{AEBC78E6-CDDC-4C8F-A157-3C51E907FACD}" sibTransId="{75C067D7-FCD2-4969-8F27-4BBDA88E75ED}"/>
-    <dgm:cxn modelId="{FC3C0DB7-9FD1-4688-8024-16D6F63718C0}" type="presOf" srcId="{99E0600D-9954-43F4-8926-13B8777FAAA1}" destId="{5282638F-EFF2-4770-BB1A-21455422E45D}" srcOrd="0" destOrd="0" presId="urn:microsoft.com/office/officeart/2005/8/layout/list1"/>
-    <dgm:cxn modelId="{133AB3BA-08EC-432D-814B-0243B8AEAE27}" type="presOf" srcId="{3F442EA2-39BA-4C9A-AD59-755D4917D532}" destId="{E6A445EE-D086-4B01-B491-D67950A5A065}" srcOrd="0" destOrd="0" presId="urn:microsoft.com/office/officeart/2005/8/layout/list1"/>
-    <dgm:cxn modelId="{9F679DC2-6B0E-43AA-A414-29A0BEBDE7EB}" type="presOf" srcId="{50629C12-7464-4473-ADEF-1A284F8A9957}" destId="{964E6811-5072-4466-B721-689C35A65029}" srcOrd="0" destOrd="0" presId="urn:microsoft.com/office/officeart/2005/8/layout/list1"/>
-    <dgm:cxn modelId="{1D32FCC9-657C-4348-9C0D-52115D559FEB}" srcId="{60CDF8D0-D4FC-4467-A51E-79C5A58B0B2C}" destId="{50629C12-7464-4473-ADEF-1A284F8A9957}" srcOrd="0" destOrd="0" parTransId="{9D1CB46C-0CFA-4B27-9224-267431FBD094}" sibTransId="{4576BCC5-0598-4332-A2E7-87AC3ADD4EB8}"/>
-    <dgm:cxn modelId="{2BA65DEC-E719-4ED3-8135-48349D42DD04}" srcId="{3F442EA2-39BA-4C9A-AD59-755D4917D532}" destId="{60CDF8D0-D4FC-4467-A51E-79C5A58B0B2C}" srcOrd="2" destOrd="0" parTransId="{E12A269F-AB82-486A-9077-80F2BBBE48C2}" sibTransId="{3F7FD59D-A716-4310-A89A-AB6F740D9FFF}"/>
-    <dgm:cxn modelId="{3A76F5FD-AC51-43D5-A60D-6EA2DBBDF0F6}" type="presOf" srcId="{4DF9FE7B-F642-4898-A360-D4E3814E1A3D}" destId="{674922F1-7266-4681-AD4F-1C618A5FFF23}" srcOrd="1" destOrd="0" presId="urn:microsoft.com/office/officeart/2005/8/layout/list1"/>
-    <dgm:cxn modelId="{7C96F733-1FEB-4464-AFE2-A6FFE050E7F5}" type="presParOf" srcId="{E6A445EE-D086-4B01-B491-D67950A5A065}" destId="{6D3A9625-D3EB-4CA1-AB05-34452283708A}" srcOrd="0" destOrd="0" presId="urn:microsoft.com/office/officeart/2005/8/layout/list1"/>
-    <dgm:cxn modelId="{52625C28-CB81-4E22-A0FD-8E29373E6B1B}" type="presParOf" srcId="{6D3A9625-D3EB-4CA1-AB05-34452283708A}" destId="{7E290D25-335D-4339-A8E8-B036E46B5EB5}" srcOrd="0" destOrd="0" presId="urn:microsoft.com/office/officeart/2005/8/layout/list1"/>
-    <dgm:cxn modelId="{B0C612E2-3EE1-400E-AE2C-6D7A4CC4C27B}" type="presParOf" srcId="{6D3A9625-D3EB-4CA1-AB05-34452283708A}" destId="{674922F1-7266-4681-AD4F-1C618A5FFF23}" srcOrd="1" destOrd="0" presId="urn:microsoft.com/office/officeart/2005/8/layout/list1"/>
-    <dgm:cxn modelId="{4744E578-4CB5-48E8-A0C6-86520C5FA672}" type="presParOf" srcId="{E6A445EE-D086-4B01-B491-D67950A5A065}" destId="{96C29850-0672-4B77-B5DE-2E1563038631}" srcOrd="1" destOrd="0" presId="urn:microsoft.com/office/officeart/2005/8/layout/list1"/>
-    <dgm:cxn modelId="{9B31D144-B860-4AE0-AA2A-C3C20A8603D5}" type="presParOf" srcId="{E6A445EE-D086-4B01-B491-D67950A5A065}" destId="{80259B02-529C-422B-91BE-D70198BA9F6C}" srcOrd="2" destOrd="0" presId="urn:microsoft.com/office/officeart/2005/8/layout/list1"/>
-    <dgm:cxn modelId="{7C89F48A-EAC4-44E9-B2C3-D6045323FD07}" type="presParOf" srcId="{E6A445EE-D086-4B01-B491-D67950A5A065}" destId="{E53EFB4E-D3DB-42E1-82AC-148F7D29254F}" srcOrd="3" destOrd="0" presId="urn:microsoft.com/office/officeart/2005/8/layout/list1"/>
-    <dgm:cxn modelId="{BD05F436-0254-432E-8B09-A17511FE268A}" type="presParOf" srcId="{E6A445EE-D086-4B01-B491-D67950A5A065}" destId="{07AC1C38-F728-4390-9C76-57A49ED97DBB}" srcOrd="4" destOrd="0" presId="urn:microsoft.com/office/officeart/2005/8/layout/list1"/>
-    <dgm:cxn modelId="{C0A0D860-DA07-4CBB-91A5-F43E0D04FCF4}" type="presParOf" srcId="{07AC1C38-F728-4390-9C76-57A49ED97DBB}" destId="{D0037F0D-DB9A-4BA4-97B4-D939B26E14DA}" srcOrd="0" destOrd="0" presId="urn:microsoft.com/office/officeart/2005/8/layout/list1"/>
-    <dgm:cxn modelId="{7E09DDEB-EE25-4606-A71C-7D9B4BBA2CC8}" type="presParOf" srcId="{07AC1C38-F728-4390-9C76-57A49ED97DBB}" destId="{21EEBBE2-729F-4D85-8CAE-C2B30FF126D2}" srcOrd="1" destOrd="0" presId="urn:microsoft.com/office/officeart/2005/8/layout/list1"/>
-    <dgm:cxn modelId="{16B4A5AA-CD57-4E81-BD9D-EA0185BCFB1E}" type="presParOf" srcId="{E6A445EE-D086-4B01-B491-D67950A5A065}" destId="{AACB3FAF-C320-430D-84D4-71BA6D1761D1}" srcOrd="5" destOrd="0" presId="urn:microsoft.com/office/officeart/2005/8/layout/list1"/>
-    <dgm:cxn modelId="{87A76DD9-C373-44C0-9414-15DC155EA76E}" type="presParOf" srcId="{E6A445EE-D086-4B01-B491-D67950A5A065}" destId="{5282638F-EFF2-4770-BB1A-21455422E45D}" srcOrd="6" destOrd="0" presId="urn:microsoft.com/office/officeart/2005/8/layout/list1"/>
-    <dgm:cxn modelId="{0755B841-50A5-42EE-A8F3-8B0D460B67BC}" type="presParOf" srcId="{E6A445EE-D086-4B01-B491-D67950A5A065}" destId="{8CE827AA-77D8-4146-A665-00110A17769E}" srcOrd="7" destOrd="0" presId="urn:microsoft.com/office/officeart/2005/8/layout/list1"/>
-    <dgm:cxn modelId="{07113AD3-C775-48C9-830E-576F0EE07749}" type="presParOf" srcId="{E6A445EE-D086-4B01-B491-D67950A5A065}" destId="{34C9EE47-81AF-461E-8292-AB107AA0D367}" srcOrd="8" destOrd="0" presId="urn:microsoft.com/office/officeart/2005/8/layout/list1"/>
-    <dgm:cxn modelId="{4B7DC143-6BA8-45DE-B0C7-421B9E9D50BD}" type="presParOf" srcId="{34C9EE47-81AF-461E-8292-AB107AA0D367}" destId="{864CB39B-29F9-473D-90E5-0686D86E278F}" srcOrd="0" destOrd="0" presId="urn:microsoft.com/office/officeart/2005/8/layout/list1"/>
-    <dgm:cxn modelId="{5D8F5A1E-4827-449A-B310-63F6F8A02B3B}" type="presParOf" srcId="{34C9EE47-81AF-461E-8292-AB107AA0D367}" destId="{5B203A22-00AF-46E7-9415-C6DAFD7E01CC}" srcOrd="1" destOrd="0" presId="urn:microsoft.com/office/officeart/2005/8/layout/list1"/>
-    <dgm:cxn modelId="{1F844143-3020-41F3-A2B1-36CB25F670B9}" type="presParOf" srcId="{E6A445EE-D086-4B01-B491-D67950A5A065}" destId="{DF9C1F84-81DE-4E5D-9537-C2D1A211B8B6}" srcOrd="9" destOrd="0" presId="urn:microsoft.com/office/officeart/2005/8/layout/list1"/>
-    <dgm:cxn modelId="{361E8493-E05B-46F9-A5FF-F03C8BA97CD5}" type="presParOf" srcId="{E6A445EE-D086-4B01-B491-D67950A5A065}" destId="{964E6811-5072-4466-B721-689C35A65029}" srcOrd="10" destOrd="0" presId="urn:microsoft.com/office/officeart/2005/8/layout/list1"/>
-  </dgm:cxnLst>
-  <dgm:bg/>
-  <dgm:whole/>
-  <dgm:extLst>
-    <a:ext uri="http://schemas.microsoft.com/office/drawing/2008/diagram">
-      <dsp:dataModelExt xmlns:dsp="http://schemas.microsoft.com/office/drawing/2008/diagram" relId="rId6" minVer="http://schemas.openxmlformats.org/drawingml/2006/diagram"/>
-    </a:ext>
-  </dgm:extLst>
-</dgm:dataModel>
-</file>
-
-<file path=ppt/diagrams/drawing1.xml><?xml version="1.0" encoding="utf-8"?>
-<dsp:drawing xmlns:dgm="http://schemas.openxmlformats.org/drawingml/2006/diagram" xmlns:dsp="http://schemas.microsoft.com/office/drawing/2008/diagram" xmlns:a="http://schemas.openxmlformats.org/drawingml/2006/main">
-  <dsp:spTree>
-    <dsp:nvGrpSpPr>
-      <dsp:cNvPr id="0" name=""/>
-      <dsp:cNvGrpSpPr/>
-    </dsp:nvGrpSpPr>
-    <dsp:grpSpPr/>
-    <dsp:sp modelId="{80259B02-529C-422B-91BE-D70198BA9F6C}">
-      <dsp:nvSpPr>
-        <dsp:cNvPr id="0" name=""/>
-        <dsp:cNvSpPr/>
-      </dsp:nvSpPr>
-      <dsp:spPr>
-        <a:xfrm>
-          <a:off x="0" y="379567"/>
-          <a:ext cx="4773612" cy="1107225"/>
-        </a:xfrm>
-        <a:prstGeom prst="rect">
-          <a:avLst/>
-        </a:prstGeom>
-        <a:solidFill>
-          <a:schemeClr val="lt1">
-            <a:alpha val="90000"/>
-            <a:hueOff val="0"/>
-            <a:satOff val="0"/>
-            <a:lumOff val="0"/>
-            <a:alphaOff val="0"/>
-          </a:schemeClr>
-        </a:solidFill>
-        <a:ln w="12700" cap="flat" cmpd="sng" algn="ctr">
-          <a:solidFill>
-            <a:schemeClr val="accent3">
-              <a:hueOff val="0"/>
-              <a:satOff val="0"/>
-              <a:lumOff val="0"/>
-              <a:alphaOff val="0"/>
-            </a:schemeClr>
-          </a:solidFill>
-          <a:prstDash val="solid"/>
-          <a:miter lim="800000"/>
-        </a:ln>
-        <a:effectLst/>
-      </dsp:spPr>
-      <dsp:style>
-        <a:lnRef idx="2">
-          <a:scrgbClr r="0" g="0" b="0"/>
-        </a:lnRef>
-        <a:fillRef idx="1">
-          <a:scrgbClr r="0" g="0" b="0"/>
-        </a:fillRef>
-        <a:effectRef idx="0">
-          <a:scrgbClr r="0" g="0" b="0"/>
-        </a:effectRef>
-        <a:fontRef idx="minor"/>
-      </dsp:style>
-      <dsp:txBody>
-        <a:bodyPr spcFirstLastPara="0" vert="horz" wrap="square" lIns="370485" tIns="395732" rIns="370485" bIns="135128" numCol="1" spcCol="1270" rtlCol="0" anchor="t" anchorCtr="0">
-          <a:noAutofit/>
-        </a:bodyPr>
-        <a:lstStyle/>
-        <a:p>
-          <a:pPr marL="171450" lvl="1" indent="-171450" algn="l" defTabSz="844550" rtl="0">
-            <a:lnSpc>
-              <a:spcPct val="90000"/>
-            </a:lnSpc>
-            <a:spcBef>
-              <a:spcPct val="0"/>
-            </a:spcBef>
-            <a:spcAft>
-              <a:spcPct val="15000"/>
-            </a:spcAft>
-            <a:buChar char="•"/>
-          </a:pPr>
-          <a:r>
-            <a:rPr lang="pt-br" sz="1900" kern="1200"/>
-            <a:t>Tarefa 1</a:t>
-          </a:r>
-        </a:p>
-        <a:p>
-          <a:pPr marL="171450" lvl="1" indent="-171450" algn="l" defTabSz="844550" rtl="0">
-            <a:lnSpc>
-              <a:spcPct val="90000"/>
-            </a:lnSpc>
-            <a:spcBef>
-              <a:spcPct val="0"/>
-            </a:spcBef>
-            <a:spcAft>
-              <a:spcPct val="15000"/>
-            </a:spcAft>
-            <a:buChar char="•"/>
-          </a:pPr>
-          <a:r>
-            <a:rPr lang="pt-br" sz="1900" kern="1200"/>
-            <a:t>Tarefa 2</a:t>
-          </a:r>
-        </a:p>
-      </dsp:txBody>
-      <dsp:txXfrm>
-        <a:off x="0" y="379567"/>
-        <a:ext cx="4773612" cy="1107225"/>
-      </dsp:txXfrm>
-    </dsp:sp>
-    <dsp:sp modelId="{674922F1-7266-4681-AD4F-1C618A5FFF23}">
-      <dsp:nvSpPr>
-        <dsp:cNvPr id="0" name=""/>
-        <dsp:cNvSpPr/>
-      </dsp:nvSpPr>
-      <dsp:spPr>
-        <a:xfrm>
-          <a:off x="238680" y="99127"/>
-          <a:ext cx="3341528" cy="560880"/>
-        </a:xfrm>
-        <a:prstGeom prst="roundRect">
-          <a:avLst/>
-        </a:prstGeom>
-        <a:solidFill>
-          <a:schemeClr val="accent3">
-            <a:hueOff val="0"/>
-            <a:satOff val="0"/>
-            <a:lumOff val="0"/>
-            <a:alphaOff val="0"/>
-          </a:schemeClr>
-        </a:solidFill>
-        <a:ln w="12700" cap="flat" cmpd="sng" algn="ctr">
-          <a:solidFill>
-            <a:schemeClr val="lt1">
-              <a:hueOff val="0"/>
-              <a:satOff val="0"/>
-              <a:lumOff val="0"/>
-              <a:alphaOff val="0"/>
-            </a:schemeClr>
-          </a:solidFill>
-          <a:prstDash val="solid"/>
-          <a:miter lim="800000"/>
-        </a:ln>
-        <a:effectLst/>
-      </dsp:spPr>
-      <dsp:style>
-        <a:lnRef idx="2">
-          <a:scrgbClr r="0" g="0" b="0"/>
-        </a:lnRef>
-        <a:fillRef idx="1">
-          <a:scrgbClr r="0" g="0" b="0"/>
-        </a:fillRef>
-        <a:effectRef idx="0">
-          <a:scrgbClr r="0" g="0" b="0"/>
-        </a:effectRef>
-        <a:fontRef idx="minor">
-          <a:schemeClr val="lt1"/>
-        </a:fontRef>
-      </dsp:style>
-      <dsp:txBody>
-        <a:bodyPr spcFirstLastPara="0" vert="horz" wrap="square" lIns="126302" tIns="0" rIns="126302" bIns="0" numCol="1" spcCol="1270" rtlCol="0" anchor="ctr" anchorCtr="0">
-          <a:noAutofit/>
-        </a:bodyPr>
-        <a:lstStyle/>
-        <a:p>
-          <a:pPr marL="0" lvl="0" indent="0" algn="l" defTabSz="844550" rtl="0">
-            <a:lnSpc>
-              <a:spcPct val="90000"/>
-            </a:lnSpc>
-            <a:spcBef>
-              <a:spcPct val="0"/>
-            </a:spcBef>
-            <a:spcAft>
-              <a:spcPct val="35000"/>
-            </a:spcAft>
-            <a:buNone/>
-          </a:pPr>
-          <a:r>
-            <a:rPr lang="pt-br" sz="1900" kern="1200"/>
-            <a:t>Grupo A</a:t>
-          </a:r>
-          <a:endParaRPr lang="en-US" sz="1900" kern="1200" dirty="0"/>
-        </a:p>
-      </dsp:txBody>
-      <dsp:txXfrm>
-        <a:off x="266060" y="126507"/>
-        <a:ext cx="3286768" cy="506120"/>
-      </dsp:txXfrm>
-    </dsp:sp>
-    <dsp:sp modelId="{5282638F-EFF2-4770-BB1A-21455422E45D}">
-      <dsp:nvSpPr>
-        <dsp:cNvPr id="0" name=""/>
-        <dsp:cNvSpPr/>
-      </dsp:nvSpPr>
-      <dsp:spPr>
-        <a:xfrm>
-          <a:off x="0" y="1869832"/>
-          <a:ext cx="4773612" cy="1107225"/>
-        </a:xfrm>
-        <a:prstGeom prst="rect">
-          <a:avLst/>
-        </a:prstGeom>
-        <a:solidFill>
-          <a:schemeClr val="lt1">
-            <a:alpha val="90000"/>
-            <a:hueOff val="0"/>
-            <a:satOff val="0"/>
-            <a:lumOff val="0"/>
-            <a:alphaOff val="0"/>
-          </a:schemeClr>
-        </a:solidFill>
-        <a:ln w="12700" cap="flat" cmpd="sng" algn="ctr">
-          <a:solidFill>
-            <a:schemeClr val="accent3">
-              <a:hueOff val="6261207"/>
-              <a:satOff val="-33630"/>
-              <a:lumOff val="589"/>
-              <a:alphaOff val="0"/>
-            </a:schemeClr>
-          </a:solidFill>
-          <a:prstDash val="solid"/>
-          <a:miter lim="800000"/>
-        </a:ln>
-        <a:effectLst/>
-      </dsp:spPr>
-      <dsp:style>
-        <a:lnRef idx="2">
-          <a:scrgbClr r="0" g="0" b="0"/>
-        </a:lnRef>
-        <a:fillRef idx="1">
-          <a:scrgbClr r="0" g="0" b="0"/>
-        </a:fillRef>
-        <a:effectRef idx="0">
-          <a:scrgbClr r="0" g="0" b="0"/>
-        </a:effectRef>
-        <a:fontRef idx="minor"/>
-      </dsp:style>
-      <dsp:txBody>
-        <a:bodyPr spcFirstLastPara="0" vert="horz" wrap="square" lIns="370485" tIns="395732" rIns="370485" bIns="135128" numCol="1" spcCol="1270" rtlCol="0" anchor="t" anchorCtr="0">
-          <a:noAutofit/>
-        </a:bodyPr>
-        <a:lstStyle/>
-        <a:p>
-          <a:pPr marL="171450" lvl="1" indent="-171450" algn="l" defTabSz="844550" rtl="0">
-            <a:lnSpc>
-              <a:spcPct val="90000"/>
-            </a:lnSpc>
-            <a:spcBef>
-              <a:spcPct val="0"/>
-            </a:spcBef>
-            <a:spcAft>
-              <a:spcPct val="15000"/>
-            </a:spcAft>
-            <a:buChar char="•"/>
-          </a:pPr>
-          <a:r>
-            <a:rPr lang="pt-br" sz="1900" kern="1200"/>
-            <a:t>Tarefa 1</a:t>
-          </a:r>
-        </a:p>
-        <a:p>
-          <a:pPr marL="171450" lvl="1" indent="-171450" algn="l" defTabSz="844550" rtl="0">
-            <a:lnSpc>
-              <a:spcPct val="90000"/>
-            </a:lnSpc>
-            <a:spcBef>
-              <a:spcPct val="0"/>
-            </a:spcBef>
-            <a:spcAft>
-              <a:spcPct val="15000"/>
-            </a:spcAft>
-            <a:buChar char="•"/>
-          </a:pPr>
-          <a:r>
-            <a:rPr lang="pt-br" sz="1900" kern="1200"/>
-            <a:t>Tarefa 2</a:t>
-          </a:r>
-        </a:p>
-      </dsp:txBody>
-      <dsp:txXfrm>
-        <a:off x="0" y="1869832"/>
-        <a:ext cx="4773612" cy="1107225"/>
-      </dsp:txXfrm>
-    </dsp:sp>
-    <dsp:sp modelId="{21EEBBE2-729F-4D85-8CAE-C2B30FF126D2}">
-      <dsp:nvSpPr>
-        <dsp:cNvPr id="0" name=""/>
-        <dsp:cNvSpPr/>
-      </dsp:nvSpPr>
-      <dsp:spPr>
-        <a:xfrm>
-          <a:off x="238680" y="1589392"/>
-          <a:ext cx="3341528" cy="560880"/>
-        </a:xfrm>
-        <a:prstGeom prst="roundRect">
-          <a:avLst/>
-        </a:prstGeom>
-        <a:solidFill>
-          <a:schemeClr val="accent3">
-            <a:hueOff val="6261207"/>
-            <a:satOff val="-33630"/>
-            <a:lumOff val="589"/>
-            <a:alphaOff val="0"/>
-          </a:schemeClr>
-        </a:solidFill>
-        <a:ln w="12700" cap="flat" cmpd="sng" algn="ctr">
-          <a:solidFill>
-            <a:schemeClr val="lt1">
-              <a:hueOff val="0"/>
-              <a:satOff val="0"/>
-              <a:lumOff val="0"/>
-              <a:alphaOff val="0"/>
-            </a:schemeClr>
-          </a:solidFill>
-          <a:prstDash val="solid"/>
-          <a:miter lim="800000"/>
-        </a:ln>
-        <a:effectLst/>
-      </dsp:spPr>
-      <dsp:style>
-        <a:lnRef idx="2">
-          <a:scrgbClr r="0" g="0" b="0"/>
-        </a:lnRef>
-        <a:fillRef idx="1">
-          <a:scrgbClr r="0" g="0" b="0"/>
-        </a:fillRef>
-        <a:effectRef idx="0">
-          <a:scrgbClr r="0" g="0" b="0"/>
-        </a:effectRef>
-        <a:fontRef idx="minor">
-          <a:schemeClr val="lt1"/>
-        </a:fontRef>
-      </dsp:style>
-      <dsp:txBody>
-        <a:bodyPr spcFirstLastPara="0" vert="horz" wrap="square" lIns="126302" tIns="0" rIns="126302" bIns="0" numCol="1" spcCol="1270" rtlCol="0" anchor="ctr" anchorCtr="0">
-          <a:noAutofit/>
-        </a:bodyPr>
-        <a:lstStyle/>
-        <a:p>
-          <a:pPr marL="0" lvl="0" indent="0" algn="l" defTabSz="844550" rtl="0">
-            <a:lnSpc>
-              <a:spcPct val="90000"/>
-            </a:lnSpc>
-            <a:spcBef>
-              <a:spcPct val="0"/>
-            </a:spcBef>
-            <a:spcAft>
-              <a:spcPct val="35000"/>
-            </a:spcAft>
-            <a:buNone/>
-          </a:pPr>
-          <a:r>
-            <a:rPr lang="pt-br" sz="1900" kern="1200"/>
-            <a:t>Grupo B</a:t>
-          </a:r>
-        </a:p>
-      </dsp:txBody>
-      <dsp:txXfrm>
-        <a:off x="266060" y="1616772"/>
-        <a:ext cx="3286768" cy="506120"/>
-      </dsp:txXfrm>
-    </dsp:sp>
-    <dsp:sp modelId="{964E6811-5072-4466-B721-689C35A65029}">
-      <dsp:nvSpPr>
-        <dsp:cNvPr id="0" name=""/>
-        <dsp:cNvSpPr/>
-      </dsp:nvSpPr>
-      <dsp:spPr>
-        <a:xfrm>
-          <a:off x="0" y="3360097"/>
-          <a:ext cx="4773612" cy="807975"/>
-        </a:xfrm>
-        <a:prstGeom prst="rect">
-          <a:avLst/>
-        </a:prstGeom>
-        <a:solidFill>
-          <a:schemeClr val="lt1">
-            <a:alpha val="90000"/>
-            <a:hueOff val="0"/>
-            <a:satOff val="0"/>
-            <a:lumOff val="0"/>
-            <a:alphaOff val="0"/>
-          </a:schemeClr>
-        </a:solidFill>
-        <a:ln w="12700" cap="flat" cmpd="sng" algn="ctr">
-          <a:solidFill>
-            <a:schemeClr val="accent3">
-              <a:hueOff val="12522415"/>
-              <a:satOff val="-67259"/>
-              <a:lumOff val="1178"/>
-              <a:alphaOff val="0"/>
-            </a:schemeClr>
-          </a:solidFill>
-          <a:prstDash val="solid"/>
-          <a:miter lim="800000"/>
-        </a:ln>
-        <a:effectLst/>
-      </dsp:spPr>
-      <dsp:style>
-        <a:lnRef idx="2">
-          <a:scrgbClr r="0" g="0" b="0"/>
-        </a:lnRef>
-        <a:fillRef idx="1">
-          <a:scrgbClr r="0" g="0" b="0"/>
-        </a:fillRef>
-        <a:effectRef idx="0">
-          <a:scrgbClr r="0" g="0" b="0"/>
-        </a:effectRef>
-        <a:fontRef idx="minor"/>
-      </dsp:style>
-      <dsp:txBody>
-        <a:bodyPr spcFirstLastPara="0" vert="horz" wrap="square" lIns="370485" tIns="395732" rIns="370485" bIns="135128" numCol="1" spcCol="1270" rtlCol="0" anchor="t" anchorCtr="0">
-          <a:noAutofit/>
-        </a:bodyPr>
-        <a:lstStyle/>
-        <a:p>
-          <a:pPr marL="171450" lvl="1" indent="-171450" algn="l" defTabSz="844550" rtl="0">
-            <a:lnSpc>
-              <a:spcPct val="90000"/>
-            </a:lnSpc>
-            <a:spcBef>
-              <a:spcPct val="0"/>
-            </a:spcBef>
-            <a:spcAft>
-              <a:spcPct val="15000"/>
-            </a:spcAft>
-            <a:buChar char="•"/>
-          </a:pPr>
-          <a:r>
-            <a:rPr lang="pt-br" sz="1900" kern="1200"/>
-            <a:t>Tarefa 1</a:t>
-          </a:r>
-        </a:p>
-      </dsp:txBody>
-      <dsp:txXfrm>
-        <a:off x="0" y="3360097"/>
-        <a:ext cx="4773612" cy="807975"/>
-      </dsp:txXfrm>
-    </dsp:sp>
-    <dsp:sp modelId="{5B203A22-00AF-46E7-9415-C6DAFD7E01CC}">
-      <dsp:nvSpPr>
-        <dsp:cNvPr id="0" name=""/>
-        <dsp:cNvSpPr/>
-      </dsp:nvSpPr>
-      <dsp:spPr>
-        <a:xfrm>
-          <a:off x="238680" y="3079657"/>
-          <a:ext cx="3341528" cy="560880"/>
-        </a:xfrm>
-        <a:prstGeom prst="roundRect">
-          <a:avLst/>
-        </a:prstGeom>
-        <a:solidFill>
-          <a:schemeClr val="accent3">
-            <a:hueOff val="12522415"/>
-            <a:satOff val="-67259"/>
-            <a:lumOff val="1178"/>
-            <a:alphaOff val="0"/>
-          </a:schemeClr>
-        </a:solidFill>
-        <a:ln w="12700" cap="flat" cmpd="sng" algn="ctr">
-          <a:solidFill>
-            <a:schemeClr val="lt1">
-              <a:hueOff val="0"/>
-              <a:satOff val="0"/>
-              <a:lumOff val="0"/>
-              <a:alphaOff val="0"/>
-            </a:schemeClr>
-          </a:solidFill>
-          <a:prstDash val="solid"/>
-          <a:miter lim="800000"/>
-        </a:ln>
-        <a:effectLst/>
-      </dsp:spPr>
-      <dsp:style>
-        <a:lnRef idx="2">
-          <a:scrgbClr r="0" g="0" b="0"/>
-        </a:lnRef>
-        <a:fillRef idx="1">
-          <a:scrgbClr r="0" g="0" b="0"/>
-        </a:fillRef>
-        <a:effectRef idx="0">
-          <a:scrgbClr r="0" g="0" b="0"/>
-        </a:effectRef>
-        <a:fontRef idx="minor">
-          <a:schemeClr val="lt1"/>
-        </a:fontRef>
-      </dsp:style>
-      <dsp:txBody>
-        <a:bodyPr spcFirstLastPara="0" vert="horz" wrap="square" lIns="126302" tIns="0" rIns="126302" bIns="0" numCol="1" spcCol="1270" rtlCol="0" anchor="ctr" anchorCtr="0">
-          <a:noAutofit/>
-        </a:bodyPr>
-        <a:lstStyle/>
-        <a:p>
-          <a:pPr marL="0" lvl="0" indent="0" algn="l" defTabSz="844550" rtl="0">
-            <a:lnSpc>
-              <a:spcPct val="90000"/>
-            </a:lnSpc>
-            <a:spcBef>
-              <a:spcPct val="0"/>
-            </a:spcBef>
-            <a:spcAft>
-              <a:spcPct val="35000"/>
-            </a:spcAft>
-            <a:buNone/>
-          </a:pPr>
-          <a:r>
-            <a:rPr lang="pt-br" sz="1900" kern="1200"/>
-            <a:t>Grupo C</a:t>
-          </a:r>
-        </a:p>
-      </dsp:txBody>
-      <dsp:txXfrm>
-        <a:off x="266060" y="3107037"/>
-        <a:ext cx="3286768" cy="506120"/>
-      </dsp:txXfrm>
-    </dsp:sp>
-  </dsp:spTree>
-</dsp:drawing>
-</file>
-
-<file path=ppt/diagrams/layout1.xml><?xml version="1.0" encoding="utf-8"?>
-<dgm:layoutDef xmlns:dgm="http://schemas.openxmlformats.org/drawingml/2006/diagram" xmlns:a="http://schemas.openxmlformats.org/drawingml/2006/main" uniqueId="urn:microsoft.com/office/officeart/2005/8/layout/list1">
-  <dgm:title val=""/>
-  <dgm:desc val=""/>
-  <dgm:catLst>
-    <dgm:cat type="list" pri="4000"/>
-  </dgm:catLst>
-  <dgm:sampData>
-    <dgm:dataModel>
-      <dgm:ptLst>
-        <dgm:pt modelId="0" type="doc"/>
-        <dgm:pt modelId="1">
-          <dgm:prSet phldr="1"/>
-        </dgm:pt>
-        <dgm:pt modelId="2">
-          <dgm:prSet phldr="1"/>
-        </dgm:pt>
-        <dgm:pt modelId="3">
-          <dgm:prSet phldr="1"/>
-        </dgm:pt>
-      </dgm:ptLst>
-      <dgm:cxnLst>
-        <dgm:cxn modelId="4" srcId="0" destId="1" srcOrd="0" destOrd="0"/>
-        <dgm:cxn modelId="5" srcId="0" destId="2" srcOrd="1" destOrd="0"/>
-        <dgm:cxn modelId="6" srcId="0" destId="3" srcOrd="2" destOrd="0"/>
-      </dgm:cxnLst>
-      <dgm:bg/>
-      <dgm:whole/>
-    </dgm:dataModel>
-  </dgm:sampData>
-  <dgm:styleData>
-    <dgm:dataModel>
-      <dgm:ptLst>
-        <dgm:pt modelId="0" type="doc"/>
-        <dgm:pt modelId="1"/>
-        <dgm:pt modelId="2"/>
-      </dgm:ptLst>
-      <dgm:cxnLst>
-        <dgm:cxn modelId="4" srcId="0" destId="1" srcOrd="0" destOrd="0"/>
-        <dgm:cxn modelId="5" srcId="0" destId="2" srcOrd="1" destOrd="0"/>
-      </dgm:cxnLst>
-      <dgm:bg/>
-      <dgm:whole/>
-    </dgm:dataModel>
-  </dgm:styleData>
-  <dgm:clrData>
-    <dgm:dataModel>
-      <dgm:ptLst>
-        <dgm:pt modelId="0" type="doc"/>
-        <dgm:pt modelId="1"/>
-        <dgm:pt modelId="2"/>
-        <dgm:pt modelId="3"/>
-        <dgm:pt modelId="4"/>
-      </dgm:ptLst>
-      <dgm:cxnLst>
-        <dgm:cxn modelId="5" srcId="0" destId="1" srcOrd="0" destOrd="0"/>
-        <dgm:cxn modelId="6" srcId="0" destId="2" srcOrd="1" destOrd="0"/>
-        <dgm:cxn modelId="7" srcId="0" destId="3" srcOrd="2" destOrd="0"/>
-        <dgm:cxn modelId="8" srcId="0" destId="4" srcOrd="3" destOrd="0"/>
-      </dgm:cxnLst>
-      <dgm:bg/>
-      <dgm:whole/>
-    </dgm:dataModel>
-  </dgm:clrData>
-  <dgm:layoutNode name="linear">
-    <dgm:varLst>
-      <dgm:dir/>
-      <dgm:animLvl val="lvl"/>
-      <dgm:resizeHandles val="exact"/>
-    </dgm:varLst>
-    <dgm:choose name="Name0">
-      <dgm:if name="Name1" func="var" arg="dir" op="equ" val="norm">
-        <dgm:alg type="lin">
-          <dgm:param type="linDir" val="fromT"/>
-          <dgm:param type="vertAlign" val="mid"/>
-          <dgm:param type="horzAlign" val="l"/>
-          <dgm:param type="nodeHorzAlign" val="l"/>
-        </dgm:alg>
-      </dgm:if>
-      <dgm:else name="Name2">
-        <dgm:alg type="lin">
-          <dgm:param type="linDir" val="fromT"/>
-          <dgm:param type="vertAlign" val="mid"/>
-          <dgm:param type="horzAlign" val="r"/>
-          <dgm:param type="nodeHorzAlign" val="r"/>
-        </dgm:alg>
-      </dgm:else>
-    </dgm:choose>
-    <dgm:shape xmlns:r="http://schemas.openxmlformats.org/officeDocument/2006/relationships" r:blip="">
-      <dgm:adjLst/>
-    </dgm:shape>
-    <dgm:presOf/>
-    <dgm:constrLst>
-      <dgm:constr type="w" for="ch" forName="parentLin" refType="w"/>
-      <dgm:constr type="h" for="ch" forName="parentLin" val="INF"/>
-      <dgm:constr type="w" for="des" forName="parentLeftMargin" refType="w" fact="0.05"/>
-      <dgm:constr type="w" for="des" forName="parentText" refType="w" fact="0.7"/>
-      <dgm:constr type="h" for="des" forName="parentText" refType="primFontSz" refFor="des" refForName="parentText" fact="0.82"/>
-      <dgm:constr type="h" for="ch" forName="negativeSpace" refType="primFontSz" refFor="des" refForName="parentText" fact="-0.41"/>
-      <dgm:constr type="h" for="ch" forName="negativeSpace" refType="h" refFor="des" refForName="parentText" op="lte" fact="-0.82"/>
-      <dgm:constr type="h" for="ch" forName="negativeSpace" refType="h" refFor="des" refForName="parentText" op="gte" fact="-0.82"/>
-      <dgm:constr type="w" for="ch" forName="childText" refType="w"/>
-      <dgm:constr type="h" for="ch" forName="childText" refType="primFontSz" refFor="des" refForName="parentText" fact="0.7"/>
-      <dgm:constr type="primFontSz" for="des" forName="parentText" val="65"/>
-      <dgm:constr type="primFontSz" for="ch" forName="childText" refType="primFontSz" refFor="des" refForName="parentText"/>
-      <dgm:constr type="tMarg" for="ch" forName="childText" refType="primFontSz" refFor="des" refForName="parentText" fact="1.64"/>
-      <dgm:constr type="tMarg" for="ch" forName="childText" refType="h" refFor="des" refForName="parentText" op="lte" fact="3.28"/>
-      <dgm:constr type="tMarg" for="ch" forName="childText" refType="h" refFor="des" refForName="parentText" op="gte" fact="3.28"/>
-      <dgm:constr type="lMarg" for="ch" forName="childText" refType="w" fact="0.22"/>
-      <dgm:constr type="rMarg" for="ch" forName="childText" refType="lMarg" refFor="ch" refForName="childText"/>
-      <dgm:constr type="lMarg" for="des" forName="parentText" refType="w" fact="0.075"/>
-      <dgm:constr type="rMarg" for="des" forName="parentText" refType="lMarg" refFor="des" refForName="parentText"/>
-      <dgm:constr type="h" for="ch" forName="spaceBetweenRectangles" refType="primFontSz" refFor="des" refForName="parentText" fact="0.15"/>
-    </dgm:constrLst>
-    <dgm:ruleLst>
-      <dgm:rule type="primFontSz" for="des" forName="parentText" val="5" fact="NaN" max="NaN"/>
-    </dgm:ruleLst>
-    <dgm:forEach name="Name3" axis="ch" ptType="node">
-      <dgm:layoutNode name="parentLin">
-        <dgm:choose name="Name4">
-          <dgm:if name="Name5" func="var" arg="dir" op="equ" val="norm">
-            <dgm:alg type="lin">
-              <dgm:param type="linDir" val="fromL"/>
-              <dgm:param type="horzAlign" val="l"/>
-              <dgm:param type="nodeHorzAlign" val="l"/>
-            </dgm:alg>
-          </dgm:if>
-          <dgm:else name="Name6">
-            <dgm:alg type="lin">
-              <dgm:param type="linDir" val="fromR"/>
-              <dgm:param type="horzAlign" val="r"/>
-              <dgm:param type="nodeHorzAlign" val="r"/>
-            </dgm:alg>
-          </dgm:else>
-        </dgm:choose>
-        <dgm:shape xmlns:r="http://schemas.openxmlformats.org/officeDocument/2006/relationships" r:blip="">
-          <dgm:adjLst/>
-        </dgm:shape>
-        <dgm:presOf/>
-        <dgm:constrLst/>
-        <dgm:ruleLst/>
-        <dgm:layoutNode name="parentLeftMargin">
-          <dgm:alg type="sp"/>
-          <dgm:shape xmlns:r="http://schemas.openxmlformats.org/officeDocument/2006/relationships" type="rect" r:blip="" hideGeom="1">
-            <dgm:adjLst/>
-          </dgm:shape>
-          <dgm:presOf axis="self"/>
-          <dgm:constrLst>
-            <dgm:constr type="h"/>
-          </dgm:constrLst>
-          <dgm:ruleLst/>
-        </dgm:layoutNode>
-        <dgm:layoutNode name="parentText" styleLbl="node1">
-          <dgm:varLst>
-            <dgm:chMax val="0"/>
-            <dgm:bulletEnabled val="1"/>
-          </dgm:varLst>
-          <dgm:choose name="Name7">
-            <dgm:if name="Name8" func="var" arg="dir" op="equ" val="norm">
-              <dgm:alg type="tx">
-                <dgm:param type="parTxLTRAlign" val="l"/>
-                <dgm:param type="parTxRTLAlign" val="l"/>
-              </dgm:alg>
-            </dgm:if>
-            <dgm:else name="Name9">
-              <dgm:alg type="tx">
-                <dgm:param type="parTxLTRAlign" val="r"/>
-                <dgm:param type="parTxRTLAlign" val="r"/>
-              </dgm:alg>
-            </dgm:else>
-          </dgm:choose>
-          <dgm:shape xmlns:r="http://schemas.openxmlformats.org/officeDocument/2006/relationships" type="roundRect" r:blip="">
-            <dgm:adjLst/>
-          </dgm:shape>
-          <dgm:presOf axis="self" ptType="node"/>
-          <dgm:constrLst>
-            <dgm:constr type="tMarg"/>
-            <dgm:constr type="bMarg"/>
-          </dgm:constrLst>
-          <dgm:ruleLst/>
-        </dgm:layoutNode>
-      </dgm:layoutNode>
-      <dgm:layoutNode name="negativeSpace">
-        <dgm:alg type="sp"/>
-        <dgm:shape xmlns:r="http://schemas.openxmlformats.org/officeDocument/2006/relationships" r:blip="">
-          <dgm:adjLst/>
-        </dgm:shape>
-        <dgm:presOf/>
-        <dgm:constrLst/>
-        <dgm:ruleLst/>
-      </dgm:layoutNode>
-      <dgm:layoutNode name="childText" styleLbl="conFgAcc1">
-        <dgm:varLst>
-          <dgm:bulletEnabled val="1"/>
-        </dgm:varLst>
-        <dgm:alg type="tx">
-          <dgm:param type="stBulletLvl" val="1"/>
-        </dgm:alg>
-        <dgm:shape xmlns:r="http://schemas.openxmlformats.org/officeDocument/2006/relationships" type="rect" r:blip="" zOrderOff="-2">
-          <dgm:adjLst/>
-        </dgm:shape>
-        <dgm:presOf axis="des" ptType="node"/>
-        <dgm:constrLst>
-          <dgm:constr type="secFontSz" refType="primFontSz"/>
-        </dgm:constrLst>
-        <dgm:ruleLst>
-          <dgm:rule type="h" val="INF" fact="NaN" max="NaN"/>
-        </dgm:ruleLst>
-      </dgm:layoutNode>
-      <dgm:forEach name="Name10" axis="followSib" ptType="sibTrans" cnt="1">
-        <dgm:layoutNode name="spaceBetweenRectangles">
-          <dgm:alg type="sp"/>
-          <dgm:shape xmlns:r="http://schemas.openxmlformats.org/officeDocument/2006/relationships" r:blip="">
-            <dgm:adjLst/>
-          </dgm:shape>
-          <dgm:presOf/>
-          <dgm:constrLst/>
-          <dgm:ruleLst/>
-        </dgm:layoutNode>
-      </dgm:forEach>
-    </dgm:forEach>
-  </dgm:layoutNode>
-</dgm:layoutDef>
-</file>
-
-<file path=ppt/diagrams/quickStyle1.xml><?xml version="1.0" encoding="utf-8"?>
-<dgm:styleDef xmlns:dgm="http://schemas.openxmlformats.org/drawingml/2006/diagram" xmlns:a="http://schemas.openxmlformats.org/drawingml/2006/main" uniqueId="urn:microsoft.com/office/officeart/2005/8/quickstyle/simple1">
-  <dgm:title val=""/>
-  <dgm:desc val=""/>
-  <dgm:catLst>
-    <dgm:cat type="simple" pri="10100"/>
-  </dgm:catLst>
-  <dgm:scene3d>
-    <a:camera prst="orthographicFront"/>
-    <a:lightRig rig="threePt" dir="t"/>
-  </dgm:scene3d>
-  <dgm:styleLbl name="node0">
-    <dgm:scene3d>
-      <a:camera prst="orthographicFront"/>
-      <a:lightRig rig="threePt" dir="t"/>
-    </dgm:scene3d>
-    <dgm:sp3d/>
-    <dgm:txPr/>
-    <dgm:style>
-      <a:lnRef idx="2">
-        <a:scrgbClr r="0" g="0" b="0"/>
-      </a:lnRef>
-      <a:fillRef idx="1">
-        <a:scrgbClr r="0" g="0" b="0"/>
-      </a:fillRef>
-      <a:effectRef idx="0">
-        <a:scrgbClr r="0" g="0" b="0"/>
-      </a:effectRef>
-      <a:fontRef idx="minor">
-        <a:schemeClr val="lt1"/>
-      </a:fontRef>
-    </dgm:style>
-  </dgm:styleLbl>
-  <dgm:styleLbl name="lnNode1">
-    <dgm:scene3d>
-      <a:camera prst="orthographicFront"/>
-      <a:lightRig rig="threePt" dir="t"/>
-    </dgm:scene3d>
-    <dgm:sp3d/>
-    <dgm:txPr/>
-    <dgm:style>
-      <a:lnRef idx="2">
-        <a:scrgbClr r="0" g="0" b="0"/>
-      </a:lnRef>
-      <a:fillRef idx="1">
-        <a:scrgbClr r="0" g="0" b="0"/>
-      </a:fillRef>
-      <a:effectRef idx="0">
-        <a:scrgbClr r="0" g="0" b="0"/>
-      </a:effectRef>
-      <a:fontRef idx="minor">
-        <a:schemeClr val="lt1"/>
-      </a:fontRef>
-    </dgm:style>
-  </dgm:styleLbl>
-  <dgm:styleLbl name="vennNode1">
-    <dgm:scene3d>
-      <a:camera prst="orthographicFront"/>
-      <a:lightRig rig="threePt" dir="t"/>
-    </dgm:scene3d>
-    <dgm:sp3d/>
-    <dgm:txPr/>
-    <dgm:style>
-      <a:lnRef idx="2">
-        <a:scrgbClr r="0" g="0" b="0"/>
-      </a:lnRef>
-      <a:fillRef idx="1">
-        <a:scrgbClr r="0" g="0" b="0"/>
-      </a:fillRef>
-      <a:effectRef idx="0">
-        <a:scrgbClr r="0" g="0" b="0"/>
-      </a:effectRef>
-      <a:fontRef idx="minor">
-        <a:schemeClr val="tx1"/>
-      </a:fontRef>
-    </dgm:style>
-  </dgm:styleLbl>
-  <dgm:styleLbl name="alignNode1">
-    <dgm:scene3d>
-      <a:camera prst="orthographicFront"/>
-      <a:lightRig rig="threePt" dir="t"/>
-    </dgm:scene3d>
-    <dgm:sp3d/>
-    <dgm:txPr/>
-    <dgm:style>
-      <a:lnRef idx="2">
-        <a:scrgbClr r="0" g="0" b="0"/>
-      </a:lnRef>
-      <a:fillRef idx="1">
-        <a:scrgbClr r="0" g="0" b="0"/>
-      </a:fillRef>
-      <a:effectRef idx="0">
-        <a:scrgbClr r="0" g="0" b="0"/>
-      </a:effectRef>
-      <a:fontRef idx="minor">
-        <a:schemeClr val="lt1"/>
-      </a:fontRef>
-    </dgm:style>
-  </dgm:styleLbl>
-  <dgm:styleLbl name="node1">
-    <dgm:scene3d>
-      <a:camera prst="orthographicFront"/>
-      <a:lightRig rig="threePt" dir="t"/>
-    </dgm:scene3d>
-    <dgm:sp3d/>
-    <dgm:txPr/>
-    <dgm:style>
-      <a:lnRef idx="2">
-        <a:scrgbClr r="0" g="0" b="0"/>
-      </a:lnRef>
-      <a:fillRef idx="1">
-        <a:scrgbClr r="0" g="0" b="0"/>
-      </a:fillRef>
-      <a:effectRef idx="0">
-        <a:scrgbClr r="0" g="0" b="0"/>
-      </a:effectRef>
-      <a:fontRef idx="minor">
-        <a:schemeClr val="lt1"/>
-      </a:fontRef>
-    </dgm:style>
-  </dgm:styleLbl>
-  <dgm:styleLbl name="node2">
-    <dgm:scene3d>
-      <a:camera prst="orthographicFront"/>
-      <a:lightRig rig="threePt" dir="t"/>
-    </dgm:scene3d>
-    <dgm:sp3d/>
-    <dgm:txPr/>
-    <dgm:style>
-      <a:lnRef idx="2">
-        <a:scrgbClr r="0" g="0" b="0"/>
-      </a:lnRef>
-      <a:fillRef idx="1">
-        <a:scrgbClr r="0" g="0" b="0"/>
-      </a:fillRef>
-      <a:effectRef idx="0">
-        <a:scrgbClr r="0" g="0" b="0"/>
-      </a:effectRef>
-      <a:fontRef idx="minor">
-        <a:schemeClr val="lt1"/>
-      </a:fontRef>
-    </dgm:style>
-  </dgm:styleLbl>
-  <dgm:styleLbl name="node3">
-    <dgm:scene3d>
-      <a:camera prst="orthographicFront"/>
-      <a:lightRig rig="threePt" dir="t"/>
-    </dgm:scene3d>
-    <dgm:sp3d/>
-    <dgm:txPr/>
-    <dgm:style>
-      <a:lnRef idx="2">
-        <a:scrgbClr r="0" g="0" b="0"/>
-      </a:lnRef>
-      <a:fillRef idx="1">
-        <a:scrgbClr r="0" g="0" b="0"/>
-      </a:fillRef>
-      <a:effectRef idx="0">
-        <a:scrgbClr r="0" g="0" b="0"/>
-      </a:effectRef>
-      <a:fontRef idx="minor">
-        <a:schemeClr val="lt1"/>
-      </a:fontRef>
-    </dgm:style>
-  </dgm:styleLbl>
-  <dgm:styleLbl name="node4">
-    <dgm:scene3d>
-      <a:camera prst="orthographicFront"/>
-      <a:lightRig rig="threePt" dir="t"/>
-    </dgm:scene3d>
-    <dgm:sp3d/>
-    <dgm:txPr/>
-    <dgm:style>
-      <a:lnRef idx="2">
-        <a:scrgbClr r="0" g="0" b="0"/>
-      </a:lnRef>
-      <a:fillRef idx="1">
-        <a:scrgbClr r="0" g="0" b="0"/>
-      </a:fillRef>
-      <a:effectRef idx="0">
-        <a:scrgbClr r="0" g="0" b="0"/>
-      </a:effectRef>
-      <a:fontRef idx="minor">
-        <a:schemeClr val="lt1"/>
-      </a:fontRef>
-    </dgm:style>
-  </dgm:styleLbl>
-  <dgm:styleLbl name="fgImgPlace1">
-    <dgm:scene3d>
-      <a:camera prst="orthographicFront"/>
-      <a:lightRig rig="threePt" dir="t"/>
-    </dgm:scene3d>
-    <dgm:sp3d/>
-    <dgm:txPr/>
-    <dgm:style>
-      <a:lnRef idx="2">
-        <a:scrgbClr r="0" g="0" b="0"/>
-      </a:lnRef>
-      <a:fillRef idx="1">
-        <a:scrgbClr r="0" g="0" b="0"/>
-      </a:fillRef>
-      <a:effectRef idx="0">
-        <a:scrgbClr r="0" g="0" b="0"/>
-      </a:effectRef>
-      <a:fontRef idx="minor"/>
-    </dgm:style>
-  </dgm:styleLbl>
-  <dgm:styleLbl name="alignImgPlace1">
-    <dgm:scene3d>
-      <a:camera prst="orthographicFront"/>
-      <a:lightRig rig="threePt" dir="t"/>
-    </dgm:scene3d>
-    <dgm:sp3d/>
-    <dgm:txPr/>
-    <dgm:style>
-      <a:lnRef idx="2">
-        <a:scrgbClr r="0" g="0" b="0"/>
-      </a:lnRef>
-      <a:fillRef idx="1">
-        <a:scrgbClr r="0" g="0" b="0"/>
-      </a:fillRef>
-      <a:effectRef idx="0">
-        <a:scrgbClr r="0" g="0" b="0"/>
-      </a:effectRef>
-      <a:fontRef idx="minor"/>
-    </dgm:style>
-  </dgm:styleLbl>
-  <dgm:styleLbl name="bgImgPlace1">
-    <dgm:scene3d>
-      <a:camera prst="orthographicFront"/>
-      <a:lightRig rig="threePt" dir="t"/>
-    </dgm:scene3d>
-    <dgm:sp3d/>
-    <dgm:txPr/>
-    <dgm:style>
-      <a:lnRef idx="2">
-        <a:scrgbClr r="0" g="0" b="0"/>
-      </a:lnRef>
-      <a:fillRef idx="1">
-        <a:scrgbClr r="0" g="0" b="0"/>
-      </a:fillRef>
-      <a:effectRef idx="0">
-        <a:scrgbClr r="0" g="0" b="0"/>
-      </a:effectRef>
-      <a:fontRef idx="minor"/>
-    </dgm:style>
-  </dgm:styleLbl>
-  <dgm:styleLbl name="sibTrans2D1">
-    <dgm:scene3d>
-      <a:camera prst="orthographicFront"/>
-      <a:lightRig rig="threePt" dir="t"/>
-    </dgm:scene3d>
-    <dgm:sp3d/>
-    <dgm:txPr/>
-    <dgm:style>
-      <a:lnRef idx="0">
-        <a:scrgbClr r="0" g="0" b="0"/>
-      </a:lnRef>
-      <a:fillRef idx="1">
-        <a:scrgbClr r="0" g="0" b="0"/>
-      </a:fillRef>
-      <a:effectRef idx="0">
-        <a:scrgbClr r="0" g="0" b="0"/>
-      </a:effectRef>
-      <a:fontRef idx="minor">
-        <a:schemeClr val="lt1"/>
-      </a:fontRef>
-    </dgm:style>
-  </dgm:styleLbl>
-  <dgm:styleLbl name="fgSibTrans2D1">
-    <dgm:scene3d>
-      <a:camera prst="orthographicFront"/>
-      <a:lightRig rig="threePt" dir="t"/>
-    </dgm:scene3d>
-    <dgm:sp3d/>
-    <dgm:txPr/>
-    <dgm:style>
-      <a:lnRef idx="0">
-        <a:scrgbClr r="0" g="0" b="0"/>
-      </a:lnRef>
-      <a:fillRef idx="1">
-        <a:scrgbClr r="0" g="0" b="0"/>
-      </a:fillRef>
-      <a:effectRef idx="0">
-        <a:scrgbClr r="0" g="0" b="0"/>
-      </a:effectRef>
-      <a:fontRef idx="minor">
-        <a:schemeClr val="lt1"/>
-      </a:fontRef>
-    </dgm:style>
-  </dgm:styleLbl>
-  <dgm:styleLbl name="bgSibTrans2D1">
-    <dgm:scene3d>
-      <a:camera prst="orthographicFront"/>
-      <a:lightRig rig="threePt" dir="t"/>
-    </dgm:scene3d>
-    <dgm:sp3d/>
-    <dgm:txPr/>
-    <dgm:style>
-      <a:lnRef idx="0">
-        <a:scrgbClr r="0" g="0" b="0"/>
-      </a:lnRef>
-      <a:fillRef idx="1">
-        <a:scrgbClr r="0" g="0" b="0"/>
-      </a:fillRef>
-      <a:effectRef idx="0">
-        <a:scrgbClr r="0" g="0" b="0"/>
-      </a:effectRef>
-      <a:fontRef idx="minor">
-        <a:schemeClr val="lt1"/>
-      </a:fontRef>
-    </dgm:style>
-  </dgm:styleLbl>
-  <dgm:styleLbl name="sibTrans1D1">
-    <dgm:scene3d>
-      <a:camera prst="orthographicFront"/>
-      <a:lightRig rig="threePt" dir="t"/>
-    </dgm:scene3d>
-    <dgm:sp3d/>
-    <dgm:txPr/>
-    <dgm:style>
-      <a:lnRef idx="1">
-        <a:scrgbClr r="0" g="0" b="0"/>
-      </a:lnRef>
-      <a:fillRef idx="0">
-        <a:scrgbClr r="0" g="0" b="0"/>
-      </a:fillRef>
-      <a:effectRef idx="0">
-        <a:scrgbClr r="0" g="0" b="0"/>
-      </a:effectRef>
-      <a:fontRef idx="minor"/>
-    </dgm:style>
-  </dgm:styleLbl>
-  <dgm:styleLbl name="callout">
-    <dgm:scene3d>
-      <a:camera prst="orthographicFront"/>
-      <a:lightRig rig="threePt" dir="t"/>
-    </dgm:scene3d>
-    <dgm:sp3d/>
-    <dgm:txPr/>
-    <dgm:style>
-      <a:lnRef idx="2">
-        <a:scrgbClr r="0" g="0" b="0"/>
-      </a:lnRef>
-      <a:fillRef idx="1">
-        <a:scrgbClr r="0" g="0" b="0"/>
-      </a:fillRef>
-      <a:effectRef idx="0">
-        <a:scrgbClr r="0" g="0" b="0"/>
-      </a:effectRef>
-      <a:fontRef idx="minor"/>
-    </dgm:style>
-  </dgm:styleLbl>
-  <dgm:styleLbl name="asst0">
-    <dgm:scene3d>
-      <a:camera prst="orthographicFront"/>
-      <a:lightRig rig="threePt" dir="t"/>
-    </dgm:scene3d>
-    <dgm:sp3d/>
-    <dgm:txPr/>
-    <dgm:style>
-      <a:lnRef idx="2">
-        <a:scrgbClr r="0" g="0" b="0"/>
-      </a:lnRef>
-      <a:fillRef idx="1">
-        <a:scrgbClr r="0" g="0" b="0"/>
-      </a:fillRef>
-      <a:effectRef idx="0">
-        <a:scrgbClr r="0" g="0" b="0"/>
-      </a:effectRef>
-      <a:fontRef idx="minor">
-        <a:schemeClr val="lt1"/>
-      </a:fontRef>
-    </dgm:style>
-  </dgm:styleLbl>
-  <dgm:styleLbl name="asst1">
-    <dgm:scene3d>
-      <a:camera prst="orthographicFront"/>
-      <a:lightRig rig="threePt" dir="t"/>
-    </dgm:scene3d>
-    <dgm:sp3d/>
-    <dgm:txPr/>
-    <dgm:style>
-      <a:lnRef idx="2">
-        <a:scrgbClr r="0" g="0" b="0"/>
-      </a:lnRef>
-      <a:fillRef idx="1">
-        <a:scrgbClr r="0" g="0" b="0"/>
-      </a:fillRef>
-      <a:effectRef idx="0">
-        <a:scrgbClr r="0" g="0" b="0"/>
-      </a:effectRef>
-      <a:fontRef idx="minor">
-        <a:schemeClr val="lt1"/>
-      </a:fontRef>
-    </dgm:style>
-  </dgm:styleLbl>
-  <dgm:styleLbl name="asst2">
-    <dgm:scene3d>
-      <a:camera prst="orthographicFront"/>
-      <a:lightRig rig="threePt" dir="t"/>
-    </dgm:scene3d>
-    <dgm:sp3d/>
-    <dgm:txPr/>
-    <dgm:style>
-      <a:lnRef idx="2">
-        <a:scrgbClr r="0" g="0" b="0"/>
-      </a:lnRef>
-      <a:fillRef idx="1">
-        <a:scrgbClr r="0" g="0" b="0"/>
-      </a:fillRef>
-      <a:effectRef idx="0">
-        <a:scrgbClr r="0" g="0" b="0"/>
-      </a:effectRef>
-      <a:fontRef idx="minor">
-        <a:schemeClr val="lt1"/>
-      </a:fontRef>
-    </dgm:style>
-  </dgm:styleLbl>
-  <dgm:styleLbl name="asst3">
-    <dgm:scene3d>
-      <a:camera prst="orthographicFront"/>
-      <a:lightRig rig="threePt" dir="t"/>
-    </dgm:scene3d>
-    <dgm:sp3d/>
-    <dgm:txPr/>
-    <dgm:style>
-      <a:lnRef idx="2">
-        <a:scrgbClr r="0" g="0" b="0"/>
-      </a:lnRef>
-      <a:fillRef idx="1">
-        <a:scrgbClr r="0" g="0" b="0"/>
-      </a:fillRef>
-      <a:effectRef idx="0">
-        <a:scrgbClr r="0" g="0" b="0"/>
-      </a:effectRef>
-      <a:fontRef idx="minor">
-        <a:schemeClr val="lt1"/>
-      </a:fontRef>
-    </dgm:style>
-  </dgm:styleLbl>
-  <dgm:styleLbl name="asst4">
-    <dgm:scene3d>
-      <a:camera prst="orthographicFront"/>
-      <a:lightRig rig="threePt" dir="t"/>
-    </dgm:scene3d>
-    <dgm:sp3d/>
-    <dgm:txPr/>
-    <dgm:style>
-      <a:lnRef idx="2">
-        <a:scrgbClr r="0" g="0" b="0"/>
-      </a:lnRef>
-      <a:fillRef idx="1">
-        <a:scrgbClr r="0" g="0" b="0"/>
-      </a:fillRef>
-      <a:effectRef idx="0">
-        <a:scrgbClr r="0" g="0" b="0"/>
-      </a:effectRef>
-      <a:fontRef idx="minor">
-        <a:schemeClr val="lt1"/>
-      </a:fontRef>
-    </dgm:style>
-  </dgm:styleLbl>
-  <dgm:styleLbl name="parChTrans2D1">
-    <dgm:scene3d>
-      <a:camera prst="orthographicFront"/>
-      <a:lightRig rig="threePt" dir="t"/>
-    </dgm:scene3d>
-    <dgm:sp3d/>
-    <dgm:txPr/>
-    <dgm:style>
-      <a:lnRef idx="2">
-        <a:scrgbClr r="0" g="0" b="0"/>
-      </a:lnRef>
-      <a:fillRef idx="1">
-        <a:scrgbClr r="0" g="0" b="0"/>
-      </a:fillRef>
-      <a:effectRef idx="0">
-        <a:scrgbClr r="0" g="0" b="0"/>
-      </a:effectRef>
-      <a:fontRef idx="minor">
-        <a:schemeClr val="lt1"/>
-      </a:fontRef>
-    </dgm:style>
-  </dgm:styleLbl>
-  <dgm:styleLbl name="parChTrans2D2">
-    <dgm:scene3d>
-      <a:camera prst="orthographicFront"/>
-      <a:lightRig rig="threePt" dir="t"/>
-    </dgm:scene3d>
-    <dgm:sp3d/>
-    <dgm:txPr/>
-    <dgm:style>
-      <a:lnRef idx="2">
-        <a:scrgbClr r="0" g="0" b="0"/>
-      </a:lnRef>
-      <a:fillRef idx="1">
-        <a:scrgbClr r="0" g="0" b="0"/>
-      </a:fillRef>
-      <a:effectRef idx="0">
-        <a:scrgbClr r="0" g="0" b="0"/>
-      </a:effectRef>
-      <a:fontRef idx="minor">
-        <a:schemeClr val="lt1"/>
-      </a:fontRef>
-    </dgm:style>
-  </dgm:styleLbl>
-  <dgm:styleLbl name="parChTrans2D3">
-    <dgm:scene3d>
-      <a:camera prst="orthographicFront"/>
-      <a:lightRig rig="threePt" dir="t"/>
-    </dgm:scene3d>
-    <dgm:sp3d/>
-    <dgm:txPr/>
-    <dgm:style>
-      <a:lnRef idx="2">
-        <a:scrgbClr r="0" g="0" b="0"/>
-      </a:lnRef>
-      <a:fillRef idx="1">
-        <a:scrgbClr r="0" g="0" b="0"/>
-      </a:fillRef>
-      <a:effectRef idx="0">
-        <a:scrgbClr r="0" g="0" b="0"/>
-      </a:effectRef>
-      <a:fontRef idx="minor">
-        <a:schemeClr val="lt1"/>
-      </a:fontRef>
-    </dgm:style>
-  </dgm:styleLbl>
-  <dgm:styleLbl name="parChTrans2D4">
-    <dgm:scene3d>
-      <a:camera prst="orthographicFront"/>
-      <a:lightRig rig="threePt" dir="t"/>
-    </dgm:scene3d>
-    <dgm:sp3d/>
-    <dgm:txPr/>
-    <dgm:style>
-      <a:lnRef idx="2">
-        <a:scrgbClr r="0" g="0" b="0"/>
-      </a:lnRef>
-      <a:fillRef idx="1">
-        <a:scrgbClr r="0" g="0" b="0"/>
-      </a:fillRef>
-      <a:effectRef idx="0">
-        <a:scrgbClr r="0" g="0" b="0"/>
-      </a:effectRef>
-      <a:fontRef idx="minor">
-        <a:schemeClr val="lt1"/>
-      </a:fontRef>
-    </dgm:style>
-  </dgm:styleLbl>
-  <dgm:styleLbl name="parChTrans1D1">
-    <dgm:scene3d>
-      <a:camera prst="orthographicFront"/>
-      <a:lightRig rig="threePt" dir="t"/>
-    </dgm:scene3d>
-    <dgm:sp3d/>
-    <dgm:txPr/>
-    <dgm:style>
-      <a:lnRef idx="2">
-        <a:scrgbClr r="0" g="0" b="0"/>
-      </a:lnRef>
-      <a:fillRef idx="0">
-        <a:scrgbClr r="0" g="0" b="0"/>
-      </a:fillRef>
-      <a:effectRef idx="0">
-        <a:scrgbClr r="0" g="0" b="0"/>
-      </a:effectRef>
-      <a:fontRef idx="minor"/>
-    </dgm:style>
-  </dgm:styleLbl>
-  <dgm:styleLbl name="parChTrans1D2">
-    <dgm:scene3d>
-      <a:camera prst="orthographicFront"/>
-      <a:lightRig rig="threePt" dir="t"/>
-    </dgm:scene3d>
-    <dgm:sp3d/>
-    <dgm:txPr/>
-    <dgm:style>
-      <a:lnRef idx="2">
-        <a:scrgbClr r="0" g="0" b="0"/>
-      </a:lnRef>
-      <a:fillRef idx="0">
-        <a:scrgbClr r="0" g="0" b="0"/>
-      </a:fillRef>
-      <a:effectRef idx="0">
-        <a:scrgbClr r="0" g="0" b="0"/>
-      </a:effectRef>
-      <a:fontRef idx="minor"/>
-    </dgm:style>
-  </dgm:styleLbl>
-  <dgm:styleLbl name="parChTrans1D3">
-    <dgm:scene3d>
-      <a:camera prst="orthographicFront"/>
-      <a:lightRig rig="threePt" dir="t"/>
-    </dgm:scene3d>
-    <dgm:sp3d/>
-    <dgm:txPr/>
-    <dgm:style>
-      <a:lnRef idx="2">
-        <a:scrgbClr r="0" g="0" b="0"/>
-      </a:lnRef>
-      <a:fillRef idx="0">
-        <a:scrgbClr r="0" g="0" b="0"/>
-      </a:fillRef>
-      <a:effectRef idx="0">
-        <a:scrgbClr r="0" g="0" b="0"/>
-      </a:effectRef>
-      <a:fontRef idx="minor"/>
-    </dgm:style>
-  </dgm:styleLbl>
-  <dgm:styleLbl name="parChTrans1D4">
-    <dgm:scene3d>
-      <a:camera prst="orthographicFront"/>
-      <a:lightRig rig="threePt" dir="t"/>
-    </dgm:scene3d>
-    <dgm:sp3d/>
-    <dgm:txPr/>
-    <dgm:style>
-      <a:lnRef idx="2">
-        <a:scrgbClr r="0" g="0" b="0"/>
-      </a:lnRef>
-      <a:fillRef idx="0">
-        <a:scrgbClr r="0" g="0" b="0"/>
-      </a:fillRef>
-      <a:effectRef idx="0">
-        <a:scrgbClr r="0" g="0" b="0"/>
-      </a:effectRef>
-      <a:fontRef idx="minor"/>
-    </dgm:style>
-  </dgm:styleLbl>
-  <dgm:styleLbl name="fgAcc1">
-    <dgm:scene3d>
-      <a:camera prst="orthographicFront"/>
-      <a:lightRig rig="threePt" dir="t"/>
-    </dgm:scene3d>
-    <dgm:sp3d/>
-    <dgm:txPr/>
-    <dgm:style>
-      <a:lnRef idx="2">
-        <a:scrgbClr r="0" g="0" b="0"/>
-      </a:lnRef>
-      <a:fillRef idx="1">
-        <a:scrgbClr r="0" g="0" b="0"/>
-      </a:fillRef>
-      <a:effectRef idx="0">
-        <a:scrgbClr r="0" g="0" b="0"/>
-      </a:effectRef>
-      <a:fontRef idx="minor"/>
-    </dgm:style>
-  </dgm:styleLbl>
-  <dgm:styleLbl name="conFgAcc1">
-    <dgm:scene3d>
-      <a:camera prst="orthographicFront"/>
-      <a:lightRig rig="threePt" dir="t"/>
-    </dgm:scene3d>
-    <dgm:sp3d/>
-    <dgm:txPr/>
-    <dgm:style>
-      <a:lnRef idx="2">
-        <a:scrgbClr r="0" g="0" b="0"/>
-      </a:lnRef>
-      <a:fillRef idx="1">
-        <a:scrgbClr r="0" g="0" b="0"/>
-      </a:fillRef>
-      <a:effectRef idx="0">
-        <a:scrgbClr r="0" g="0" b="0"/>
-      </a:effectRef>
-      <a:fontRef idx="minor"/>
-    </dgm:style>
-  </dgm:styleLbl>
-  <dgm:styleLbl name="alignAcc1">
-    <dgm:scene3d>
-      <a:camera prst="orthographicFront"/>
-      <a:lightRig rig="threePt" dir="t"/>
-    </dgm:scene3d>
-    <dgm:sp3d/>
-    <dgm:txPr/>
-    <dgm:style>
-      <a:lnRef idx="2">
-        <a:scrgbClr r="0" g="0" b="0"/>
-      </a:lnRef>
-      <a:fillRef idx="1">
-        <a:scrgbClr r="0" g="0" b="0"/>
-      </a:fillRef>
-      <a:effectRef idx="0">
-        <a:scrgbClr r="0" g="0" b="0"/>
-      </a:effectRef>
-      <a:fontRef idx="minor"/>
-    </dgm:style>
-  </dgm:styleLbl>
-  <dgm:styleLbl name="trAlignAcc1">
-    <dgm:scene3d>
-      <a:camera prst="orthographicFront"/>
-      <a:lightRig rig="threePt" dir="t"/>
-    </dgm:scene3d>
-    <dgm:sp3d/>
-    <dgm:txPr/>
-    <dgm:style>
-      <a:lnRef idx="1">
-        <a:scrgbClr r="0" g="0" b="0"/>
-      </a:lnRef>
-      <a:fillRef idx="1">
-        <a:scrgbClr r="0" g="0" b="0"/>
-      </a:fillRef>
-      <a:effectRef idx="0">
-        <a:scrgbClr r="0" g="0" b="0"/>
-      </a:effectRef>
-      <a:fontRef idx="minor"/>
-    </dgm:style>
-  </dgm:styleLbl>
-  <dgm:styleLbl name="bgAcc1">
-    <dgm:scene3d>
-      <a:camera prst="orthographicFront"/>
-      <a:lightRig rig="threePt" dir="t"/>
-    </dgm:scene3d>
-    <dgm:sp3d/>
-    <dgm:txPr/>
-    <dgm:style>
-      <a:lnRef idx="2">
-        <a:scrgbClr r="0" g="0" b="0"/>
-      </a:lnRef>
-      <a:fillRef idx="1">
-        <a:scrgbClr r="0" g="0" b="0"/>
-      </a:fillRef>
-      <a:effectRef idx="0">
-        <a:scrgbClr r="0" g="0" b="0"/>
-      </a:effectRef>
-      <a:fontRef idx="minor"/>
-    </dgm:style>
-  </dgm:styleLbl>
-  <dgm:styleLbl name="solidFgAcc1">
-    <dgm:scene3d>
-      <a:camera prst="orthographicFront"/>
-      <a:lightRig rig="threePt" dir="t"/>
-    </dgm:scene3d>
-    <dgm:sp3d/>
-    <dgm:txPr/>
-    <dgm:style>
-      <a:lnRef idx="2">
-        <a:scrgbClr r="0" g="0" b="0"/>
-      </a:lnRef>
-      <a:fillRef idx="1">
-        <a:scrgbClr r="0" g="0" b="0"/>
-      </a:fillRef>
-      <a:effectRef idx="0">
-        <a:scrgbClr r="0" g="0" b="0"/>
-      </a:effectRef>
-      <a:fontRef idx="minor"/>
-    </dgm:style>
-  </dgm:styleLbl>
-  <dgm:styleLbl name="solidAlignAcc1">
-    <dgm:scene3d>
-      <a:camera prst="orthographicFront"/>
-      <a:lightRig rig="threePt" dir="t"/>
-    </dgm:scene3d>
-    <dgm:sp3d/>
-    <dgm:txPr/>
-    <dgm:style>
-      <a:lnRef idx="2">
-        <a:scrgbClr r="0" g="0" b="0"/>
-      </a:lnRef>
-      <a:fillRef idx="1">
-        <a:scrgbClr r="0" g="0" b="0"/>
-      </a:fillRef>
-      <a:effectRef idx="0">
-        <a:scrgbClr r="0" g="0" b="0"/>
-      </a:effectRef>
-      <a:fontRef idx="minor"/>
-    </dgm:style>
-  </dgm:styleLbl>
-  <dgm:styleLbl name="solidBgAcc1">
-    <dgm:scene3d>
-      <a:camera prst="orthographicFront"/>
-      <a:lightRig rig="threePt" dir="t"/>
-    </dgm:scene3d>
-    <dgm:sp3d/>
-    <dgm:txPr/>
-    <dgm:style>
-      <a:lnRef idx="2">
-        <a:scrgbClr r="0" g="0" b="0"/>
-      </a:lnRef>
-      <a:fillRef idx="1">
-        <a:scrgbClr r="0" g="0" b="0"/>
-      </a:fillRef>
-      <a:effectRef idx="0">
-        <a:scrgbClr r="0" g="0" b="0"/>
-      </a:effectRef>
-      <a:fontRef idx="minor"/>
-    </dgm:style>
-  </dgm:styleLbl>
-  <dgm:styleLbl name="fgAccFollowNode1">
-    <dgm:scene3d>
-      <a:camera prst="orthographicFront"/>
-      <a:lightRig rig="threePt" dir="t"/>
-    </dgm:scene3d>
-    <dgm:sp3d/>
-    <dgm:txPr/>
-    <dgm:style>
-      <a:lnRef idx="2">
-        <a:scrgbClr r="0" g="0" b="0"/>
-      </a:lnRef>
-      <a:fillRef idx="1">
-        <a:scrgbClr r="0" g="0" b="0"/>
-      </a:fillRef>
-      <a:effectRef idx="0">
-        <a:scrgbClr r="0" g="0" b="0"/>
-      </a:effectRef>
-      <a:fontRef idx="minor"/>
-    </dgm:style>
-  </dgm:styleLbl>
-  <dgm:styleLbl name="alignAccFollowNode1">
-    <dgm:scene3d>
-      <a:camera prst="orthographicFront"/>
-      <a:lightRig rig="threePt" dir="t"/>
-    </dgm:scene3d>
-    <dgm:sp3d/>
-    <dgm:txPr/>
-    <dgm:style>
-      <a:lnRef idx="2">
-        <a:scrgbClr r="0" g="0" b="0"/>
-      </a:lnRef>
-      <a:fillRef idx="1">
-        <a:scrgbClr r="0" g="0" b="0"/>
-      </a:fillRef>
-      <a:effectRef idx="0">
-        <a:scrgbClr r="0" g="0" b="0"/>
-      </a:effectRef>
-      <a:fontRef idx="minor"/>
-    </dgm:style>
-  </dgm:styleLbl>
-  <dgm:styleLbl name="bgAccFollowNode1">
-    <dgm:scene3d>
-      <a:camera prst="orthographicFront"/>
-      <a:lightRig rig="threePt" dir="t"/>
-    </dgm:scene3d>
-    <dgm:sp3d/>
-    <dgm:txPr/>
-    <dgm:style>
-      <a:lnRef idx="2">
-        <a:scrgbClr r="0" g="0" b="0"/>
-      </a:lnRef>
-      <a:fillRef idx="1">
-        <a:scrgbClr r="0" g="0" b="0"/>
-      </a:fillRef>
-      <a:effectRef idx="0">
-        <a:scrgbClr r="0" g="0" b="0"/>
-      </a:effectRef>
-      <a:fontRef idx="minor"/>
-    </dgm:style>
-  </dgm:styleLbl>
-  <dgm:styleLbl name="fgAcc0">
-    <dgm:scene3d>
-      <a:camera prst="orthographicFront"/>
-      <a:lightRig rig="threePt" dir="t"/>
-    </dgm:scene3d>
-    <dgm:sp3d/>
-    <dgm:txPr/>
-    <dgm:style>
-      <a:lnRef idx="2">
-        <a:scrgbClr r="0" g="0" b="0"/>
-      </a:lnRef>
-      <a:fillRef idx="1">
-        <a:scrgbClr r="0" g="0" b="0"/>
-      </a:fillRef>
-      <a:effectRef idx="0">
-        <a:scrgbClr r="0" g="0" b="0"/>
-      </a:effectRef>
-      <a:fontRef idx="minor"/>
-    </dgm:style>
-  </dgm:styleLbl>
-  <dgm:styleLbl name="fgAcc2">
-    <dgm:scene3d>
-      <a:camera prst="orthographicFront"/>
-      <a:lightRig rig="threePt" dir="t"/>
-    </dgm:scene3d>
-    <dgm:sp3d/>
-    <dgm:txPr/>
-    <dgm:style>
-      <a:lnRef idx="2">
-        <a:scrgbClr r="0" g="0" b="0"/>
-      </a:lnRef>
-      <a:fillRef idx="1">
-        <a:scrgbClr r="0" g="0" b="0"/>
-      </a:fillRef>
-      <a:effectRef idx="0">
-        <a:scrgbClr r="0" g="0" b="0"/>
-      </a:effectRef>
-      <a:fontRef idx="minor"/>
-    </dgm:style>
-  </dgm:styleLbl>
-  <dgm:styleLbl name="fgAcc3">
-    <dgm:scene3d>
-      <a:camera prst="orthographicFront"/>
-      <a:lightRig rig="threePt" dir="t"/>
-    </dgm:scene3d>
-    <dgm:sp3d/>
-    <dgm:txPr/>
-    <dgm:style>
-      <a:lnRef idx="2">
-        <a:scrgbClr r="0" g="0" b="0"/>
-      </a:lnRef>
-      <a:fillRef idx="1">
-        <a:scrgbClr r="0" g="0" b="0"/>
-      </a:fillRef>
-      <a:effectRef idx="0">
-        <a:scrgbClr r="0" g="0" b="0"/>
-      </a:effectRef>
-      <a:fontRef idx="minor"/>
-    </dgm:style>
-  </dgm:styleLbl>
-  <dgm:styleLbl name="fgAcc4">
-    <dgm:scene3d>
-      <a:camera prst="orthographicFront"/>
-      <a:lightRig rig="threePt" dir="t"/>
-    </dgm:scene3d>
-    <dgm:sp3d/>
-    <dgm:txPr/>
-    <dgm:style>
-      <a:lnRef idx="2">
-        <a:scrgbClr r="0" g="0" b="0"/>
-      </a:lnRef>
-      <a:fillRef idx="1">
-        <a:scrgbClr r="0" g="0" b="0"/>
-      </a:fillRef>
-      <a:effectRef idx="0">
-        <a:scrgbClr r="0" g="0" b="0"/>
-      </a:effectRef>
-      <a:fontRef idx="minor"/>
-    </dgm:style>
-  </dgm:styleLbl>
-  <dgm:styleLbl name="bgShp">
-    <dgm:scene3d>
-      <a:camera prst="orthographicFront"/>
-      <a:lightRig rig="threePt" dir="t"/>
-    </dgm:scene3d>
-    <dgm:sp3d/>
-    <dgm:txPr/>
-    <dgm:style>
-      <a:lnRef idx="0">
-        <a:scrgbClr r="0" g="0" b="0"/>
-      </a:lnRef>
-      <a:fillRef idx="1">
-        <a:scrgbClr r="0" g="0" b="0"/>
-      </a:fillRef>
-      <a:effectRef idx="0">
-        <a:scrgbClr r="0" g="0" b="0"/>
-      </a:effectRef>
-      <a:fontRef idx="minor"/>
-    </dgm:style>
-  </dgm:styleLbl>
-  <dgm:styleLbl name="dkBgShp">
-    <dgm:scene3d>
-      <a:camera prst="orthographicFront"/>
-      <a:lightRig rig="threePt" dir="t"/>
-    </dgm:scene3d>
-    <dgm:sp3d/>
-    <dgm:txPr/>
-    <dgm:style>
-      <a:lnRef idx="0">
-        <a:scrgbClr r="0" g="0" b="0"/>
-      </a:lnRef>
-      <a:fillRef idx="1">
-        <a:scrgbClr r="0" g="0" b="0"/>
-      </a:fillRef>
-      <a:effectRef idx="0">
-        <a:scrgbClr r="0" g="0" b="0"/>
-      </a:effectRef>
-      <a:fontRef idx="minor"/>
-    </dgm:style>
-  </dgm:styleLbl>
-  <dgm:styleLbl name="trBgShp">
-    <dgm:scene3d>
-      <a:camera prst="orthographicFront"/>
-      <a:lightRig rig="threePt" dir="t"/>
-    </dgm:scene3d>
-    <dgm:sp3d/>
-    <dgm:txPr/>
-    <dgm:style>
-      <a:lnRef idx="0">
-        <a:scrgbClr r="0" g="0" b="0"/>
-      </a:lnRef>
-      <a:fillRef idx="1">
-        <a:scrgbClr r="0" g="0" b="0"/>
-      </a:fillRef>
-      <a:effectRef idx="0">
-        <a:scrgbClr r="0" g="0" b="0"/>
-      </a:effectRef>
-      <a:fontRef idx="minor"/>
-    </dgm:style>
-  </dgm:styleLbl>
-  <dgm:styleLbl name="fgShp">
-    <dgm:scene3d>
-      <a:camera prst="orthographicFront"/>
-      <a:lightRig rig="threePt" dir="t"/>
-    </dgm:scene3d>
-    <dgm:sp3d/>
-    <dgm:txPr/>
-    <dgm:style>
-      <a:lnRef idx="2">
-        <a:scrgbClr r="0" g="0" b="0"/>
-      </a:lnRef>
-      <a:fillRef idx="1">
-        <a:scrgbClr r="0" g="0" b="0"/>
-      </a:fillRef>
-      <a:effectRef idx="0">
-        <a:scrgbClr r="0" g="0" b="0"/>
-      </a:effectRef>
-      <a:fontRef idx="minor"/>
-    </dgm:style>
-  </dgm:styleLbl>
-  <dgm:styleLbl name="revTx">
-    <dgm:scene3d>
-      <a:camera prst="orthographicFront"/>
-      <a:lightRig rig="threePt" dir="t"/>
-    </dgm:scene3d>
-    <dgm:sp3d/>
-    <dgm:txPr/>
-    <dgm:style>
-      <a:lnRef idx="0">
-        <a:scrgbClr r="0" g="0" b="0"/>
-      </a:lnRef>
-      <a:fillRef idx="0">
-        <a:scrgbClr r="0" g="0" b="0"/>
-      </a:fillRef>
-      <a:effectRef idx="0">
-        <a:scrgbClr r="0" g="0" b="0"/>
-      </a:effectRef>
-      <a:fontRef idx="minor"/>
-    </dgm:style>
-  </dgm:styleLbl>
-</dgm:styleDef>
 </file>
 
 <file path=ppt/handoutMasters/handoutMaster1.xml><?xml version="1.0" encoding="utf-8"?>
@@ -8924,7 +4911,13 @@
       </p:grpSpPr>
       <p:sp>
         <p:nvSpPr>
-          <p:cNvPr id="2" name="Título 1"/>
+          <p:cNvPr id="2" name="Título 1">
+            <a:extLst>
+              <a:ext uri="{FF2B5EF4-FFF2-40B4-BE49-F238E27FC236}">
+                <a16:creationId xmlns:a16="http://schemas.microsoft.com/office/drawing/2014/main" id="{35E74264-AAF4-4343-A5CF-B33FE8C479F4}"/>
+              </a:ext>
+            </a:extLst>
+          </p:cNvPr>
           <p:cNvSpPr>
             <a:spLocks noGrp="1"/>
           </p:cNvSpPr>
@@ -8934,96 +4927,99 @@
         </p:nvSpPr>
         <p:spPr/>
         <p:txBody>
-          <a:bodyPr rtlCol="0"/>
+          <a:bodyPr/>
           <a:lstStyle/>
           <a:p>
-            <a:pPr rtl="0"/>
             <a:r>
               <a:rPr lang="pt-BR" dirty="0"/>
-              <a:t>Layout de Dois Conteúdos com </a:t>
-            </a:r>
-            <a:r>
-              <a:rPr lang="pt-BR" dirty="0" err="1"/>
-              <a:t>SmartArt</a:t>
-            </a:r>
-            <a:endParaRPr lang="pt-br" dirty="0"/>
-          </a:p>
-        </p:txBody>
-      </p:sp>
-      <p:sp>
-        <p:nvSpPr>
-          <p:cNvPr id="10" name="Espaço Reservado para Conteúdo 9"/>
-          <p:cNvSpPr>
-            <a:spLocks noGrp="1"/>
-          </p:cNvSpPr>
-          <p:nvPr>
-            <p:ph sz="half" idx="1"/>
+              <a:t>Terceiro Passo – Atualização do Trigger</a:t>
+            </a:r>
+          </a:p>
+        </p:txBody>
+      </p:sp>
+      <p:sp>
+        <p:nvSpPr>
+          <p:cNvPr id="3" name="Espaço Reservado para Conteúdo 2">
+            <a:extLst>
+              <a:ext uri="{FF2B5EF4-FFF2-40B4-BE49-F238E27FC236}">
+                <a16:creationId xmlns:a16="http://schemas.microsoft.com/office/drawing/2014/main" id="{839A45D3-AE46-4B7B-B698-A144A6BB160A}"/>
+              </a:ext>
+            </a:extLst>
+          </p:cNvPr>
+          <p:cNvSpPr>
+            <a:spLocks noGrp="1"/>
+          </p:cNvSpPr>
+          <p:nvPr>
+            <p:ph idx="1"/>
           </p:nvPr>
         </p:nvSpPr>
         <p:spPr/>
         <p:txBody>
-          <a:bodyPr rtlCol="0"/>
+          <a:bodyPr/>
           <a:lstStyle/>
           <a:p>
-            <a:pPr rtl="0"/>
-            <a:r>
-              <a:rPr lang="pt-br"/>
-              <a:t>Primeiro marcador aqui</a:t>
-            </a:r>
-          </a:p>
-          <a:p>
-            <a:pPr rtl="0"/>
-            <a:r>
-              <a:rPr lang="pt-br"/>
-              <a:t>Segundo marcador aqui</a:t>
-            </a:r>
-          </a:p>
-          <a:p>
-            <a:pPr rtl="0"/>
-            <a:r>
-              <a:rPr lang="pt-br"/>
-              <a:t>Terceiro marcador aqui</a:t>
-            </a:r>
-          </a:p>
-        </p:txBody>
-      </p:sp>
-      <p:graphicFrame>
-        <p:nvGraphicFramePr>
-          <p:cNvPr id="9" name="Espaço Reservado para Conteúdo 8" descr="Lista de Caixas Verticais mostrando 3 grupos organizados um abaixo do outro e com marcadores presentes em cada grupo."/>
-          <p:cNvGraphicFramePr>
-            <a:graphicFrameLocks noGrp="1"/>
-          </p:cNvGraphicFramePr>
-          <p:nvPr>
-            <p:ph sz="half" idx="2"/>
-          </p:nvPr>
-        </p:nvGraphicFramePr>
-        <p:xfrm>
-          <a:off x="6196013" y="1803400"/>
-          <a:ext cx="4773612" cy="4267200"/>
-        </p:xfrm>
-        <a:graphic>
-          <a:graphicData uri="http://schemas.openxmlformats.org/drawingml/2006/diagram">
-            <dgm:relIds xmlns:dgm="http://schemas.openxmlformats.org/drawingml/2006/diagram" xmlns:r="http://schemas.openxmlformats.org/officeDocument/2006/relationships" r:dm="rId2" r:lo="rId3" r:qs="rId4" r:cs="rId5"/>
-          </a:graphicData>
-        </a:graphic>
-      </p:graphicFrame>
+            <a:r>
+              <a:rPr lang="pt-BR" dirty="0"/>
+              <a:t>Atualização do Trigger para que chame a procedure </a:t>
+            </a:r>
+            <a:r>
+              <a:rPr lang="pt-BR" i="1" dirty="0" err="1"/>
+              <a:t>add_job_history</a:t>
+            </a:r>
+            <a:r>
+              <a:rPr lang="pt-BR" i="1" dirty="0"/>
+              <a:t> </a:t>
+            </a:r>
+            <a:r>
+              <a:rPr lang="pt-BR" dirty="0"/>
+              <a:t>com os campos antigos e novos, e exiba a mensagem do aumento do salário</a:t>
+            </a:r>
+          </a:p>
+          <a:p>
+            <a:r>
+              <a:rPr lang="pt-BR" dirty="0"/>
+              <a:t>O Trigger foi configurado para ser ativado após o UPDATE dos campos </a:t>
+            </a:r>
+            <a:r>
+              <a:rPr lang="pt-BR" i="1" dirty="0" err="1"/>
+              <a:t>job_id</a:t>
+            </a:r>
+            <a:r>
+              <a:rPr lang="pt-BR" i="1" dirty="0"/>
+              <a:t> </a:t>
+            </a:r>
+            <a:r>
+              <a:rPr lang="pt-BR" dirty="0"/>
+              <a:t>e/ou </a:t>
+            </a:r>
+            <a:r>
+              <a:rPr lang="pt-BR" i="1" dirty="0" err="1"/>
+              <a:t>department_id</a:t>
+            </a:r>
+            <a:r>
+              <a:rPr lang="pt-BR" dirty="0"/>
+              <a:t>, realizando a operação para cada linha atualizada</a:t>
+            </a:r>
+          </a:p>
+        </p:txBody>
+      </p:sp>
     </p:spTree>
     <p:extLst>
       <p:ext uri="{BB962C8B-B14F-4D97-AF65-F5344CB8AC3E}">
-        <p14:creationId xmlns:p14="http://schemas.microsoft.com/office/powerpoint/2010/main" val="4286259560"/>
+        <p14:creationId xmlns:p14="http://schemas.microsoft.com/office/powerpoint/2010/main" val="3197844594"/>
       </p:ext>
     </p:extLst>
   </p:cSld>
   <p:clrMapOvr>
     <a:masterClrMapping/>
   </p:clrMapOvr>
-  <mc:AlternateContent xmlns:mc="http://schemas.openxmlformats.org/markup-compatibility/2006" xmlns:p14="http://schemas.microsoft.com/office/powerpoint/2010/main">
-    <mc:Choice Requires="p14">
+  <mc:AlternateContent xmlns:mc="http://schemas.openxmlformats.org/markup-compatibility/2006">
+    <mc:Choice xmlns:p14="http://schemas.microsoft.com/office/powerpoint/2010/main" Requires="p14">
       <p:transition spd="med" p14:dur="700">
         <p:fade/>
       </p:transition>
     </mc:Choice>
-    <mc:Fallback xmlns="">
+    <mc:Fallback>
       <p:transition spd="med">
         <p:fade/>
       </p:transition>
@@ -9051,7 +5047,7 @@
       </p:grpSpPr>
       <p:sp>
         <p:nvSpPr>
-          <p:cNvPr id="10" name="Título 9"/>
+          <p:cNvPr id="13" name="Título 12"/>
           <p:cNvSpPr>
             <a:spLocks noGrp="1"/>
           </p:cNvSpPr>
@@ -9066,165 +5062,20 @@
           <a:p>
             <a:pPr rtl="0"/>
             <a:r>
-              <a:rPr lang="pt-br"/>
-              <a:t>Adicionar Título de Slide – 1</a:t>
-            </a:r>
-          </a:p>
-        </p:txBody>
-      </p:sp>
-      <p:sp>
-        <p:nvSpPr>
-          <p:cNvPr id="11" name="Espaço Reservado para Texto 10"/>
-          <p:cNvSpPr>
-            <a:spLocks noGrp="1"/>
-          </p:cNvSpPr>
-          <p:nvPr>
-            <p:ph type="body" idx="1"/>
-          </p:nvPr>
-        </p:nvSpPr>
-        <p:spPr/>
-        <p:txBody>
-          <a:bodyPr rtlCol="0"/>
-          <a:lstStyle/>
-          <a:p>
-            <a:pPr rtl="0"/>
-            <a:endParaRPr lang="en-US"/>
-          </a:p>
-        </p:txBody>
-      </p:sp>
-    </p:spTree>
-    <p:extLst>
-      <p:ext uri="{BB962C8B-B14F-4D97-AF65-F5344CB8AC3E}">
-        <p14:creationId xmlns:p14="http://schemas.microsoft.com/office/powerpoint/2010/main" val="1039241209"/>
-      </p:ext>
-    </p:extLst>
-  </p:cSld>
-  <p:clrMapOvr>
-    <a:masterClrMapping/>
-  </p:clrMapOvr>
-  <mc:AlternateContent xmlns:mc="http://schemas.openxmlformats.org/markup-compatibility/2006" xmlns:p14="http://schemas.microsoft.com/office/powerpoint/2010/main">
-    <mc:Choice Requires="p14">
-      <p:transition spd="med" p14:dur="700">
-        <p:fade/>
-      </p:transition>
-    </mc:Choice>
-    <mc:Fallback xmlns="">
-      <p:transition spd="med">
-        <p:fade/>
-      </p:transition>
-    </mc:Fallback>
-  </mc:AlternateContent>
-</p:sld>
-</file>
-
-<file path=ppt/slides/slide12.xml><?xml version="1.0" encoding="utf-8"?>
-<p:sld xmlns:a="http://schemas.openxmlformats.org/drawingml/2006/main" xmlns:r="http://schemas.openxmlformats.org/officeDocument/2006/relationships" xmlns:p="http://schemas.openxmlformats.org/presentationml/2006/main">
-  <p:cSld>
-    <p:spTree>
-      <p:nvGrpSpPr>
-        <p:cNvPr id="1" name=""/>
-        <p:cNvGrpSpPr/>
-        <p:nvPr/>
-      </p:nvGrpSpPr>
-      <p:grpSpPr>
-        <a:xfrm>
-          <a:off x="0" y="0"/>
-          <a:ext cx="0" cy="0"/>
-          <a:chOff x="0" y="0"/>
-          <a:chExt cx="0" cy="0"/>
-        </a:xfrm>
-      </p:grpSpPr>
-      <p:sp>
-        <p:nvSpPr>
-          <p:cNvPr id="2" name="Título 1"/>
-          <p:cNvSpPr>
-            <a:spLocks noGrp="1"/>
-          </p:cNvSpPr>
-          <p:nvPr>
-            <p:ph type="title"/>
-          </p:nvPr>
-        </p:nvSpPr>
-        <p:spPr/>
-        <p:txBody>
-          <a:bodyPr rtlCol="0"/>
-          <a:lstStyle/>
-          <a:p>
-            <a:pPr rtl="0"/>
-            <a:r>
-              <a:rPr lang="pt-br"/>
-              <a:t>Adicionar Título de Slide – 2</a:t>
-            </a:r>
-          </a:p>
-        </p:txBody>
-      </p:sp>
-      <p:sp>
-        <p:nvSpPr>
-          <p:cNvPr id="3" name="Espaço Reservado para Texto 2"/>
-          <p:cNvSpPr>
-            <a:spLocks noGrp="1"/>
-          </p:cNvSpPr>
-          <p:nvPr>
-            <p:ph type="body" idx="1"/>
-          </p:nvPr>
-        </p:nvSpPr>
-        <p:spPr/>
-        <p:txBody>
-          <a:bodyPr rtlCol="0"/>
-          <a:lstStyle/>
-          <a:p>
-            <a:pPr rtl="0"/>
-            <a:endParaRPr lang="en-US" dirty="0"/>
-          </a:p>
-        </p:txBody>
-      </p:sp>
-      <p:sp>
-        <p:nvSpPr>
-          <p:cNvPr id="4" name="Espaço Reservado para Conteúdo 3"/>
-          <p:cNvSpPr>
-            <a:spLocks noGrp="1"/>
-          </p:cNvSpPr>
-          <p:nvPr>
-            <p:ph sz="half" idx="2"/>
-          </p:nvPr>
-        </p:nvSpPr>
-        <p:spPr/>
-        <p:txBody>
-          <a:bodyPr rtlCol="0"/>
-          <a:lstStyle/>
-          <a:p>
-            <a:pPr rtl="0"/>
-            <a:endParaRPr lang="en-US" dirty="0"/>
-          </a:p>
-        </p:txBody>
-      </p:sp>
-      <p:sp>
-        <p:nvSpPr>
-          <p:cNvPr id="5" name="Espaço Reservado para Texto 4"/>
-          <p:cNvSpPr>
-            <a:spLocks noGrp="1"/>
-          </p:cNvSpPr>
-          <p:nvPr>
-            <p:ph type="body" sz="quarter" idx="3"/>
-          </p:nvPr>
-        </p:nvSpPr>
-        <p:spPr/>
-        <p:txBody>
-          <a:bodyPr rtlCol="0"/>
-          <a:lstStyle/>
-          <a:p>
-            <a:pPr rtl="0"/>
-            <a:endParaRPr lang="en-US" dirty="0"/>
-          </a:p>
-        </p:txBody>
-      </p:sp>
-      <p:sp>
-        <p:nvSpPr>
-          <p:cNvPr id="6" name="Espaço Reservado para Conteúdo 5"/>
-          <p:cNvSpPr>
-            <a:spLocks noGrp="1"/>
-          </p:cNvSpPr>
-          <p:nvPr>
-            <p:ph sz="quarter" idx="4"/>
+              <a:rPr lang="pt-br" dirty="0"/>
+              <a:t>REFERÊNCIAS</a:t>
+            </a:r>
+          </a:p>
+        </p:txBody>
+      </p:sp>
+      <p:sp>
+        <p:nvSpPr>
+          <p:cNvPr id="14" name="Espaço Reservado para Conteúdo 13"/>
+          <p:cNvSpPr>
+            <a:spLocks noGrp="1"/>
+          </p:cNvSpPr>
+          <p:nvPr>
+            <p:ph idx="1"/>
           </p:nvPr>
         </p:nvSpPr>
         <p:spPr/>
@@ -9235,323 +5086,100 @@
           <a:lstStyle/>
           <a:p>
             <a:pPr rtl="0"/>
-            <a:endParaRPr lang="en-US" dirty="0"/>
+            <a:r>
+              <a:rPr lang="pt-BR" sz="2200" dirty="0" err="1"/>
+              <a:t>Create</a:t>
+            </a:r>
+            <a:r>
+              <a:rPr lang="pt-BR" sz="2200" dirty="0"/>
+              <a:t> Trigger – Oracle Online </a:t>
+            </a:r>
+            <a:r>
+              <a:rPr lang="pt-BR" sz="2200" dirty="0" err="1"/>
+              <a:t>Documentation</a:t>
+            </a:r>
+            <a:r>
+              <a:rPr lang="pt-BR" sz="2200" dirty="0"/>
+              <a:t>. Disponível em: &lt;https://docs.oracle.com/cd/B19306_01/server.102/b14200/statements_7004.htm&gt;</a:t>
+            </a:r>
+            <a:r>
+              <a:rPr lang="pt-br" sz="2200" dirty="0"/>
+              <a:t>. Acesso em: 24/10/2020</a:t>
+            </a:r>
+          </a:p>
+          <a:p>
+            <a:pPr rtl="0"/>
+            <a:r>
+              <a:rPr lang="pt-BR" sz="2200" dirty="0" err="1"/>
+              <a:t>Create</a:t>
+            </a:r>
+            <a:r>
+              <a:rPr lang="pt-BR" sz="2200" dirty="0"/>
+              <a:t> Procedure – Oracle Online </a:t>
+            </a:r>
+            <a:r>
+              <a:rPr lang="pt-BR" sz="2200" dirty="0" err="1"/>
+              <a:t>Documentation</a:t>
+            </a:r>
+            <a:r>
+              <a:rPr lang="pt-BR" sz="2200" dirty="0"/>
+              <a:t>. Disponível em: &lt;https://docs.oracle.com/cd/B19306_01/server.102/b14200/statements_6009.htm</a:t>
+            </a:r>
+            <a:r>
+              <a:rPr lang="pt-br" sz="2200" dirty="0"/>
+              <a:t>&gt;. Acesso em: 24/10/2020</a:t>
+            </a:r>
+          </a:p>
+          <a:p>
+            <a:pPr rtl="0"/>
+            <a:r>
+              <a:rPr lang="pt-BR" sz="2200" dirty="0" err="1"/>
+              <a:t>Errors</a:t>
+            </a:r>
+            <a:r>
+              <a:rPr lang="pt-BR" sz="2200" dirty="0"/>
+              <a:t> </a:t>
+            </a:r>
+            <a:r>
+              <a:rPr lang="pt-BR" sz="2200" dirty="0" err="1"/>
+              <a:t>and</a:t>
+            </a:r>
+            <a:r>
+              <a:rPr lang="pt-BR" sz="2200" dirty="0"/>
+              <a:t> </a:t>
+            </a:r>
+            <a:r>
+              <a:rPr lang="pt-BR" sz="2200" dirty="0" err="1"/>
+              <a:t>Exception</a:t>
+            </a:r>
+            <a:r>
+              <a:rPr lang="pt-BR" sz="2200" dirty="0"/>
+              <a:t> </a:t>
+            </a:r>
+            <a:r>
+              <a:rPr lang="pt-BR" sz="2200" dirty="0" err="1"/>
+              <a:t>Handling</a:t>
+            </a:r>
+            <a:r>
+              <a:rPr lang="pt-BR" sz="2200" dirty="0"/>
+              <a:t> - Oracle Online </a:t>
+            </a:r>
+            <a:r>
+              <a:rPr lang="pt-BR" sz="2200" dirty="0" err="1"/>
+              <a:t>Documentation</a:t>
+            </a:r>
+            <a:r>
+              <a:rPr lang="pt-BR" sz="2200" dirty="0"/>
+              <a:t>. Disponível em: &lt;https://docs.oracle.com/cd/E11882_01/timesten.112/e21639/exceptions.htm#TTPLS191&gt;. Acesso em: 25/10/2020</a:t>
+            </a:r>
+            <a:endParaRPr lang="pt-br" sz="2200" dirty="0"/>
           </a:p>
         </p:txBody>
       </p:sp>
     </p:spTree>
     <p:extLst>
       <p:ext uri="{BB962C8B-B14F-4D97-AF65-F5344CB8AC3E}">
-        <p14:creationId xmlns:p14="http://schemas.microsoft.com/office/powerpoint/2010/main" val="4181297464"/>
-      </p:ext>
-    </p:extLst>
-  </p:cSld>
-  <p:clrMapOvr>
-    <a:masterClrMapping/>
-  </p:clrMapOvr>
-  <mc:AlternateContent xmlns:mc="http://schemas.openxmlformats.org/markup-compatibility/2006" xmlns:p14="http://schemas.microsoft.com/office/powerpoint/2010/main">
-    <mc:Choice Requires="p14">
-      <p:transition spd="med" p14:dur="700">
-        <p:fade/>
-      </p:transition>
-    </mc:Choice>
-    <mc:Fallback xmlns="">
-      <p:transition spd="med">
-        <p:fade/>
-      </p:transition>
-    </mc:Fallback>
-  </mc:AlternateContent>
-</p:sld>
-</file>
-
-<file path=ppt/slides/slide13.xml><?xml version="1.0" encoding="utf-8"?>
-<p:sld xmlns:a="http://schemas.openxmlformats.org/drawingml/2006/main" xmlns:r="http://schemas.openxmlformats.org/officeDocument/2006/relationships" xmlns:p="http://schemas.openxmlformats.org/presentationml/2006/main">
-  <p:cSld>
-    <p:spTree>
-      <p:nvGrpSpPr>
-        <p:cNvPr id="1" name=""/>
-        <p:cNvGrpSpPr/>
-        <p:nvPr/>
-      </p:nvGrpSpPr>
-      <p:grpSpPr>
-        <a:xfrm>
-          <a:off x="0" y="0"/>
-          <a:ext cx="0" cy="0"/>
-          <a:chOff x="0" y="0"/>
-          <a:chExt cx="0" cy="0"/>
-        </a:xfrm>
-      </p:grpSpPr>
-      <p:sp>
-        <p:nvSpPr>
-          <p:cNvPr id="2" name="Título 1"/>
-          <p:cNvSpPr>
-            <a:spLocks noGrp="1"/>
-          </p:cNvSpPr>
-          <p:nvPr>
-            <p:ph type="title"/>
-          </p:nvPr>
-        </p:nvSpPr>
-        <p:spPr/>
-        <p:txBody>
-          <a:bodyPr rtlCol="0"/>
-          <a:lstStyle/>
-          <a:p>
-            <a:pPr rtl="0"/>
-            <a:r>
-              <a:rPr lang="pt-br"/>
-              <a:t>Adicionar Título de Slide – 3</a:t>
-            </a:r>
-          </a:p>
-        </p:txBody>
-      </p:sp>
-    </p:spTree>
-    <p:extLst>
-      <p:ext uri="{BB962C8B-B14F-4D97-AF65-F5344CB8AC3E}">
-        <p14:creationId xmlns:p14="http://schemas.microsoft.com/office/powerpoint/2010/main" val="1344245307"/>
-      </p:ext>
-    </p:extLst>
-  </p:cSld>
-  <p:clrMapOvr>
-    <a:masterClrMapping/>
-  </p:clrMapOvr>
-  <mc:AlternateContent xmlns:mc="http://schemas.openxmlformats.org/markup-compatibility/2006" xmlns:p14="http://schemas.microsoft.com/office/powerpoint/2010/main">
-    <mc:Choice Requires="p14">
-      <p:transition spd="med" p14:dur="700">
-        <p:fade/>
-      </p:transition>
-    </mc:Choice>
-    <mc:Fallback xmlns="">
-      <p:transition spd="med">
-        <p:fade/>
-      </p:transition>
-    </mc:Fallback>
-  </mc:AlternateContent>
-</p:sld>
-</file>
-
-<file path=ppt/slides/slide14.xml><?xml version="1.0" encoding="utf-8"?>
-<p:sld xmlns:a="http://schemas.openxmlformats.org/drawingml/2006/main" xmlns:r="http://schemas.openxmlformats.org/officeDocument/2006/relationships" xmlns:p="http://schemas.openxmlformats.org/presentationml/2006/main">
-  <p:cSld>
-    <p:spTree>
-      <p:nvGrpSpPr>
-        <p:cNvPr id="1" name=""/>
-        <p:cNvGrpSpPr/>
-        <p:nvPr/>
-      </p:nvGrpSpPr>
-      <p:grpSpPr>
-        <a:xfrm>
-          <a:off x="0" y="0"/>
-          <a:ext cx="0" cy="0"/>
-          <a:chOff x="0" y="0"/>
-          <a:chExt cx="0" cy="0"/>
-        </a:xfrm>
-      </p:grpSpPr>
-    </p:spTree>
-    <p:extLst>
-      <p:ext uri="{BB962C8B-B14F-4D97-AF65-F5344CB8AC3E}">
-        <p14:creationId xmlns:p14="http://schemas.microsoft.com/office/powerpoint/2010/main" val="2623819822"/>
-      </p:ext>
-    </p:extLst>
-  </p:cSld>
-  <p:clrMapOvr>
-    <a:masterClrMapping/>
-  </p:clrMapOvr>
-  <mc:AlternateContent xmlns:mc="http://schemas.openxmlformats.org/markup-compatibility/2006" xmlns:p14="http://schemas.microsoft.com/office/powerpoint/2010/main">
-    <mc:Choice Requires="p14">
-      <p:transition spd="med" p14:dur="700">
-        <p:fade/>
-      </p:transition>
-    </mc:Choice>
-    <mc:Fallback xmlns="">
-      <p:transition spd="med">
-        <p:fade/>
-      </p:transition>
-    </mc:Fallback>
-  </mc:AlternateContent>
-</p:sld>
-</file>
-
-<file path=ppt/slides/slide15.xml><?xml version="1.0" encoding="utf-8"?>
-<p:sld xmlns:a="http://schemas.openxmlformats.org/drawingml/2006/main" xmlns:r="http://schemas.openxmlformats.org/officeDocument/2006/relationships" xmlns:p="http://schemas.openxmlformats.org/presentationml/2006/main">
-  <p:cSld>
-    <p:spTree>
-      <p:nvGrpSpPr>
-        <p:cNvPr id="1" name=""/>
-        <p:cNvGrpSpPr/>
-        <p:nvPr/>
-      </p:nvGrpSpPr>
-      <p:grpSpPr>
-        <a:xfrm>
-          <a:off x="0" y="0"/>
-          <a:ext cx="0" cy="0"/>
-          <a:chOff x="0" y="0"/>
-          <a:chExt cx="0" cy="0"/>
-        </a:xfrm>
-      </p:grpSpPr>
-      <p:sp>
-        <p:nvSpPr>
-          <p:cNvPr id="2" name="Título 1"/>
-          <p:cNvSpPr>
-            <a:spLocks noGrp="1"/>
-          </p:cNvSpPr>
-          <p:nvPr>
-            <p:ph type="title"/>
-          </p:nvPr>
-        </p:nvSpPr>
-        <p:spPr/>
-        <p:txBody>
-          <a:bodyPr rtlCol="0"/>
-          <a:lstStyle/>
-          <a:p>
-            <a:pPr rtl="0"/>
-            <a:r>
-              <a:rPr lang="pt-br"/>
-              <a:t>Adicionar Título de Slide – 4</a:t>
-            </a:r>
-          </a:p>
-        </p:txBody>
-      </p:sp>
-      <p:sp>
-        <p:nvSpPr>
-          <p:cNvPr id="3" name="Espaço Reservado para Conteúdo 2"/>
-          <p:cNvSpPr>
-            <a:spLocks noGrp="1"/>
-          </p:cNvSpPr>
-          <p:nvPr>
-            <p:ph idx="1"/>
-          </p:nvPr>
-        </p:nvSpPr>
-        <p:spPr/>
-        <p:txBody>
-          <a:bodyPr rtlCol="0"/>
-          <a:lstStyle/>
-          <a:p>
-            <a:pPr rtl="0"/>
-            <a:endParaRPr lang="en-US"/>
-          </a:p>
-        </p:txBody>
-      </p:sp>
-      <p:sp>
-        <p:nvSpPr>
-          <p:cNvPr id="4" name="Espaço Reservado para Texto 3"/>
-          <p:cNvSpPr>
-            <a:spLocks noGrp="1"/>
-          </p:cNvSpPr>
-          <p:nvPr>
-            <p:ph type="body" sz="half" idx="2"/>
-          </p:nvPr>
-        </p:nvSpPr>
-        <p:spPr/>
-        <p:txBody>
-          <a:bodyPr rtlCol="0"/>
-          <a:lstStyle/>
-          <a:p>
-            <a:pPr rtl="0"/>
-            <a:endParaRPr lang="en-US"/>
-          </a:p>
-        </p:txBody>
-      </p:sp>
-    </p:spTree>
-    <p:extLst>
-      <p:ext uri="{BB962C8B-B14F-4D97-AF65-F5344CB8AC3E}">
-        <p14:creationId xmlns:p14="http://schemas.microsoft.com/office/powerpoint/2010/main" val="4237772798"/>
-      </p:ext>
-    </p:extLst>
-  </p:cSld>
-  <p:clrMapOvr>
-    <a:masterClrMapping/>
-  </p:clrMapOvr>
-  <mc:AlternateContent xmlns:mc="http://schemas.openxmlformats.org/markup-compatibility/2006" xmlns:p14="http://schemas.microsoft.com/office/powerpoint/2010/main">
-    <mc:Choice Requires="p14">
-      <p:transition spd="med" p14:dur="700">
-        <p:fade/>
-      </p:transition>
-    </mc:Choice>
-    <mc:Fallback xmlns="">
-      <p:transition spd="med">
-        <p:fade/>
-      </p:transition>
-    </mc:Fallback>
-  </mc:AlternateContent>
-</p:sld>
-</file>
-
-<file path=ppt/slides/slide16.xml><?xml version="1.0" encoding="utf-8"?>
-<p:sld xmlns:a="http://schemas.openxmlformats.org/drawingml/2006/main" xmlns:r="http://schemas.openxmlformats.org/officeDocument/2006/relationships" xmlns:p="http://schemas.openxmlformats.org/presentationml/2006/main">
-  <p:cSld>
-    <p:spTree>
-      <p:nvGrpSpPr>
-        <p:cNvPr id="1" name=""/>
-        <p:cNvGrpSpPr/>
-        <p:nvPr/>
-      </p:nvGrpSpPr>
-      <p:grpSpPr>
-        <a:xfrm>
-          <a:off x="0" y="0"/>
-          <a:ext cx="0" cy="0"/>
-          <a:chOff x="0" y="0"/>
-          <a:chExt cx="0" cy="0"/>
-        </a:xfrm>
-      </p:grpSpPr>
-      <p:sp>
-        <p:nvSpPr>
-          <p:cNvPr id="2" name="Título 1"/>
-          <p:cNvSpPr>
-            <a:spLocks noGrp="1"/>
-          </p:cNvSpPr>
-          <p:nvPr>
-            <p:ph type="title"/>
-          </p:nvPr>
-        </p:nvSpPr>
-        <p:spPr/>
-        <p:txBody>
-          <a:bodyPr rtlCol="0"/>
-          <a:lstStyle/>
-          <a:p>
-            <a:pPr rtl="0"/>
-            <a:r>
-              <a:rPr lang="pt-br"/>
-              <a:t>Adicionar Título de Slide – 5</a:t>
-            </a:r>
-          </a:p>
-        </p:txBody>
-      </p:sp>
-      <p:sp>
-        <p:nvSpPr>
-          <p:cNvPr id="5" name="Espaço Reservado para Imagem 4" descr="Um espaço reservado vazio para adicionar uma imagem. Clique no espaço reservado e selecione a imagem que você deseja adicionar."/>
-          <p:cNvSpPr>
-            <a:spLocks noGrp="1"/>
-          </p:cNvSpPr>
-          <p:nvPr>
-            <p:ph type="pic" idx="1"/>
-          </p:nvPr>
-        </p:nvSpPr>
-        <p:spPr/>
-      </p:sp>
-      <p:sp>
-        <p:nvSpPr>
-          <p:cNvPr id="4" name="Espaço Reservado para Texto 3"/>
-          <p:cNvSpPr>
-            <a:spLocks noGrp="1"/>
-          </p:cNvSpPr>
-          <p:nvPr>
-            <p:ph type="body" sz="half" idx="2"/>
-          </p:nvPr>
-        </p:nvSpPr>
-        <p:spPr/>
-        <p:txBody>
-          <a:bodyPr rtlCol="0"/>
-          <a:lstStyle/>
-          <a:p>
-            <a:pPr rtl="0"/>
-            <a:endParaRPr lang="en-US" dirty="0"/>
-          </a:p>
-        </p:txBody>
-      </p:sp>
-    </p:spTree>
-    <p:extLst>
-      <p:ext uri="{BB962C8B-B14F-4D97-AF65-F5344CB8AC3E}">
-        <p14:creationId xmlns:p14="http://schemas.microsoft.com/office/powerpoint/2010/main" val="849448384"/>
+        <p14:creationId xmlns:p14="http://schemas.microsoft.com/office/powerpoint/2010/main" val="1514047617"/>
       </p:ext>
     </p:extLst>
   </p:cSld>
@@ -10312,33 +5940,29 @@
       </p:sp>
       <p:sp>
         <p:nvSpPr>
-          <p:cNvPr id="4" name="CaixaDeTexto 3">
+          <p:cNvPr id="3" name="Espaço Reservado para Conteúdo 2">
             <a:extLst>
               <a:ext uri="{FF2B5EF4-FFF2-40B4-BE49-F238E27FC236}">
-                <a16:creationId xmlns:a16="http://schemas.microsoft.com/office/drawing/2014/main" id="{56709222-6098-49DA-8130-3C1EE5E1E9AF}"/>
+                <a16:creationId xmlns:a16="http://schemas.microsoft.com/office/drawing/2014/main" id="{0BB339F9-EAFF-4F23-AFBD-AC78D0CBF682}"/>
               </a:ext>
             </a:extLst>
           </p:cNvPr>
-          <p:cNvSpPr txBox="1"/>
-          <p:nvPr/>
-        </p:nvSpPr>
-        <p:spPr>
-          <a:xfrm>
-            <a:off x="1629916" y="2564904"/>
-            <a:ext cx="8712968" cy="1200329"/>
-          </a:xfrm>
-          <a:prstGeom prst="rect">
-            <a:avLst/>
-          </a:prstGeom>
-          <a:noFill/>
-        </p:spPr>
-        <p:txBody>
-          <a:bodyPr wrap="square" rtlCol="0">
-            <a:spAutoFit/>
-          </a:bodyPr>
+          <p:cNvSpPr>
+            <a:spLocks noGrp="1"/>
+          </p:cNvSpPr>
+          <p:nvPr>
+            <p:ph idx="1"/>
+          </p:nvPr>
+        </p:nvSpPr>
+        <p:spPr/>
+        <p:txBody>
+          <a:bodyPr/>
           <a:lstStyle/>
           <a:p>
-            <a:endParaRPr lang="pt-BR" dirty="0"/>
+            <a:r>
+              <a:rPr lang="pt-BR" sz="2400" dirty="0"/>
+              <a:t>Triggers são eventos mapeados pelo banco de dados que executam blocos PL/SQL.</a:t>
+            </a:r>
           </a:p>
           <a:p>
             <a:pPr marL="285750" indent="-285750">
@@ -10346,8 +5970,8 @@
               <a:buChar char="•"/>
             </a:pPr>
             <a:r>
-              <a:rPr lang="pt-BR" dirty="0"/>
-              <a:t>Triggers são eventos mapeados pelo banco de dados que executam blocos PL/SQL.</a:t>
+              <a:rPr lang="pt-BR" sz="2400" dirty="0"/>
+              <a:t>São dependentes das tabelas ou visões nas quais são declarados.</a:t>
             </a:r>
           </a:p>
           <a:p>
@@ -10356,19 +5980,12 @@
               <a:buChar char="•"/>
             </a:pPr>
             <a:r>
-              <a:rPr lang="pt-BR" dirty="0"/>
-              <a:t>São dependentes das tabelas ou visões nas quais são declarados.</a:t>
-            </a:r>
-          </a:p>
-          <a:p>
-            <a:pPr marL="285750" indent="-285750">
-              <a:buFont typeface="Arial" panose="020B0604020202020204" pitchFamily="34" charset="0"/>
-              <a:buChar char="•"/>
-            </a:pPr>
-            <a:r>
-              <a:rPr lang="pt-BR" dirty="0"/>
+              <a:rPr lang="pt-BR" sz="2400" dirty="0"/>
               <a:t>Triggers são muito utilizados para auditoria e log.</a:t>
             </a:r>
+          </a:p>
+          <a:p>
+            <a:endParaRPr lang="pt-BR" dirty="0"/>
           </a:p>
         </p:txBody>
       </p:sp>
@@ -10440,30 +6057,23 @@
       </p:sp>
       <p:sp>
         <p:nvSpPr>
-          <p:cNvPr id="4" name="CaixaDeTexto 3">
+          <p:cNvPr id="3" name="Espaço Reservado para Conteúdo 2">
             <a:extLst>
               <a:ext uri="{FF2B5EF4-FFF2-40B4-BE49-F238E27FC236}">
-                <a16:creationId xmlns:a16="http://schemas.microsoft.com/office/drawing/2014/main" id="{56709222-6098-49DA-8130-3C1EE5E1E9AF}"/>
+                <a16:creationId xmlns:a16="http://schemas.microsoft.com/office/drawing/2014/main" id="{407371FE-76CF-4D64-BFBA-D281538DE6F5}"/>
               </a:ext>
             </a:extLst>
           </p:cNvPr>
-          <p:cNvSpPr txBox="1"/>
-          <p:nvPr/>
-        </p:nvSpPr>
-        <p:spPr>
-          <a:xfrm>
-            <a:off x="1629916" y="2564904"/>
-            <a:ext cx="8712968" cy="1754326"/>
-          </a:xfrm>
-          <a:prstGeom prst="rect">
-            <a:avLst/>
-          </a:prstGeom>
-          <a:noFill/>
-        </p:spPr>
-        <p:txBody>
-          <a:bodyPr wrap="square" rtlCol="0">
-            <a:spAutoFit/>
-          </a:bodyPr>
+          <p:cNvSpPr>
+            <a:spLocks noGrp="1"/>
+          </p:cNvSpPr>
+          <p:nvPr>
+            <p:ph idx="1"/>
+          </p:nvPr>
+        </p:nvSpPr>
+        <p:spPr/>
+        <p:txBody>
+          <a:bodyPr/>
           <a:lstStyle/>
           <a:p>
             <a:pPr marL="285750" indent="-285750">
@@ -10471,22 +6081,9 @@
               <a:buChar char="•"/>
             </a:pPr>
             <a:r>
-              <a:rPr lang="pt-BR" dirty="0"/>
-              <a:t>Momento: </a:t>
-            </a:r>
-            <a:r>
-              <a:rPr lang="pt-BR" dirty="0" err="1"/>
-              <a:t>before</a:t>
-            </a:r>
-            <a:r>
-              <a:rPr lang="pt-BR" dirty="0"/>
-              <a:t> ou </a:t>
-            </a:r>
-            <a:r>
-              <a:rPr lang="pt-BR" dirty="0" err="1"/>
-              <a:t>after</a:t>
-            </a:r>
-            <a:endParaRPr lang="pt-BR" dirty="0"/>
+              <a:rPr lang="pt-BR" sz="2400" dirty="0"/>
+              <a:t>Tempo: Momento em que o Trigger será ativado. Pode ser ativado antes ou depois da operação</a:t>
+            </a:r>
           </a:p>
           <a:p>
             <a:pPr marL="285750" indent="-285750">
@@ -10494,8 +6091,8 @@
               <a:buChar char="•"/>
             </a:pPr>
             <a:r>
-              <a:rPr lang="pt-BR" dirty="0"/>
-              <a:t>Evento: INSERT, UPDATE, ou AFTER</a:t>
+              <a:rPr lang="pt-BR" sz="2400" dirty="0"/>
+              <a:t>Evento: Qual operação que ativa o Trigger. Permite também múltiplos eventos, separados por OR.</a:t>
             </a:r>
           </a:p>
           <a:p>
@@ -10504,8 +6101,8 @@
               <a:buChar char="•"/>
             </a:pPr>
             <a:r>
-              <a:rPr lang="pt-BR" dirty="0"/>
-              <a:t>Condição: expressão que determina a execução do trigger</a:t>
+              <a:rPr lang="pt-BR" sz="2400" dirty="0"/>
+              <a:t>Tipo: comando (executa apenas uma vez para o comando) ou linha (executa o trigger uma vez para cada linha atualizada/adicionada)</a:t>
             </a:r>
           </a:p>
           <a:p>
@@ -10514,8 +6111,8 @@
               <a:buChar char="•"/>
             </a:pPr>
             <a:r>
-              <a:rPr lang="pt-BR" dirty="0"/>
-              <a:t>Tipo: comando (uma vez para cada comando) ou linha (para cada linha)</a:t>
+              <a:rPr lang="pt-BR" sz="2400" dirty="0"/>
+              <a:t>Corpo: bloco PL/SQL</a:t>
             </a:r>
           </a:p>
           <a:p>
@@ -10524,19 +6121,15 @@
               <a:buChar char="•"/>
             </a:pPr>
             <a:r>
-              <a:rPr lang="pt-BR" dirty="0"/>
-              <a:t>Corpo: bloco PL/SQL</a:t>
-            </a:r>
-          </a:p>
-          <a:p>
-            <a:pPr marL="285750" indent="-285750">
-              <a:buFont typeface="Arial" panose="020B0604020202020204" pitchFamily="34" charset="0"/>
-              <a:buChar char="•"/>
+              <a:rPr lang="pt-BR" sz="2400" dirty="0"/>
+              <a:t>Podem ter propriedades combinadas </a:t>
+            </a:r>
+          </a:p>
+          <a:p>
+            <a:pPr marL="0" indent="0">
+              <a:buNone/>
             </a:pPr>
-            <a:r>
-              <a:rPr lang="pt-BR" dirty="0"/>
-              <a:t>Podem ter propriedades combinadas </a:t>
-            </a:r>
+            <a:endParaRPr lang="pt-BR" dirty="0"/>
           </a:p>
         </p:txBody>
       </p:sp>
@@ -10584,7 +6177,13 @@
       </p:grpSpPr>
       <p:sp>
         <p:nvSpPr>
-          <p:cNvPr id="13" name="Título 12"/>
+          <p:cNvPr id="2" name="Título 1">
+            <a:extLst>
+              <a:ext uri="{FF2B5EF4-FFF2-40B4-BE49-F238E27FC236}">
+                <a16:creationId xmlns:a16="http://schemas.microsoft.com/office/drawing/2014/main" id="{D74B0502-B0B1-460D-81B9-99086419FAB6}"/>
+              </a:ext>
+            </a:extLst>
+          </p:cNvPr>
           <p:cNvSpPr>
             <a:spLocks noGrp="1"/>
           </p:cNvSpPr>
@@ -10594,21 +6193,25 @@
         </p:nvSpPr>
         <p:spPr/>
         <p:txBody>
-          <a:bodyPr rtlCol="0"/>
+          <a:bodyPr/>
           <a:lstStyle/>
           <a:p>
-            <a:pPr rtl="0"/>
             <a:r>
               <a:rPr lang="pt-BR" dirty="0"/>
-              <a:t>Programação Avançada de Banco de Dados</a:t>
-            </a:r>
-            <a:endParaRPr lang="pt-br" dirty="0"/>
-          </a:p>
-        </p:txBody>
-      </p:sp>
-      <p:sp>
-        <p:nvSpPr>
-          <p:cNvPr id="14" name="Espaço Reservado para Conteúdo 13"/>
+              <a:t>Características do corpo do Trigger</a:t>
+            </a:r>
+          </a:p>
+        </p:txBody>
+      </p:sp>
+      <p:sp>
+        <p:nvSpPr>
+          <p:cNvPr id="3" name="Espaço Reservado para Conteúdo 2">
+            <a:extLst>
+              <a:ext uri="{FF2B5EF4-FFF2-40B4-BE49-F238E27FC236}">
+                <a16:creationId xmlns:a16="http://schemas.microsoft.com/office/drawing/2014/main" id="{A9035A0D-ACB5-430A-8B8E-002B5CCB96C2}"/>
+              </a:ext>
+            </a:extLst>
+          </p:cNvPr>
           <p:cNvSpPr>
             <a:spLocks noGrp="1"/>
           </p:cNvSpPr>
@@ -10618,50 +6221,112 @@
         </p:nvSpPr>
         <p:spPr/>
         <p:txBody>
-          <a:bodyPr rtlCol="0"/>
+          <a:bodyPr/>
           <a:lstStyle/>
           <a:p>
-            <a:pPr rtl="0"/>
-            <a:r>
-              <a:rPr lang="pt-br" dirty="0"/>
-              <a:t>Francilei Augusto dos Santos</a:t>
-            </a:r>
-          </a:p>
-          <a:p>
-            <a:pPr rtl="0"/>
-            <a:r>
-              <a:rPr lang="pt-br" dirty="0"/>
-              <a:t>Jonathan Cezar de Souza Silva</a:t>
-            </a:r>
-          </a:p>
-          <a:p>
-            <a:pPr rtl="0"/>
-            <a:r>
-              <a:rPr lang="pt-br" dirty="0"/>
-              <a:t>Matheus Henrique Gonçalves</a:t>
-            </a:r>
-          </a:p>
-          <a:p>
-            <a:pPr rtl="0"/>
             <a:r>
               <a:rPr lang="pt-BR" dirty="0"/>
-              <a:t>Railson Tales de Oliveira</a:t>
-            </a:r>
-          </a:p>
-          <a:p>
-            <a:pPr rtl="0"/>
+              <a:t>Permite usar :</a:t>
+            </a:r>
+            <a:r>
+              <a:rPr lang="pt-BR" dirty="0" err="1"/>
+              <a:t>old.coluna</a:t>
+            </a:r>
             <a:r>
               <a:rPr lang="pt-BR" dirty="0"/>
-              <a:t>Robson de Sousa</a:t>
-            </a:r>
-            <a:endParaRPr lang="pt-br" dirty="0"/>
+              <a:t> e :</a:t>
+            </a:r>
+            <a:r>
+              <a:rPr lang="pt-BR" dirty="0" err="1"/>
+              <a:t>new.coluna</a:t>
+            </a:r>
+            <a:r>
+              <a:rPr lang="pt-BR" dirty="0"/>
+              <a:t> para acessar valores antes da atualização, e o valor atualizado.</a:t>
+            </a:r>
+          </a:p>
+          <a:p>
+            <a:r>
+              <a:rPr lang="pt-BR" dirty="0"/>
+              <a:t>Permite fazer ações diferentes para cada operação, usando IF. Por exemplo:</a:t>
+            </a:r>
+          </a:p>
+          <a:p>
+            <a:pPr marL="0" indent="0">
+              <a:buNone/>
+            </a:pPr>
+            <a:endParaRPr lang="pt-BR" dirty="0"/>
+          </a:p>
+          <a:p>
+            <a:pPr marL="0" indent="0">
+              <a:lnSpc>
+                <a:spcPct val="100000"/>
+              </a:lnSpc>
+              <a:spcBef>
+                <a:spcPts val="0"/>
+              </a:spcBef>
+              <a:buNone/>
+            </a:pPr>
+            <a:r>
+              <a:rPr lang="pt-BR" dirty="0"/>
+              <a:t>	</a:t>
+            </a:r>
+            <a:r>
+              <a:rPr lang="pt-BR" sz="2200" dirty="0"/>
+              <a:t>IF DELETING THEN</a:t>
+            </a:r>
+          </a:p>
+          <a:p>
+            <a:pPr marL="0" indent="0">
+              <a:lnSpc>
+                <a:spcPct val="100000"/>
+              </a:lnSpc>
+              <a:spcBef>
+                <a:spcPts val="0"/>
+              </a:spcBef>
+              <a:buNone/>
+            </a:pPr>
+            <a:r>
+              <a:rPr lang="pt-BR" sz="2200" dirty="0"/>
+              <a:t>	-- Ação</a:t>
+            </a:r>
+          </a:p>
+          <a:p>
+            <a:pPr marL="0" indent="0">
+              <a:lnSpc>
+                <a:spcPct val="100000"/>
+              </a:lnSpc>
+              <a:spcBef>
+                <a:spcPts val="0"/>
+              </a:spcBef>
+              <a:buNone/>
+            </a:pPr>
+            <a:r>
+              <a:rPr lang="pt-BR" sz="2200" dirty="0"/>
+              <a:t>	ELSIF INSERTING THEN</a:t>
+            </a:r>
+          </a:p>
+          <a:p>
+            <a:pPr marL="0" indent="0">
+              <a:lnSpc>
+                <a:spcPct val="100000"/>
+              </a:lnSpc>
+              <a:spcBef>
+                <a:spcPts val="0"/>
+              </a:spcBef>
+              <a:buNone/>
+            </a:pPr>
+            <a:r>
+              <a:rPr lang="pt-BR" sz="2200" dirty="0"/>
+              <a:t>	 -- Ação</a:t>
+            </a:r>
           </a:p>
         </p:txBody>
       </p:sp>
     </p:spTree>
     <p:extLst>
       <p:ext uri="{BB962C8B-B14F-4D97-AF65-F5344CB8AC3E}">
-        <p14:creationId xmlns:p14="http://schemas.microsoft.com/office/powerpoint/2010/main" val="1016464805"/>
+        <p14:creationId xmlns:p14="http://schemas.microsoft.com/office/powerpoint/2010/main" val="3586263153"/>
       </p:ext>
     </p:extLst>
   </p:cSld>
@@ -10702,7 +6367,13 @@
       </p:grpSpPr>
       <p:sp>
         <p:nvSpPr>
-          <p:cNvPr id="13" name="Título 12"/>
+          <p:cNvPr id="2" name="Título 1">
+            <a:extLst>
+              <a:ext uri="{FF2B5EF4-FFF2-40B4-BE49-F238E27FC236}">
+                <a16:creationId xmlns:a16="http://schemas.microsoft.com/office/drawing/2014/main" id="{D74B0502-B0B1-460D-81B9-99086419FAB6}"/>
+              </a:ext>
+            </a:extLst>
+          </p:cNvPr>
           <p:cNvSpPr>
             <a:spLocks noGrp="1"/>
           </p:cNvSpPr>
@@ -10712,20 +6383,25 @@
         </p:nvSpPr>
         <p:spPr/>
         <p:txBody>
-          <a:bodyPr rtlCol="0"/>
+          <a:bodyPr/>
           <a:lstStyle/>
           <a:p>
-            <a:pPr rtl="0"/>
-            <a:r>
-              <a:rPr lang="pt-br" dirty="0"/>
-              <a:t>REFERÊNCIAS</a:t>
-            </a:r>
-          </a:p>
-        </p:txBody>
-      </p:sp>
-      <p:sp>
-        <p:nvSpPr>
-          <p:cNvPr id="14" name="Espaço Reservado para Conteúdo 13"/>
+            <a:r>
+              <a:rPr lang="pt-BR" dirty="0"/>
+              <a:t>Características do corpo do Trigger</a:t>
+            </a:r>
+          </a:p>
+        </p:txBody>
+      </p:sp>
+      <p:sp>
+        <p:nvSpPr>
+          <p:cNvPr id="3" name="Espaço Reservado para Conteúdo 2">
+            <a:extLst>
+              <a:ext uri="{FF2B5EF4-FFF2-40B4-BE49-F238E27FC236}">
+                <a16:creationId xmlns:a16="http://schemas.microsoft.com/office/drawing/2014/main" id="{A9035A0D-ACB5-430A-8B8E-002B5CCB96C2}"/>
+              </a:ext>
+            </a:extLst>
+          </p:cNvPr>
           <p:cNvSpPr>
             <a:spLocks noGrp="1"/>
           </p:cNvSpPr>
@@ -10735,27 +6411,98 @@
         </p:nvSpPr>
         <p:spPr/>
         <p:txBody>
-          <a:bodyPr rtlCol="0"/>
+          <a:bodyPr/>
           <a:lstStyle/>
           <a:p>
-            <a:pPr rtl="0"/>
-            <a:r>
-              <a:rPr lang="pt-br" dirty="0"/>
-              <a:t>Adicione aqui seu primeiro marcador</a:t>
-            </a:r>
-          </a:p>
-          <a:p>
-            <a:pPr rtl="0"/>
-            <a:r>
-              <a:rPr lang="pt-br" dirty="0"/>
-              <a:t>Adicione aqui seu segundo marcador</a:t>
-            </a:r>
-          </a:p>
-          <a:p>
-            <a:pPr rtl="0"/>
-            <a:r>
-              <a:rPr lang="pt-br" dirty="0"/>
-              <a:t>Adicione aqui seu terceiro marcador</a:t>
+            <a:r>
+              <a:rPr lang="pt-BR" dirty="0"/>
+              <a:t>No caso do UPDATING, pode ser especificado uma coluna específica, em que o IF/ELSIF será ativado apenas para atualização da mesma.</a:t>
+            </a:r>
+          </a:p>
+          <a:p>
+            <a:pPr marL="0" indent="0">
+              <a:buNone/>
+            </a:pPr>
+            <a:endParaRPr lang="pt-BR" dirty="0"/>
+          </a:p>
+          <a:p>
+            <a:pPr marL="0" indent="0">
+              <a:lnSpc>
+                <a:spcPct val="100000"/>
+              </a:lnSpc>
+              <a:spcBef>
+                <a:spcPts val="0"/>
+              </a:spcBef>
+              <a:buNone/>
+            </a:pPr>
+            <a:r>
+              <a:rPr lang="pt-BR" dirty="0"/>
+              <a:t>	</a:t>
+            </a:r>
+            <a:r>
+              <a:rPr lang="pt-BR" sz="2200" dirty="0"/>
+              <a:t>IF UPDATING(‘</a:t>
+            </a:r>
+            <a:r>
+              <a:rPr lang="pt-BR" sz="2200" dirty="0" err="1"/>
+              <a:t>salary</a:t>
+            </a:r>
+            <a:r>
+              <a:rPr lang="pt-BR" sz="2200" dirty="0"/>
+              <a:t>') THEN</a:t>
+            </a:r>
+          </a:p>
+          <a:p>
+            <a:pPr marL="0" indent="0">
+              <a:lnSpc>
+                <a:spcPct val="100000"/>
+              </a:lnSpc>
+              <a:spcBef>
+                <a:spcPts val="0"/>
+              </a:spcBef>
+              <a:buNone/>
+            </a:pPr>
+            <a:r>
+              <a:rPr lang="pt-BR" sz="2200" dirty="0"/>
+              <a:t>	-- Ação</a:t>
+            </a:r>
+          </a:p>
+          <a:p>
+            <a:pPr marL="0" indent="0">
+              <a:lnSpc>
+                <a:spcPct val="100000"/>
+              </a:lnSpc>
+              <a:spcBef>
+                <a:spcPts val="0"/>
+              </a:spcBef>
+              <a:buNone/>
+            </a:pPr>
+            <a:r>
+              <a:rPr lang="pt-BR" sz="2200" dirty="0"/>
+              <a:t>	ELSIF UPDATING(‘</a:t>
+            </a:r>
+            <a:r>
+              <a:rPr lang="pt-BR" sz="2200" dirty="0" err="1"/>
+              <a:t>job_id</a:t>
+            </a:r>
+            <a:r>
+              <a:rPr lang="pt-BR" sz="2200" dirty="0"/>
+              <a:t>’) THEN</a:t>
+            </a:r>
+          </a:p>
+          <a:p>
+            <a:pPr marL="0" indent="0">
+              <a:lnSpc>
+                <a:spcPct val="100000"/>
+              </a:lnSpc>
+              <a:spcBef>
+                <a:spcPts val="0"/>
+              </a:spcBef>
+              <a:buNone/>
+            </a:pPr>
+            <a:r>
+              <a:rPr lang="pt-BR" sz="2200" dirty="0"/>
+              <a:t>	-- Ação</a:t>
             </a:r>
           </a:p>
         </p:txBody>
@@ -10763,20 +6510,20 @@
     </p:spTree>
     <p:extLst>
       <p:ext uri="{BB962C8B-B14F-4D97-AF65-F5344CB8AC3E}">
-        <p14:creationId xmlns:p14="http://schemas.microsoft.com/office/powerpoint/2010/main" val="1514047617"/>
+        <p14:creationId xmlns:p14="http://schemas.microsoft.com/office/powerpoint/2010/main" val="3095408688"/>
       </p:ext>
     </p:extLst>
   </p:cSld>
   <p:clrMapOvr>
     <a:masterClrMapping/>
   </p:clrMapOvr>
-  <mc:AlternateContent xmlns:mc="http://schemas.openxmlformats.org/markup-compatibility/2006" xmlns:p14="http://schemas.microsoft.com/office/powerpoint/2010/main">
-    <mc:Choice Requires="p14">
+  <mc:AlternateContent xmlns:mc="http://schemas.openxmlformats.org/markup-compatibility/2006">
+    <mc:Choice xmlns:p14="http://schemas.microsoft.com/office/powerpoint/2010/main" Requires="p14">
       <p:transition spd="med" p14:dur="700">
         <p:fade/>
       </p:transition>
     </mc:Choice>
-    <mc:Fallback xmlns="">
+    <mc:Fallback>
       <p:transition spd="med">
         <p:fade/>
       </p:transition>
@@ -10804,7 +6551,13 @@
       </p:grpSpPr>
       <p:sp>
         <p:nvSpPr>
-          <p:cNvPr id="13" name="Título 12"/>
+          <p:cNvPr id="2" name="Título 1">
+            <a:extLst>
+              <a:ext uri="{FF2B5EF4-FFF2-40B4-BE49-F238E27FC236}">
+                <a16:creationId xmlns:a16="http://schemas.microsoft.com/office/drawing/2014/main" id="{02B68375-CEBE-4921-87E4-B04CCFA84350}"/>
+              </a:ext>
+            </a:extLst>
+          </p:cNvPr>
           <p:cNvSpPr>
             <a:spLocks noGrp="1"/>
           </p:cNvSpPr>
@@ -10814,20 +6567,25 @@
         </p:nvSpPr>
         <p:spPr/>
         <p:txBody>
-          <a:bodyPr rtlCol="0"/>
+          <a:bodyPr/>
           <a:lstStyle/>
           <a:p>
-            <a:pPr rtl="0"/>
-            <a:r>
-              <a:rPr lang="pt-br" dirty="0"/>
-              <a:t>Título e Layout de Conteúdo com Lista</a:t>
-            </a:r>
-          </a:p>
-        </p:txBody>
-      </p:sp>
-      <p:sp>
-        <p:nvSpPr>
-          <p:cNvPr id="14" name="Espaço Reservado para Conteúdo 13"/>
+            <a:r>
+              <a:rPr lang="pt-BR" dirty="0"/>
+              <a:t>Exercício - Objetivo</a:t>
+            </a:r>
+          </a:p>
+        </p:txBody>
+      </p:sp>
+      <p:sp>
+        <p:nvSpPr>
+          <p:cNvPr id="3" name="Espaço Reservado para Conteúdo 2">
+            <a:extLst>
+              <a:ext uri="{FF2B5EF4-FFF2-40B4-BE49-F238E27FC236}">
+                <a16:creationId xmlns:a16="http://schemas.microsoft.com/office/drawing/2014/main" id="{689287E9-E76D-4EF9-A901-C4330BC2F639}"/>
+              </a:ext>
+            </a:extLst>
+          </p:cNvPr>
           <p:cNvSpPr>
             <a:spLocks noGrp="1"/>
           </p:cNvSpPr>
@@ -10837,27 +6595,18 @@
         </p:nvSpPr>
         <p:spPr/>
         <p:txBody>
-          <a:bodyPr rtlCol="0"/>
+          <a:bodyPr/>
           <a:lstStyle/>
           <a:p>
-            <a:pPr rtl="0"/>
-            <a:r>
-              <a:rPr lang="pt-br" dirty="0"/>
-              <a:t>Adicione aqui seu primeiro marcador</a:t>
-            </a:r>
-          </a:p>
-          <a:p>
-            <a:pPr rtl="0"/>
-            <a:r>
-              <a:rPr lang="pt-br" dirty="0"/>
-              <a:t>Adicione aqui seu segundo marcador</a:t>
-            </a:r>
-          </a:p>
-          <a:p>
-            <a:pPr rtl="0"/>
-            <a:r>
-              <a:rPr lang="pt-br" dirty="0"/>
-              <a:t>Adicione aqui seu terceiro marcador</a:t>
+            <a:r>
+              <a:rPr lang="pt-BR" dirty="0"/>
+              <a:t>Substituir Trigger existente que é executado sempre que há uma mudança de cargo ou departamento</a:t>
+            </a:r>
+          </a:p>
+          <a:p>
+            <a:r>
+              <a:rPr lang="pt-BR" dirty="0"/>
+              <a:t>Mudança deve registrar salário recebido pelo empregado antes e depois da mudança de cargo, e exibir mensagem com o aumento salarial</a:t>
             </a:r>
           </a:p>
         </p:txBody>
@@ -10865,7 +6614,7 @@
     </p:spTree>
     <p:extLst>
       <p:ext uri="{BB962C8B-B14F-4D97-AF65-F5344CB8AC3E}">
-        <p14:creationId xmlns:p14="http://schemas.microsoft.com/office/powerpoint/2010/main" val="1676383360"/>
+        <p14:creationId xmlns:p14="http://schemas.microsoft.com/office/powerpoint/2010/main" val="4207083942"/>
       </p:ext>
     </p:extLst>
   </p:cSld>
@@ -10906,7 +6655,13 @@
       </p:grpSpPr>
       <p:sp>
         <p:nvSpPr>
-          <p:cNvPr id="2" name="Título 1"/>
+          <p:cNvPr id="2" name="Título 1">
+            <a:extLst>
+              <a:ext uri="{FF2B5EF4-FFF2-40B4-BE49-F238E27FC236}">
+                <a16:creationId xmlns:a16="http://schemas.microsoft.com/office/drawing/2014/main" id="{2561F2D7-7953-4C55-9EF2-8E86684559AF}"/>
+              </a:ext>
+            </a:extLst>
+          </p:cNvPr>
           <p:cNvSpPr>
             <a:spLocks noGrp="1"/>
           </p:cNvSpPr>
@@ -10916,46 +6671,293 @@
         </p:nvSpPr>
         <p:spPr/>
         <p:txBody>
-          <a:bodyPr rtlCol="0"/>
+          <a:bodyPr/>
           <a:lstStyle/>
           <a:p>
-            <a:pPr rtl="0"/>
-            <a:r>
-              <a:rPr lang="pt-br"/>
-              <a:t>Título e Layout de Conteúdo com Gráfico</a:t>
-            </a:r>
-          </a:p>
-        </p:txBody>
-      </p:sp>
-      <p:graphicFrame>
-        <p:nvGraphicFramePr>
-          <p:cNvPr id="6" name="Espaço Reservado para Conteúdo 5" descr="Gráfico de colunas agrupadas mostrando os valores de 3 séries para 4 categorias"/>
-          <p:cNvGraphicFramePr>
-            <a:graphicFrameLocks noGrp="1"/>
-          </p:cNvGraphicFramePr>
+            <a:r>
+              <a:rPr lang="pt-BR" dirty="0"/>
+              <a:t>Primeiro Passo – Novos campos</a:t>
+            </a:r>
+          </a:p>
+        </p:txBody>
+      </p:sp>
+      <p:sp>
+        <p:nvSpPr>
+          <p:cNvPr id="3" name="Espaço Reservado para Conteúdo 2">
+            <a:extLst>
+              <a:ext uri="{FF2B5EF4-FFF2-40B4-BE49-F238E27FC236}">
+                <a16:creationId xmlns:a16="http://schemas.microsoft.com/office/drawing/2014/main" id="{2FB59958-E2D9-4004-9E82-5BBF5442F297}"/>
+              </a:ext>
+            </a:extLst>
+          </p:cNvPr>
+          <p:cNvSpPr>
+            <a:spLocks noGrp="1"/>
+          </p:cNvSpPr>
           <p:nvPr>
             <p:ph idx="1"/>
-            <p:extLst>
-              <p:ext uri="{D42A27DB-BD31-4B8C-83A1-F6EECF244321}">
-                <p14:modId xmlns:p14="http://schemas.microsoft.com/office/powerpoint/2010/main" val="2360841904"/>
-              </p:ext>
-            </p:extLst>
-          </p:nvPr>
-        </p:nvGraphicFramePr>
-        <p:xfrm>
-          <a:off x="1219200" y="1803400"/>
-          <a:ext cx="9750425" cy="4267200"/>
-        </p:xfrm>
-        <a:graphic>
-          <a:graphicData uri="http://schemas.openxmlformats.org/drawingml/2006/chart">
-            <c:chart xmlns:c="http://schemas.openxmlformats.org/drawingml/2006/chart" xmlns:r="http://schemas.openxmlformats.org/officeDocument/2006/relationships" r:id="rId2"/>
-          </a:graphicData>
-        </a:graphic>
-      </p:graphicFrame>
+          </p:nvPr>
+        </p:nvSpPr>
+        <p:spPr>
+          <a:xfrm>
+            <a:off x="1218883" y="1844824"/>
+            <a:ext cx="9751060" cy="4267200"/>
+          </a:xfrm>
+        </p:spPr>
+        <p:txBody>
+          <a:bodyPr/>
+          <a:lstStyle/>
+          <a:p>
+            <a:r>
+              <a:rPr lang="en-US" b="0" i="0" dirty="0" err="1">
+                <a:effectLst/>
+              </a:rPr>
+              <a:t>Adição</a:t>
+            </a:r>
+            <a:r>
+              <a:rPr lang="en-US" b="0" i="0" dirty="0">
+                <a:effectLst/>
+              </a:rPr>
+              <a:t> de </a:t>
+            </a:r>
+            <a:r>
+              <a:rPr lang="en-US" b="0" i="0" dirty="0" err="1">
+                <a:effectLst/>
+              </a:rPr>
+              <a:t>campos</a:t>
+            </a:r>
+            <a:r>
+              <a:rPr lang="en-US" b="0" i="0" dirty="0">
+                <a:effectLst/>
+              </a:rPr>
+              <a:t> </a:t>
+            </a:r>
+            <a:r>
+              <a:rPr lang="en-US" b="0" i="0" dirty="0" err="1">
+                <a:effectLst/>
+              </a:rPr>
+              <a:t>novos</a:t>
+            </a:r>
+            <a:r>
+              <a:rPr lang="en-US" b="0" i="0" dirty="0">
+                <a:effectLst/>
+              </a:rPr>
+              <a:t> para registrar dados (</a:t>
+            </a:r>
+            <a:r>
+              <a:rPr lang="en-US" dirty="0" err="1"/>
+              <a:t>s</a:t>
+            </a:r>
+            <a:r>
+              <a:rPr lang="en-US" b="0" i="0" dirty="0" err="1">
+                <a:effectLst/>
+              </a:rPr>
+              <a:t>alário</a:t>
+            </a:r>
+            <a:r>
+              <a:rPr lang="en-US" b="0" i="0" dirty="0">
+                <a:effectLst/>
+              </a:rPr>
+              <a:t> </a:t>
+            </a:r>
+            <a:r>
+              <a:rPr lang="en-US" b="0" i="0" dirty="0" err="1">
+                <a:effectLst/>
+              </a:rPr>
+              <a:t>antigo</a:t>
+            </a:r>
+            <a:r>
+              <a:rPr lang="en-US" b="0" i="0" dirty="0">
+                <a:effectLst/>
+              </a:rPr>
+              <a:t>, novo ID </a:t>
+            </a:r>
+            <a:r>
+              <a:rPr lang="en-US" b="0" i="0" dirty="0" err="1">
+                <a:effectLst/>
+              </a:rPr>
+              <a:t>departamento</a:t>
+            </a:r>
+            <a:r>
+              <a:rPr lang="en-US" b="0" i="0" dirty="0">
+                <a:effectLst/>
+              </a:rPr>
+              <a:t>, novo </a:t>
+            </a:r>
+            <a:r>
+              <a:rPr lang="en-US" b="0" i="0" dirty="0" err="1">
+                <a:effectLst/>
+              </a:rPr>
+              <a:t>salário</a:t>
+            </a:r>
+            <a:r>
+              <a:rPr lang="en-US" b="0" i="0" dirty="0">
+                <a:effectLst/>
+              </a:rPr>
+              <a:t>)</a:t>
+            </a:r>
+          </a:p>
+          <a:p>
+            <a:pPr marL="0" indent="0">
+              <a:buNone/>
+            </a:pPr>
+            <a:endParaRPr lang="en-US" b="0" i="0" dirty="0">
+              <a:solidFill>
+                <a:schemeClr val="tx2"/>
+              </a:solidFill>
+              <a:effectLst/>
+            </a:endParaRPr>
+          </a:p>
+          <a:p>
+            <a:pPr marL="0" indent="0">
+              <a:lnSpc>
+                <a:spcPct val="100000"/>
+              </a:lnSpc>
+              <a:spcBef>
+                <a:spcPts val="0"/>
+              </a:spcBef>
+              <a:buNone/>
+            </a:pPr>
+            <a:r>
+              <a:rPr lang="en-US" b="0" dirty="0">
+                <a:effectLst/>
+              </a:rPr>
+              <a:t>	ALTER TABLE </a:t>
+            </a:r>
+            <a:r>
+              <a:rPr lang="en-US" b="0" dirty="0" err="1">
+                <a:effectLst/>
+              </a:rPr>
+              <a:t>job_history</a:t>
+            </a:r>
+            <a:r>
+              <a:rPr lang="en-US" b="0" dirty="0">
+                <a:effectLst/>
+              </a:rPr>
+              <a:t> ADD (</a:t>
+            </a:r>
+          </a:p>
+          <a:p>
+            <a:pPr marL="0" indent="0">
+              <a:lnSpc>
+                <a:spcPct val="100000"/>
+              </a:lnSpc>
+              <a:spcBef>
+                <a:spcPts val="0"/>
+              </a:spcBef>
+              <a:buNone/>
+            </a:pPr>
+            <a:r>
+              <a:rPr lang="en-US" dirty="0"/>
+              <a:t>		</a:t>
+            </a:r>
+            <a:r>
+              <a:rPr lang="en-US" b="0" dirty="0" err="1">
+                <a:effectLst/>
+              </a:rPr>
+              <a:t>sal_old</a:t>
+            </a:r>
+            <a:r>
+              <a:rPr lang="en-US" b="0" dirty="0">
+                <a:effectLst/>
+              </a:rPr>
+              <a:t> number(8, 2), </a:t>
+            </a:r>
+            <a:r>
+              <a:rPr lang="en-US" b="0" dirty="0" err="1">
+                <a:effectLst/>
+              </a:rPr>
+              <a:t>new_department_id</a:t>
+            </a:r>
+            <a:r>
+              <a:rPr lang="en-US" b="0" dirty="0">
+                <a:effectLst/>
+              </a:rPr>
+              <a:t> number(4, 0),</a:t>
+            </a:r>
+          </a:p>
+          <a:p>
+            <a:pPr marL="0" indent="0">
+              <a:lnSpc>
+                <a:spcPct val="100000"/>
+              </a:lnSpc>
+              <a:spcBef>
+                <a:spcPts val="0"/>
+              </a:spcBef>
+              <a:buNone/>
+            </a:pPr>
+            <a:r>
+              <a:rPr lang="en-US" b="0" dirty="0">
+                <a:effectLst/>
+              </a:rPr>
+              <a:t>    		</a:t>
+            </a:r>
+            <a:r>
+              <a:rPr lang="en-US" b="0" dirty="0" err="1">
+                <a:effectLst/>
+              </a:rPr>
+              <a:t>new_job_id</a:t>
+            </a:r>
+            <a:r>
+              <a:rPr lang="en-US" b="0" dirty="0">
+                <a:effectLst/>
+              </a:rPr>
+              <a:t> varchar2(10), </a:t>
+            </a:r>
+            <a:r>
+              <a:rPr lang="en-US" b="0" dirty="0" err="1">
+                <a:effectLst/>
+              </a:rPr>
+              <a:t>sal_new</a:t>
+            </a:r>
+            <a:r>
+              <a:rPr lang="en-US" b="0" dirty="0">
+                <a:effectLst/>
+              </a:rPr>
+              <a:t> number(8, 2)</a:t>
+            </a:r>
+          </a:p>
+          <a:p>
+            <a:pPr marL="0" indent="0">
+              <a:lnSpc>
+                <a:spcPct val="100000"/>
+              </a:lnSpc>
+              <a:spcBef>
+                <a:spcPts val="0"/>
+              </a:spcBef>
+              <a:buNone/>
+            </a:pPr>
+            <a:r>
+              <a:rPr lang="en-US" dirty="0"/>
+              <a:t>	</a:t>
+            </a:r>
+            <a:r>
+              <a:rPr lang="en-US" b="0" dirty="0">
+                <a:effectLst/>
+              </a:rPr>
+              <a:t>);</a:t>
+            </a:r>
+            <a:endParaRPr lang="en-US" dirty="0">
+              <a:solidFill>
+                <a:schemeClr val="tx2"/>
+              </a:solidFill>
+            </a:endParaRPr>
+          </a:p>
+          <a:p>
+            <a:pPr marL="0" indent="0">
+              <a:buNone/>
+            </a:pPr>
+            <a:endParaRPr lang="pt-BR" dirty="0">
+              <a:solidFill>
+                <a:schemeClr val="tx2"/>
+              </a:solidFill>
+            </a:endParaRPr>
+          </a:p>
+        </p:txBody>
+      </p:sp>
     </p:spTree>
     <p:extLst>
       <p:ext uri="{BB962C8B-B14F-4D97-AF65-F5344CB8AC3E}">
-        <p14:creationId xmlns:p14="http://schemas.microsoft.com/office/powerpoint/2010/main" val="1711846402"/>
+        <p14:creationId xmlns:p14="http://schemas.microsoft.com/office/powerpoint/2010/main" val="693957710"/>
       </p:ext>
     </p:extLst>
   </p:cSld>
@@ -10996,7 +6998,13 @@
       </p:grpSpPr>
       <p:sp>
         <p:nvSpPr>
-          <p:cNvPr id="2" name="Título 1"/>
+          <p:cNvPr id="2" name="Título 1">
+            <a:extLst>
+              <a:ext uri="{FF2B5EF4-FFF2-40B4-BE49-F238E27FC236}">
+                <a16:creationId xmlns:a16="http://schemas.microsoft.com/office/drawing/2014/main" id="{35E74264-AAF4-4343-A5CF-B33FE8C479F4}"/>
+              </a:ext>
+            </a:extLst>
+          </p:cNvPr>
           <p:cNvSpPr>
             <a:spLocks noGrp="1"/>
           </p:cNvSpPr>
@@ -11006,299 +7014,93 @@
         </p:nvSpPr>
         <p:spPr/>
         <p:txBody>
-          <a:bodyPr rtlCol="0"/>
+          <a:bodyPr/>
           <a:lstStyle/>
           <a:p>
-            <a:pPr rtl="0"/>
             <a:r>
               <a:rPr lang="pt-BR" dirty="0"/>
-              <a:t>Layout de Dois Conteúdos com Tabela</a:t>
-            </a:r>
-            <a:endParaRPr lang="pt-br" dirty="0"/>
-          </a:p>
-        </p:txBody>
-      </p:sp>
-      <p:graphicFrame>
-        <p:nvGraphicFramePr>
-          <p:cNvPr id="4" name="Espaço Reservado para Conteúdo 3"/>
-          <p:cNvGraphicFramePr>
-            <a:graphicFrameLocks noGrp="1"/>
-          </p:cNvGraphicFramePr>
-          <p:nvPr>
-            <p:ph sz="half" idx="1"/>
-            <p:extLst>
-              <p:ext uri="{D42A27DB-BD31-4B8C-83A1-F6EECF244321}">
-                <p14:modId xmlns:p14="http://schemas.microsoft.com/office/powerpoint/2010/main" val="1475416969"/>
-              </p:ext>
-            </p:extLst>
-          </p:nvPr>
-        </p:nvGraphicFramePr>
-        <p:xfrm>
-          <a:off x="1219200" y="1803400"/>
-          <a:ext cx="4773612" cy="2082800"/>
-        </p:xfrm>
-        <a:graphic>
-          <a:graphicData uri="http://schemas.openxmlformats.org/drawingml/2006/table">
-            <a:tbl>
-              <a:tblPr firstRow="1" bandRow="1">
-                <a:tableStyleId>{5C22544A-7EE6-4342-B048-85BDC9FD1C3A}</a:tableStyleId>
-              </a:tblPr>
-              <a:tblGrid>
-                <a:gridCol w="1591204">
-                  <a:extLst>
-                    <a:ext uri="{9D8B030D-6E8A-4147-A177-3AD203B41FA5}">
-                      <a16:colId xmlns:a16="http://schemas.microsoft.com/office/drawing/2014/main" val="20000"/>
-                    </a:ext>
-                  </a:extLst>
-                </a:gridCol>
-                <a:gridCol w="1591204">
-                  <a:extLst>
-                    <a:ext uri="{9D8B030D-6E8A-4147-A177-3AD203B41FA5}">
-                      <a16:colId xmlns:a16="http://schemas.microsoft.com/office/drawing/2014/main" val="20001"/>
-                    </a:ext>
-                  </a:extLst>
-                </a:gridCol>
-                <a:gridCol w="1591204">
-                  <a:extLst>
-                    <a:ext uri="{9D8B030D-6E8A-4147-A177-3AD203B41FA5}">
-                      <a16:colId xmlns:a16="http://schemas.microsoft.com/office/drawing/2014/main" val="20002"/>
-                    </a:ext>
-                  </a:extLst>
-                </a:gridCol>
-              </a:tblGrid>
-              <a:tr h="520700">
-                <a:tc>
-                  <a:txBody>
-                    <a:bodyPr/>
-                    <a:lstStyle/>
-                    <a:p>
-                      <a:pPr rtl="0"/>
-                      <a:r>
-                        <a:rPr lang="pt-br"/>
-                        <a:t>Classe</a:t>
-                      </a:r>
-                    </a:p>
-                  </a:txBody>
-                  <a:tcPr anchor="ctr"/>
-                </a:tc>
-                <a:tc>
-                  <a:txBody>
-                    <a:bodyPr/>
-                    <a:lstStyle/>
-                    <a:p>
-                      <a:pPr algn="ctr" rtl="0"/>
-                      <a:r>
-                        <a:rPr lang="pt-br"/>
-                        <a:t>Grupo A</a:t>
-                      </a:r>
-                    </a:p>
-                  </a:txBody>
-                  <a:tcPr anchor="ctr"/>
-                </a:tc>
-                <a:tc>
-                  <a:txBody>
-                    <a:bodyPr/>
-                    <a:lstStyle/>
-                    <a:p>
-                      <a:pPr algn="ctr" rtl="0"/>
-                      <a:r>
-                        <a:rPr lang="pt-br"/>
-                        <a:t>Grupo B</a:t>
-                      </a:r>
-                    </a:p>
-                  </a:txBody>
-                  <a:tcPr anchor="ctr"/>
-                </a:tc>
-                <a:extLst>
-                  <a:ext uri="{0D108BD9-81ED-4DB2-BD59-A6C34878D82A}">
-                    <a16:rowId xmlns:a16="http://schemas.microsoft.com/office/drawing/2014/main" val="10000"/>
-                  </a:ext>
-                </a:extLst>
-              </a:tr>
-              <a:tr h="520700">
-                <a:tc>
-                  <a:txBody>
-                    <a:bodyPr/>
-                    <a:lstStyle/>
-                    <a:p>
-                      <a:pPr rtl="0"/>
-                      <a:r>
-                        <a:rPr lang="pt-br"/>
-                        <a:t>Classe 1</a:t>
-                      </a:r>
-                    </a:p>
-                  </a:txBody>
-                  <a:tcPr anchor="ctr"/>
-                </a:tc>
-                <a:tc>
-                  <a:txBody>
-                    <a:bodyPr/>
-                    <a:lstStyle/>
-                    <a:p>
-                      <a:pPr algn="ctr" rtl="0"/>
-                      <a:r>
-                        <a:rPr lang="pt-br"/>
-                        <a:t>82</a:t>
-                      </a:r>
-                    </a:p>
-                  </a:txBody>
-                  <a:tcPr anchor="ctr"/>
-                </a:tc>
-                <a:tc>
-                  <a:txBody>
-                    <a:bodyPr/>
-                    <a:lstStyle/>
-                    <a:p>
-                      <a:pPr algn="ctr" rtl="0"/>
-                      <a:r>
-                        <a:rPr lang="pt-br"/>
-                        <a:t>85</a:t>
-                      </a:r>
-                    </a:p>
-                  </a:txBody>
-                  <a:tcPr anchor="ctr"/>
-                </a:tc>
-                <a:extLst>
-                  <a:ext uri="{0D108BD9-81ED-4DB2-BD59-A6C34878D82A}">
-                    <a16:rowId xmlns:a16="http://schemas.microsoft.com/office/drawing/2014/main" val="10001"/>
-                  </a:ext>
-                </a:extLst>
-              </a:tr>
-              <a:tr h="520700">
-                <a:tc>
-                  <a:txBody>
-                    <a:bodyPr/>
-                    <a:lstStyle/>
-                    <a:p>
-                      <a:pPr rtl="0"/>
-                      <a:r>
-                        <a:rPr lang="pt-br"/>
-                        <a:t>Classe 2</a:t>
-                      </a:r>
-                    </a:p>
-                  </a:txBody>
-                  <a:tcPr anchor="ctr"/>
-                </a:tc>
-                <a:tc>
-                  <a:txBody>
-                    <a:bodyPr/>
-                    <a:lstStyle/>
-                    <a:p>
-                      <a:pPr algn="ctr" rtl="0"/>
-                      <a:r>
-                        <a:rPr lang="pt-br"/>
-                        <a:t>76</a:t>
-                      </a:r>
-                    </a:p>
-                  </a:txBody>
-                  <a:tcPr anchor="ctr"/>
-                </a:tc>
-                <a:tc>
-                  <a:txBody>
-                    <a:bodyPr/>
-                    <a:lstStyle/>
-                    <a:p>
-                      <a:pPr algn="ctr" rtl="0"/>
-                      <a:r>
-                        <a:rPr lang="pt-br"/>
-                        <a:t>88</a:t>
-                      </a:r>
-                    </a:p>
-                  </a:txBody>
-                  <a:tcPr anchor="ctr"/>
-                </a:tc>
-                <a:extLst>
-                  <a:ext uri="{0D108BD9-81ED-4DB2-BD59-A6C34878D82A}">
-                    <a16:rowId xmlns:a16="http://schemas.microsoft.com/office/drawing/2014/main" val="10002"/>
-                  </a:ext>
-                </a:extLst>
-              </a:tr>
-              <a:tr h="520700">
-                <a:tc>
-                  <a:txBody>
-                    <a:bodyPr/>
-                    <a:lstStyle/>
-                    <a:p>
-                      <a:pPr rtl="0"/>
-                      <a:r>
-                        <a:rPr lang="pt-br"/>
-                        <a:t>Classe 3</a:t>
-                      </a:r>
-                    </a:p>
-                  </a:txBody>
-                  <a:tcPr anchor="ctr"/>
-                </a:tc>
-                <a:tc>
-                  <a:txBody>
-                    <a:bodyPr/>
-                    <a:lstStyle/>
-                    <a:p>
-                      <a:pPr algn="ctr" rtl="0"/>
-                      <a:r>
-                        <a:rPr lang="pt-br"/>
-                        <a:t>84</a:t>
-                      </a:r>
-                    </a:p>
-                  </a:txBody>
-                  <a:tcPr anchor="ctr"/>
-                </a:tc>
-                <a:tc>
-                  <a:txBody>
-                    <a:bodyPr/>
-                    <a:lstStyle/>
-                    <a:p>
-                      <a:pPr algn="ctr" rtl="0"/>
-                      <a:r>
-                        <a:rPr lang="pt-br"/>
-                        <a:t>90</a:t>
-                      </a:r>
-                    </a:p>
-                  </a:txBody>
-                  <a:tcPr anchor="ctr"/>
-                </a:tc>
-                <a:extLst>
-                  <a:ext uri="{0D108BD9-81ED-4DB2-BD59-A6C34878D82A}">
-                    <a16:rowId xmlns:a16="http://schemas.microsoft.com/office/drawing/2014/main" val="10003"/>
-                  </a:ext>
-                </a:extLst>
-              </a:tr>
-            </a:tbl>
-          </a:graphicData>
-        </a:graphic>
-      </p:graphicFrame>
-      <p:sp>
-        <p:nvSpPr>
-          <p:cNvPr id="11" name="Espaço Reservado para Conteúdo 10"/>
-          <p:cNvSpPr>
-            <a:spLocks noGrp="1"/>
-          </p:cNvSpPr>
-          <p:nvPr>
-            <p:ph sz="half" idx="2"/>
+              <a:t>Segundo Passo – Procedure</a:t>
+            </a:r>
+          </a:p>
+        </p:txBody>
+      </p:sp>
+      <p:sp>
+        <p:nvSpPr>
+          <p:cNvPr id="3" name="Espaço Reservado para Conteúdo 2">
+            <a:extLst>
+              <a:ext uri="{FF2B5EF4-FFF2-40B4-BE49-F238E27FC236}">
+                <a16:creationId xmlns:a16="http://schemas.microsoft.com/office/drawing/2014/main" id="{839A45D3-AE46-4B7B-B698-A144A6BB160A}"/>
+              </a:ext>
+            </a:extLst>
+          </p:cNvPr>
+          <p:cNvSpPr>
+            <a:spLocks noGrp="1"/>
+          </p:cNvSpPr>
+          <p:nvPr>
+            <p:ph idx="1"/>
           </p:nvPr>
         </p:nvSpPr>
         <p:spPr/>
         <p:txBody>
-          <a:bodyPr rtlCol="0"/>
+          <a:bodyPr/>
           <a:lstStyle/>
           <a:p>
-            <a:pPr rtl="0"/>
-            <a:r>
-              <a:rPr lang="pt-br"/>
-              <a:t>Primeiro marcador aqui</a:t>
-            </a:r>
-          </a:p>
-          <a:p>
-            <a:pPr rtl="0"/>
-            <a:r>
-              <a:rPr lang="pt-br"/>
-              <a:t>Segundo marcador aqui</a:t>
-            </a:r>
-          </a:p>
-          <a:p>
-            <a:pPr rtl="0"/>
-            <a:r>
-              <a:rPr lang="pt-br"/>
-              <a:t>Terceiro marcador aqui</a:t>
+            <a:r>
+              <a:rPr lang="pt-BR" dirty="0"/>
+              <a:t>A Procedure </a:t>
+            </a:r>
+            <a:r>
+              <a:rPr lang="pt-BR" i="1" dirty="0" err="1"/>
+              <a:t>add_job_history</a:t>
+            </a:r>
+            <a:r>
+              <a:rPr lang="pt-BR" i="1" dirty="0"/>
+              <a:t> </a:t>
+            </a:r>
+            <a:r>
+              <a:rPr lang="pt-BR" dirty="0"/>
+              <a:t>efetivamente faz a inserção do registro na tabela </a:t>
+            </a:r>
+            <a:r>
+              <a:rPr lang="pt-BR" i="1" dirty="0" err="1"/>
+              <a:t>job_history</a:t>
+            </a:r>
+            <a:endParaRPr lang="pt-BR" i="1" dirty="0"/>
+          </a:p>
+          <a:p>
+            <a:r>
+              <a:rPr lang="pt-BR" dirty="0"/>
+              <a:t>Os campos antigos e novos são os parâmetros, e faz com que, quando ativado, tente adicionar um novo registro com os dados novos</a:t>
+            </a:r>
+          </a:p>
+          <a:p>
+            <a:r>
+              <a:rPr lang="pt-BR" dirty="0"/>
+              <a:t>Como a tabela tem uma </a:t>
+            </a:r>
+            <a:r>
+              <a:rPr lang="pt-BR" dirty="0" err="1"/>
+              <a:t>constraint</a:t>
+            </a:r>
+            <a:r>
+              <a:rPr lang="pt-BR" dirty="0"/>
+              <a:t> em que o </a:t>
+            </a:r>
+            <a:r>
+              <a:rPr lang="pt-BR" dirty="0" err="1"/>
+              <a:t>employee_id</a:t>
+            </a:r>
+            <a:r>
+              <a:rPr lang="pt-BR" dirty="0"/>
+              <a:t> deve ser único, é usada a </a:t>
+            </a:r>
+            <a:r>
+              <a:rPr lang="pt-BR" dirty="0" err="1"/>
+              <a:t>Exception</a:t>
+            </a:r>
+            <a:r>
+              <a:rPr lang="pt-BR" dirty="0"/>
+              <a:t> DUP_VAL_ON_INDEX, e caso já tenha um registro do funcionário, ele atualiza o registro existente</a:t>
             </a:r>
           </a:p>
         </p:txBody>
@@ -11306,7 +7108,7 @@
     </p:spTree>
     <p:extLst>
       <p:ext uri="{BB962C8B-B14F-4D97-AF65-F5344CB8AC3E}">
-        <p14:creationId xmlns:p14="http://schemas.microsoft.com/office/powerpoint/2010/main" val="2908023704"/>
+        <p14:creationId xmlns:p14="http://schemas.microsoft.com/office/powerpoint/2010/main" val="360811523"/>
       </p:ext>
     </p:extLst>
   </p:cSld>
@@ -12099,132 +7901,6 @@
 </file>
 
 <file path=customXml/item1.xml><?xml version="1.0" encoding="utf-8"?>
-<p:properties xmlns:p="http://schemas.microsoft.com/office/2006/metadata/properties" xmlns:xsi="http://www.w3.org/2001/XMLSchema-instance" xmlns:pc="http://schemas.microsoft.com/office/infopath/2007/PartnerControls">
-  <documentManagement>
-    <DirectSourceMarket xmlns="4873beb7-5857-4685-be1f-d57550cc96cc" xsi:nil="true"/>
-    <ApprovalStatus xmlns="4873beb7-5857-4685-be1f-d57550cc96cc">InProgress</ApprovalStatus>
-    <MarketSpecific xmlns="4873beb7-5857-4685-be1f-d57550cc96cc">false</MarketSpecific>
-    <LocComments xmlns="4873beb7-5857-4685-be1f-d57550cc96cc" xsi:nil="true"/>
-    <ThumbnailAssetId xmlns="4873beb7-5857-4685-be1f-d57550cc96cc" xsi:nil="true"/>
-    <PrimaryImageGen xmlns="4873beb7-5857-4685-be1f-d57550cc96cc">false</PrimaryImageGen>
-    <LegacyData xmlns="4873beb7-5857-4685-be1f-d57550cc96cc" xsi:nil="true"/>
-    <LocRecommendedHandoff xmlns="4873beb7-5857-4685-be1f-d57550cc96cc" xsi:nil="true"/>
-    <BusinessGroup xmlns="4873beb7-5857-4685-be1f-d57550cc96cc" xsi:nil="true"/>
-    <BlockPublish xmlns="4873beb7-5857-4685-be1f-d57550cc96cc">false</BlockPublish>
-    <TPFriendlyName xmlns="4873beb7-5857-4685-be1f-d57550cc96cc" xsi:nil="true"/>
-    <NumericId xmlns="4873beb7-5857-4685-be1f-d57550cc96cc" xsi:nil="true"/>
-    <APEditor xmlns="4873beb7-5857-4685-be1f-d57550cc96cc">
-      <UserInfo>
-        <DisplayName/>
-        <AccountId xsi:nil="true"/>
-        <AccountType/>
-      </UserInfo>
-    </APEditor>
-    <SourceTitle xmlns="4873beb7-5857-4685-be1f-d57550cc96cc" xsi:nil="true"/>
-    <OpenTemplate xmlns="4873beb7-5857-4685-be1f-d57550cc96cc">true</OpenTemplate>
-    <UALocComments xmlns="4873beb7-5857-4685-be1f-d57550cc96cc" xsi:nil="true"/>
-    <ParentAssetId xmlns="4873beb7-5857-4685-be1f-d57550cc96cc" xsi:nil="true"/>
-    <IntlLangReviewDate xmlns="4873beb7-5857-4685-be1f-d57550cc96cc" xsi:nil="true"/>
-    <FeatureTagsTaxHTField0 xmlns="4873beb7-5857-4685-be1f-d57550cc96cc">
-      <Terms xmlns="http://schemas.microsoft.com/office/infopath/2007/PartnerControls"/>
-    </FeatureTagsTaxHTField0>
-    <PublishStatusLookup xmlns="4873beb7-5857-4685-be1f-d57550cc96cc">
-      <Value>1360476</Value>
-    </PublishStatusLookup>
-    <Providers xmlns="4873beb7-5857-4685-be1f-d57550cc96cc" xsi:nil="true"/>
-    <MachineTranslated xmlns="4873beb7-5857-4685-be1f-d57550cc96cc">false</MachineTranslated>
-    <OriginalSourceMarket xmlns="4873beb7-5857-4685-be1f-d57550cc96cc" xsi:nil="true"/>
-    <APDescription xmlns="4873beb7-5857-4685-be1f-d57550cc96cc" xsi:nil="true"/>
-    <ClipArtFilename xmlns="4873beb7-5857-4685-be1f-d57550cc96cc" xsi:nil="true"/>
-    <ContentItem xmlns="4873beb7-5857-4685-be1f-d57550cc96cc" xsi:nil="true"/>
-    <TPInstallLocation xmlns="4873beb7-5857-4685-be1f-d57550cc96cc" xsi:nil="true"/>
-    <PublishTargets xmlns="4873beb7-5857-4685-be1f-d57550cc96cc">OfficeOnlineVNext</PublishTargets>
-    <TimesCloned xmlns="4873beb7-5857-4685-be1f-d57550cc96cc" xsi:nil="true"/>
-    <AssetStart xmlns="4873beb7-5857-4685-be1f-d57550cc96cc">2011-12-12T13:37:00+00:00</AssetStart>
-    <Provider xmlns="4873beb7-5857-4685-be1f-d57550cc96cc" xsi:nil="true"/>
-    <AcquiredFrom xmlns="4873beb7-5857-4685-be1f-d57550cc96cc">Internal MS</AcquiredFrom>
-    <FriendlyTitle xmlns="4873beb7-5857-4685-be1f-d57550cc96cc" xsi:nil="true"/>
-    <LastHandOff xmlns="4873beb7-5857-4685-be1f-d57550cc96cc" xsi:nil="true"/>
-    <TPClientViewer xmlns="4873beb7-5857-4685-be1f-d57550cc96cc" xsi:nil="true"/>
-    <UACurrentWords xmlns="4873beb7-5857-4685-be1f-d57550cc96cc" xsi:nil="true"/>
-    <ArtSampleDocs xmlns="4873beb7-5857-4685-be1f-d57550cc96cc" xsi:nil="true"/>
-    <UALocRecommendation xmlns="4873beb7-5857-4685-be1f-d57550cc96cc">Localize</UALocRecommendation>
-    <Manager xmlns="4873beb7-5857-4685-be1f-d57550cc96cc" xsi:nil="true"/>
-    <ShowIn xmlns="4873beb7-5857-4685-be1f-d57550cc96cc">Show everywhere</ShowIn>
-    <UANotes xmlns="4873beb7-5857-4685-be1f-d57550cc96cc" xsi:nil="true"/>
-    <TemplateStatus xmlns="4873beb7-5857-4685-be1f-d57550cc96cc">Complete</TemplateStatus>
-    <InternalTagsTaxHTField0 xmlns="4873beb7-5857-4685-be1f-d57550cc96cc">
-      <Terms xmlns="http://schemas.microsoft.com/office/infopath/2007/PartnerControls"/>
-    </InternalTagsTaxHTField0>
-    <CSXHash xmlns="4873beb7-5857-4685-be1f-d57550cc96cc" xsi:nil="true"/>
-    <Downloads xmlns="4873beb7-5857-4685-be1f-d57550cc96cc">0</Downloads>
-    <VoteCount xmlns="4873beb7-5857-4685-be1f-d57550cc96cc" xsi:nil="true"/>
-    <OOCacheId xmlns="4873beb7-5857-4685-be1f-d57550cc96cc" xsi:nil="true"/>
-    <IsDeleted xmlns="4873beb7-5857-4685-be1f-d57550cc96cc">false</IsDeleted>
-    <AssetExpire xmlns="4873beb7-5857-4685-be1f-d57550cc96cc">2035-01-01T08:00:00+00:00</AssetExpire>
-    <DSATActionTaken xmlns="4873beb7-5857-4685-be1f-d57550cc96cc" xsi:nil="true"/>
-    <CSXSubmissionMarket xmlns="4873beb7-5857-4685-be1f-d57550cc96cc" xsi:nil="true"/>
-    <TPExecutable xmlns="4873beb7-5857-4685-be1f-d57550cc96cc" xsi:nil="true"/>
-    <SubmitterId xmlns="4873beb7-5857-4685-be1f-d57550cc96cc" xsi:nil="true"/>
-    <EditorialTags xmlns="4873beb7-5857-4685-be1f-d57550cc96cc" xsi:nil="true"/>
-    <ApprovalLog xmlns="4873beb7-5857-4685-be1f-d57550cc96cc" xsi:nil="true"/>
-    <AssetType xmlns="4873beb7-5857-4685-be1f-d57550cc96cc">TP</AssetType>
-    <BugNumber xmlns="4873beb7-5857-4685-be1f-d57550cc96cc" xsi:nil="true"/>
-    <CSXSubmissionDate xmlns="4873beb7-5857-4685-be1f-d57550cc96cc" xsi:nil="true"/>
-    <CSXUpdate xmlns="4873beb7-5857-4685-be1f-d57550cc96cc">false</CSXUpdate>
-    <Milestone xmlns="4873beb7-5857-4685-be1f-d57550cc96cc" xsi:nil="true"/>
-    <RecommendationsModifier xmlns="4873beb7-5857-4685-be1f-d57550cc96cc" xsi:nil="true"/>
-    <OriginAsset xmlns="4873beb7-5857-4685-be1f-d57550cc96cc" xsi:nil="true"/>
-    <TPComponent xmlns="4873beb7-5857-4685-be1f-d57550cc96cc" xsi:nil="true"/>
-    <AssetId xmlns="4873beb7-5857-4685-be1f-d57550cc96cc">TP102801058</AssetId>
-    <IntlLocPriority xmlns="4873beb7-5857-4685-be1f-d57550cc96cc" xsi:nil="true"/>
-    <PolicheckWords xmlns="4873beb7-5857-4685-be1f-d57550cc96cc" xsi:nil="true"/>
-    <TPLaunchHelpLink xmlns="4873beb7-5857-4685-be1f-d57550cc96cc" xsi:nil="true"/>
-    <TPApplication xmlns="4873beb7-5857-4685-be1f-d57550cc96cc" xsi:nil="true"/>
-    <CrawlForDependencies xmlns="4873beb7-5857-4685-be1f-d57550cc96cc">false</CrawlForDependencies>
-    <HandoffToMSDN xmlns="4873beb7-5857-4685-be1f-d57550cc96cc" xsi:nil="true"/>
-    <PlannedPubDate xmlns="4873beb7-5857-4685-be1f-d57550cc96cc" xsi:nil="true"/>
-    <IntlLangReviewer xmlns="4873beb7-5857-4685-be1f-d57550cc96cc" xsi:nil="true"/>
-    <TrustLevel xmlns="4873beb7-5857-4685-be1f-d57550cc96cc">1 Microsoft Managed Content</TrustLevel>
-    <LocLastLocAttemptVersionLookup xmlns="4873beb7-5857-4685-be1f-d57550cc96cc">706496</LocLastLocAttemptVersionLookup>
-    <IsSearchable xmlns="4873beb7-5857-4685-be1f-d57550cc96cc">true</IsSearchable>
-    <TemplateTemplateType xmlns="4873beb7-5857-4685-be1f-d57550cc96cc">PowerPoint Presentation Template</TemplateTemplateType>
-    <CampaignTagsTaxHTField0 xmlns="4873beb7-5857-4685-be1f-d57550cc96cc">
-      <Terms xmlns="http://schemas.microsoft.com/office/infopath/2007/PartnerControls"/>
-    </CampaignTagsTaxHTField0>
-    <TPNamespace xmlns="4873beb7-5857-4685-be1f-d57550cc96cc" xsi:nil="true"/>
-    <TaxCatchAll xmlns="4873beb7-5857-4685-be1f-d57550cc96cc"/>
-    <Markets xmlns="4873beb7-5857-4685-be1f-d57550cc96cc"/>
-    <UAProjectedTotalWords xmlns="4873beb7-5857-4685-be1f-d57550cc96cc" xsi:nil="true"/>
-    <IntlLangReview xmlns="4873beb7-5857-4685-be1f-d57550cc96cc">false</IntlLangReview>
-    <OutputCachingOn xmlns="4873beb7-5857-4685-be1f-d57550cc96cc">false</OutputCachingOn>
-    <AverageRating xmlns="4873beb7-5857-4685-be1f-d57550cc96cc" xsi:nil="true"/>
-    <APAuthor xmlns="4873beb7-5857-4685-be1f-d57550cc96cc">
-      <UserInfo>
-        <DisplayName>REDMOND\v-soujap</DisplayName>
-        <AccountId>1954</AccountId>
-        <AccountType/>
-      </UserInfo>
-    </APAuthor>
-    <LocManualTestRequired xmlns="4873beb7-5857-4685-be1f-d57550cc96cc">false</LocManualTestRequired>
-    <TPCommandLine xmlns="4873beb7-5857-4685-be1f-d57550cc96cc" xsi:nil="true"/>
-    <TPAppVersion xmlns="4873beb7-5857-4685-be1f-d57550cc96cc" xsi:nil="true"/>
-    <EditorialStatus xmlns="4873beb7-5857-4685-be1f-d57550cc96cc">Complete</EditorialStatus>
-    <LastModifiedDateTime xmlns="4873beb7-5857-4685-be1f-d57550cc96cc" xsi:nil="true"/>
-    <ScenarioTagsTaxHTField0 xmlns="4873beb7-5857-4685-be1f-d57550cc96cc">
-      <Terms xmlns="http://schemas.microsoft.com/office/infopath/2007/PartnerControls"/>
-    </ScenarioTagsTaxHTField0>
-    <OriginalRelease xmlns="4873beb7-5857-4685-be1f-d57550cc96cc">14</OriginalRelease>
-    <TPLaunchHelpLinkType xmlns="4873beb7-5857-4685-be1f-d57550cc96cc">Template</TPLaunchHelpLinkType>
-    <LocalizationTagsTaxHTField0 xmlns="4873beb7-5857-4685-be1f-d57550cc96cc">
-      <Terms xmlns="http://schemas.microsoft.com/office/infopath/2007/PartnerControls"/>
-    </LocalizationTagsTaxHTField0>
-    <LocMarketGroupTiers2 xmlns="4873beb7-5857-4685-be1f-d57550cc96cc" xsi:nil="true"/>
-  </documentManagement>
-</p:properties>
-</file>
-
-<file path=customXml/item2.xml><?xml version="1.0" encoding="utf-8"?>
 <ct:contentTypeSchema xmlns:ct="http://schemas.microsoft.com/office/2006/metadata/contentType" xmlns:ma="http://schemas.microsoft.com/office/2006/metadata/properties/metaAttributes" ct:_="" ma:_="" ma:contentTypeName="TemplateFile" ma:contentTypeID="0x0101006EDDDB5EE6D98C44930B742096920B300400F5B6D36B3EF94B4E9A635CDF2A18F5B8" ma:contentTypeVersion="72" ma:contentTypeDescription="Create a new document." ma:contentTypeScope="" ma:versionID="a23e56308344d904b51738559c3d67c9">
   <xsd:schema xmlns:xsd="http://www.w3.org/2001/XMLSchema" xmlns:xs="http://www.w3.org/2001/XMLSchema" xmlns:p="http://schemas.microsoft.com/office/2006/metadata/properties" xmlns:ns2="4873beb7-5857-4685-be1f-d57550cc96cc" targetNamespace="http://schemas.microsoft.com/office/2006/metadata/properties" ma:root="true" ma:fieldsID="cd0908cc4600e77bf5da051303e00c8d" ns2:_="">
     <xsd:import namespace="4873beb7-5857-4685-be1f-d57550cc96cc"/>
@@ -13264,6 +8940,132 @@
 </ct:contentTypeSchema>
 </file>
 
+<file path=customXml/item2.xml><?xml version="1.0" encoding="utf-8"?>
+<p:properties xmlns:p="http://schemas.microsoft.com/office/2006/metadata/properties" xmlns:xsi="http://www.w3.org/2001/XMLSchema-instance" xmlns:pc="http://schemas.microsoft.com/office/infopath/2007/PartnerControls">
+  <documentManagement>
+    <DirectSourceMarket xmlns="4873beb7-5857-4685-be1f-d57550cc96cc" xsi:nil="true"/>
+    <ApprovalStatus xmlns="4873beb7-5857-4685-be1f-d57550cc96cc">InProgress</ApprovalStatus>
+    <MarketSpecific xmlns="4873beb7-5857-4685-be1f-d57550cc96cc">false</MarketSpecific>
+    <LocComments xmlns="4873beb7-5857-4685-be1f-d57550cc96cc" xsi:nil="true"/>
+    <ThumbnailAssetId xmlns="4873beb7-5857-4685-be1f-d57550cc96cc" xsi:nil="true"/>
+    <PrimaryImageGen xmlns="4873beb7-5857-4685-be1f-d57550cc96cc">false</PrimaryImageGen>
+    <LegacyData xmlns="4873beb7-5857-4685-be1f-d57550cc96cc" xsi:nil="true"/>
+    <LocRecommendedHandoff xmlns="4873beb7-5857-4685-be1f-d57550cc96cc" xsi:nil="true"/>
+    <BusinessGroup xmlns="4873beb7-5857-4685-be1f-d57550cc96cc" xsi:nil="true"/>
+    <BlockPublish xmlns="4873beb7-5857-4685-be1f-d57550cc96cc">false</BlockPublish>
+    <TPFriendlyName xmlns="4873beb7-5857-4685-be1f-d57550cc96cc" xsi:nil="true"/>
+    <NumericId xmlns="4873beb7-5857-4685-be1f-d57550cc96cc" xsi:nil="true"/>
+    <APEditor xmlns="4873beb7-5857-4685-be1f-d57550cc96cc">
+      <UserInfo>
+        <DisplayName/>
+        <AccountId xsi:nil="true"/>
+        <AccountType/>
+      </UserInfo>
+    </APEditor>
+    <SourceTitle xmlns="4873beb7-5857-4685-be1f-d57550cc96cc" xsi:nil="true"/>
+    <OpenTemplate xmlns="4873beb7-5857-4685-be1f-d57550cc96cc">true</OpenTemplate>
+    <UALocComments xmlns="4873beb7-5857-4685-be1f-d57550cc96cc" xsi:nil="true"/>
+    <ParentAssetId xmlns="4873beb7-5857-4685-be1f-d57550cc96cc" xsi:nil="true"/>
+    <IntlLangReviewDate xmlns="4873beb7-5857-4685-be1f-d57550cc96cc" xsi:nil="true"/>
+    <FeatureTagsTaxHTField0 xmlns="4873beb7-5857-4685-be1f-d57550cc96cc">
+      <Terms xmlns="http://schemas.microsoft.com/office/infopath/2007/PartnerControls"/>
+    </FeatureTagsTaxHTField0>
+    <PublishStatusLookup xmlns="4873beb7-5857-4685-be1f-d57550cc96cc">
+      <Value>1360476</Value>
+    </PublishStatusLookup>
+    <Providers xmlns="4873beb7-5857-4685-be1f-d57550cc96cc" xsi:nil="true"/>
+    <MachineTranslated xmlns="4873beb7-5857-4685-be1f-d57550cc96cc">false</MachineTranslated>
+    <OriginalSourceMarket xmlns="4873beb7-5857-4685-be1f-d57550cc96cc" xsi:nil="true"/>
+    <APDescription xmlns="4873beb7-5857-4685-be1f-d57550cc96cc" xsi:nil="true"/>
+    <ClipArtFilename xmlns="4873beb7-5857-4685-be1f-d57550cc96cc" xsi:nil="true"/>
+    <ContentItem xmlns="4873beb7-5857-4685-be1f-d57550cc96cc" xsi:nil="true"/>
+    <TPInstallLocation xmlns="4873beb7-5857-4685-be1f-d57550cc96cc" xsi:nil="true"/>
+    <PublishTargets xmlns="4873beb7-5857-4685-be1f-d57550cc96cc">OfficeOnlineVNext</PublishTargets>
+    <TimesCloned xmlns="4873beb7-5857-4685-be1f-d57550cc96cc" xsi:nil="true"/>
+    <AssetStart xmlns="4873beb7-5857-4685-be1f-d57550cc96cc">2011-12-12T13:37:00+00:00</AssetStart>
+    <Provider xmlns="4873beb7-5857-4685-be1f-d57550cc96cc" xsi:nil="true"/>
+    <AcquiredFrom xmlns="4873beb7-5857-4685-be1f-d57550cc96cc">Internal MS</AcquiredFrom>
+    <FriendlyTitle xmlns="4873beb7-5857-4685-be1f-d57550cc96cc" xsi:nil="true"/>
+    <LastHandOff xmlns="4873beb7-5857-4685-be1f-d57550cc96cc" xsi:nil="true"/>
+    <TPClientViewer xmlns="4873beb7-5857-4685-be1f-d57550cc96cc" xsi:nil="true"/>
+    <UACurrentWords xmlns="4873beb7-5857-4685-be1f-d57550cc96cc" xsi:nil="true"/>
+    <ArtSampleDocs xmlns="4873beb7-5857-4685-be1f-d57550cc96cc" xsi:nil="true"/>
+    <UALocRecommendation xmlns="4873beb7-5857-4685-be1f-d57550cc96cc">Localize</UALocRecommendation>
+    <Manager xmlns="4873beb7-5857-4685-be1f-d57550cc96cc" xsi:nil="true"/>
+    <ShowIn xmlns="4873beb7-5857-4685-be1f-d57550cc96cc">Show everywhere</ShowIn>
+    <UANotes xmlns="4873beb7-5857-4685-be1f-d57550cc96cc" xsi:nil="true"/>
+    <TemplateStatus xmlns="4873beb7-5857-4685-be1f-d57550cc96cc">Complete</TemplateStatus>
+    <InternalTagsTaxHTField0 xmlns="4873beb7-5857-4685-be1f-d57550cc96cc">
+      <Terms xmlns="http://schemas.microsoft.com/office/infopath/2007/PartnerControls"/>
+    </InternalTagsTaxHTField0>
+    <CSXHash xmlns="4873beb7-5857-4685-be1f-d57550cc96cc" xsi:nil="true"/>
+    <Downloads xmlns="4873beb7-5857-4685-be1f-d57550cc96cc">0</Downloads>
+    <VoteCount xmlns="4873beb7-5857-4685-be1f-d57550cc96cc" xsi:nil="true"/>
+    <OOCacheId xmlns="4873beb7-5857-4685-be1f-d57550cc96cc" xsi:nil="true"/>
+    <IsDeleted xmlns="4873beb7-5857-4685-be1f-d57550cc96cc">false</IsDeleted>
+    <AssetExpire xmlns="4873beb7-5857-4685-be1f-d57550cc96cc">2035-01-01T08:00:00+00:00</AssetExpire>
+    <DSATActionTaken xmlns="4873beb7-5857-4685-be1f-d57550cc96cc" xsi:nil="true"/>
+    <CSXSubmissionMarket xmlns="4873beb7-5857-4685-be1f-d57550cc96cc" xsi:nil="true"/>
+    <TPExecutable xmlns="4873beb7-5857-4685-be1f-d57550cc96cc" xsi:nil="true"/>
+    <SubmitterId xmlns="4873beb7-5857-4685-be1f-d57550cc96cc" xsi:nil="true"/>
+    <EditorialTags xmlns="4873beb7-5857-4685-be1f-d57550cc96cc" xsi:nil="true"/>
+    <ApprovalLog xmlns="4873beb7-5857-4685-be1f-d57550cc96cc" xsi:nil="true"/>
+    <AssetType xmlns="4873beb7-5857-4685-be1f-d57550cc96cc">TP</AssetType>
+    <BugNumber xmlns="4873beb7-5857-4685-be1f-d57550cc96cc" xsi:nil="true"/>
+    <CSXSubmissionDate xmlns="4873beb7-5857-4685-be1f-d57550cc96cc" xsi:nil="true"/>
+    <CSXUpdate xmlns="4873beb7-5857-4685-be1f-d57550cc96cc">false</CSXUpdate>
+    <Milestone xmlns="4873beb7-5857-4685-be1f-d57550cc96cc" xsi:nil="true"/>
+    <RecommendationsModifier xmlns="4873beb7-5857-4685-be1f-d57550cc96cc" xsi:nil="true"/>
+    <OriginAsset xmlns="4873beb7-5857-4685-be1f-d57550cc96cc" xsi:nil="true"/>
+    <TPComponent xmlns="4873beb7-5857-4685-be1f-d57550cc96cc" xsi:nil="true"/>
+    <AssetId xmlns="4873beb7-5857-4685-be1f-d57550cc96cc">TP102801058</AssetId>
+    <IntlLocPriority xmlns="4873beb7-5857-4685-be1f-d57550cc96cc" xsi:nil="true"/>
+    <PolicheckWords xmlns="4873beb7-5857-4685-be1f-d57550cc96cc" xsi:nil="true"/>
+    <TPLaunchHelpLink xmlns="4873beb7-5857-4685-be1f-d57550cc96cc" xsi:nil="true"/>
+    <TPApplication xmlns="4873beb7-5857-4685-be1f-d57550cc96cc" xsi:nil="true"/>
+    <CrawlForDependencies xmlns="4873beb7-5857-4685-be1f-d57550cc96cc">false</CrawlForDependencies>
+    <HandoffToMSDN xmlns="4873beb7-5857-4685-be1f-d57550cc96cc" xsi:nil="true"/>
+    <PlannedPubDate xmlns="4873beb7-5857-4685-be1f-d57550cc96cc" xsi:nil="true"/>
+    <IntlLangReviewer xmlns="4873beb7-5857-4685-be1f-d57550cc96cc" xsi:nil="true"/>
+    <TrustLevel xmlns="4873beb7-5857-4685-be1f-d57550cc96cc">1 Microsoft Managed Content</TrustLevel>
+    <LocLastLocAttemptVersionLookup xmlns="4873beb7-5857-4685-be1f-d57550cc96cc">706496</LocLastLocAttemptVersionLookup>
+    <IsSearchable xmlns="4873beb7-5857-4685-be1f-d57550cc96cc">true</IsSearchable>
+    <TemplateTemplateType xmlns="4873beb7-5857-4685-be1f-d57550cc96cc">PowerPoint Presentation Template</TemplateTemplateType>
+    <CampaignTagsTaxHTField0 xmlns="4873beb7-5857-4685-be1f-d57550cc96cc">
+      <Terms xmlns="http://schemas.microsoft.com/office/infopath/2007/PartnerControls"/>
+    </CampaignTagsTaxHTField0>
+    <TPNamespace xmlns="4873beb7-5857-4685-be1f-d57550cc96cc" xsi:nil="true"/>
+    <TaxCatchAll xmlns="4873beb7-5857-4685-be1f-d57550cc96cc"/>
+    <Markets xmlns="4873beb7-5857-4685-be1f-d57550cc96cc"/>
+    <UAProjectedTotalWords xmlns="4873beb7-5857-4685-be1f-d57550cc96cc" xsi:nil="true"/>
+    <IntlLangReview xmlns="4873beb7-5857-4685-be1f-d57550cc96cc">false</IntlLangReview>
+    <OutputCachingOn xmlns="4873beb7-5857-4685-be1f-d57550cc96cc">false</OutputCachingOn>
+    <AverageRating xmlns="4873beb7-5857-4685-be1f-d57550cc96cc" xsi:nil="true"/>
+    <APAuthor xmlns="4873beb7-5857-4685-be1f-d57550cc96cc">
+      <UserInfo>
+        <DisplayName>REDMOND\v-soujap</DisplayName>
+        <AccountId>1954</AccountId>
+        <AccountType/>
+      </UserInfo>
+    </APAuthor>
+    <LocManualTestRequired xmlns="4873beb7-5857-4685-be1f-d57550cc96cc">false</LocManualTestRequired>
+    <TPCommandLine xmlns="4873beb7-5857-4685-be1f-d57550cc96cc" xsi:nil="true"/>
+    <TPAppVersion xmlns="4873beb7-5857-4685-be1f-d57550cc96cc" xsi:nil="true"/>
+    <EditorialStatus xmlns="4873beb7-5857-4685-be1f-d57550cc96cc">Complete</EditorialStatus>
+    <LastModifiedDateTime xmlns="4873beb7-5857-4685-be1f-d57550cc96cc" xsi:nil="true"/>
+    <ScenarioTagsTaxHTField0 xmlns="4873beb7-5857-4685-be1f-d57550cc96cc">
+      <Terms xmlns="http://schemas.microsoft.com/office/infopath/2007/PartnerControls"/>
+    </ScenarioTagsTaxHTField0>
+    <OriginalRelease xmlns="4873beb7-5857-4685-be1f-d57550cc96cc">14</OriginalRelease>
+    <TPLaunchHelpLinkType xmlns="4873beb7-5857-4685-be1f-d57550cc96cc">Template</TPLaunchHelpLinkType>
+    <LocalizationTagsTaxHTField0 xmlns="4873beb7-5857-4685-be1f-d57550cc96cc">
+      <Terms xmlns="http://schemas.microsoft.com/office/infopath/2007/PartnerControls"/>
+    </LocalizationTagsTaxHTField0>
+    <LocMarketGroupTiers2 xmlns="4873beb7-5857-4685-be1f-d57550cc96cc" xsi:nil="true"/>
+  </documentManagement>
+</p:properties>
+</file>
+
 <file path=customXml/item3.xml><?xml version="1.0" encoding="utf-8"?>
 <?mso-contentType ?>
 <FormTemplates xmlns="http://schemas.microsoft.com/sharepoint/v3/contenttype/forms">
@@ -13274,22 +9076,6 @@
 </file>
 
 <file path=customXml/itemProps1.xml><?xml version="1.0" encoding="utf-8"?>
-<ds:datastoreItem xmlns:ds="http://schemas.openxmlformats.org/officeDocument/2006/customXml" ds:itemID="{4ED80E12-3BE9-4746-820E-FFB249F467F2}">
-  <ds:schemaRefs>
-    <ds:schemaRef ds:uri="http://schemas.microsoft.com/office/2006/documentManagement/types"/>
-    <ds:schemaRef ds:uri="http://purl.org/dc/elements/1.1/"/>
-    <ds:schemaRef ds:uri="http://schemas.microsoft.com/office/2006/metadata/properties"/>
-    <ds:schemaRef ds:uri="4873beb7-5857-4685-be1f-d57550cc96cc"/>
-    <ds:schemaRef ds:uri="http://schemas.openxmlformats.org/package/2006/metadata/core-properties"/>
-    <ds:schemaRef ds:uri="http://purl.org/dc/terms/"/>
-    <ds:schemaRef ds:uri="http://schemas.microsoft.com/office/infopath/2007/PartnerControls"/>
-    <ds:schemaRef ds:uri="http://www.w3.org/XML/1998/namespace"/>
-    <ds:schemaRef ds:uri="http://purl.org/dc/dcmitype/"/>
-  </ds:schemaRefs>
-</ds:datastoreItem>
-</file>
-
-<file path=customXml/itemProps2.xml><?xml version="1.0" encoding="utf-8"?>
 <ds:datastoreItem xmlns:ds="http://schemas.openxmlformats.org/officeDocument/2006/customXml" ds:itemID="{83ED4759-CFDD-43F0-817C-11D9197192BA}">
   <ds:schemaRefs>
     <ds:schemaRef ds:uri="http://schemas.microsoft.com/office/2006/metadata/contentType"/>
@@ -13307,6 +9093,22 @@
 </ds:datastoreItem>
 </file>
 
+<file path=customXml/itemProps2.xml><?xml version="1.0" encoding="utf-8"?>
+<ds:datastoreItem xmlns:ds="http://schemas.openxmlformats.org/officeDocument/2006/customXml" ds:itemID="{4ED80E12-3BE9-4746-820E-FFB249F467F2}">
+  <ds:schemaRefs>
+    <ds:schemaRef ds:uri="http://schemas.openxmlformats.org/package/2006/metadata/core-properties"/>
+    <ds:schemaRef ds:uri="http://purl.org/dc/elements/1.1/"/>
+    <ds:schemaRef ds:uri="http://purl.org/dc/terms/"/>
+    <ds:schemaRef ds:uri="http://schemas.microsoft.com/office/2006/metadata/properties"/>
+    <ds:schemaRef ds:uri="http://purl.org/dc/dcmitype/"/>
+    <ds:schemaRef ds:uri="http://schemas.microsoft.com/office/2006/documentManagement/types"/>
+    <ds:schemaRef ds:uri="http://schemas.microsoft.com/office/infopath/2007/PartnerControls"/>
+    <ds:schemaRef ds:uri="4873beb7-5857-4685-be1f-d57550cc96cc"/>
+    <ds:schemaRef ds:uri="http://www.w3.org/XML/1998/namespace"/>
+  </ds:schemaRefs>
+</ds:datastoreItem>
+</file>
+
 <file path=customXml/itemProps3.xml><?xml version="1.0" encoding="utf-8"?>
 <ds:datastoreItem xmlns:ds="http://schemas.openxmlformats.org/officeDocument/2006/customXml" ds:itemID="{8D003AC8-209A-4321-A17C-1B7A20643390}">
   <ds:schemaRefs>

--- a/SlideApresentacao/TRIGGERS.pptx
+++ b/SlideApresentacao/TRIGGERS.pptx
@@ -5,10 +5,10 @@
     <p:sldMasterId id="2147483756" r:id="rId4"/>
   </p:sldMasterIdLst>
   <p:notesMasterIdLst>
-    <p:notesMasterId r:id="rId16"/>
+    <p:notesMasterId r:id="rId18"/>
   </p:notesMasterIdLst>
   <p:handoutMasterIdLst>
-    <p:handoutMasterId r:id="rId17"/>
+    <p:handoutMasterId r:id="rId19"/>
   </p:handoutMasterIdLst>
   <p:sldIdLst>
     <p:sldId id="267" r:id="rId5"/>
@@ -20,8 +20,10 @@
     <p:sldId id="288" r:id="rId11"/>
     <p:sldId id="289" r:id="rId12"/>
     <p:sldId id="290" r:id="rId13"/>
-    <p:sldId id="291" r:id="rId14"/>
-    <p:sldId id="283" r:id="rId15"/>
+    <p:sldId id="294" r:id="rId14"/>
+    <p:sldId id="291" r:id="rId15"/>
+    <p:sldId id="295" r:id="rId16"/>
+    <p:sldId id="283" r:id="rId17"/>
   </p:sldIdLst>
   <p:sldSz cx="12188825" cy="6858000"/>
   <p:notesSz cx="6858000" cy="9144000"/>
@@ -4911,6 +4913,895 @@
       </p:grpSpPr>
       <p:sp>
         <p:nvSpPr>
+          <p:cNvPr id="3" name="Espaço Reservado para Conteúdo 2">
+            <a:extLst>
+              <a:ext uri="{FF2B5EF4-FFF2-40B4-BE49-F238E27FC236}">
+                <a16:creationId xmlns:a16="http://schemas.microsoft.com/office/drawing/2014/main" id="{E66C749A-CDFC-42F9-92BE-7B8606F16302}"/>
+              </a:ext>
+            </a:extLst>
+          </p:cNvPr>
+          <p:cNvSpPr>
+            <a:spLocks noGrp="1"/>
+          </p:cNvSpPr>
+          <p:nvPr>
+            <p:ph idx="1"/>
+          </p:nvPr>
+        </p:nvSpPr>
+        <p:spPr>
+          <a:xfrm>
+            <a:off x="1218883" y="404664"/>
+            <a:ext cx="9751060" cy="5305896"/>
+          </a:xfrm>
+        </p:spPr>
+        <p:txBody>
+          <a:bodyPr>
+            <a:noAutofit/>
+          </a:bodyPr>
+          <a:lstStyle/>
+          <a:p>
+            <a:pPr marL="0" indent="0">
+              <a:lnSpc>
+                <a:spcPct val="120000"/>
+              </a:lnSpc>
+              <a:spcBef>
+                <a:spcPts val="0"/>
+              </a:spcBef>
+              <a:buNone/>
+            </a:pPr>
+            <a:r>
+              <a:rPr lang="en-US" sz="1200" dirty="0"/>
+              <a:t>CREATE OR REPLACE PROCEDURE </a:t>
+            </a:r>
+            <a:r>
+              <a:rPr lang="en-US" sz="1200" dirty="0" err="1"/>
+              <a:t>add_job_history</a:t>
+            </a:r>
+            <a:endParaRPr lang="en-US" sz="1200" dirty="0"/>
+          </a:p>
+          <a:p>
+            <a:pPr marL="0" indent="0">
+              <a:lnSpc>
+                <a:spcPct val="120000"/>
+              </a:lnSpc>
+              <a:spcBef>
+                <a:spcPts val="0"/>
+              </a:spcBef>
+              <a:buNone/>
+            </a:pPr>
+            <a:r>
+              <a:rPr lang="en-US" sz="1200" dirty="0"/>
+              <a:t>  (  </a:t>
+            </a:r>
+            <a:r>
+              <a:rPr lang="en-US" sz="1200" dirty="0" err="1"/>
+              <a:t>p_emp_id</a:t>
+            </a:r>
+            <a:r>
+              <a:rPr lang="en-US" sz="1200" dirty="0"/>
+              <a:t>          </a:t>
+            </a:r>
+            <a:r>
+              <a:rPr lang="en-US" sz="1200" dirty="0" err="1"/>
+              <a:t>job_history.employee_id%type</a:t>
+            </a:r>
+            <a:endParaRPr lang="en-US" sz="1200" dirty="0"/>
+          </a:p>
+          <a:p>
+            <a:pPr marL="0" indent="0">
+              <a:lnSpc>
+                <a:spcPct val="120000"/>
+              </a:lnSpc>
+              <a:spcBef>
+                <a:spcPts val="0"/>
+              </a:spcBef>
+              <a:buNone/>
+            </a:pPr>
+            <a:r>
+              <a:rPr lang="en-US" sz="1200" dirty="0"/>
+              <a:t>   , </a:t>
+            </a:r>
+            <a:r>
+              <a:rPr lang="en-US" sz="1200" dirty="0" err="1"/>
+              <a:t>p_start_date</a:t>
+            </a:r>
+            <a:r>
+              <a:rPr lang="en-US" sz="1200" dirty="0"/>
+              <a:t>      </a:t>
+            </a:r>
+            <a:r>
+              <a:rPr lang="en-US" sz="1200" dirty="0" err="1"/>
+              <a:t>job_history.start_date%type</a:t>
+            </a:r>
+            <a:endParaRPr lang="en-US" sz="1200" dirty="0"/>
+          </a:p>
+          <a:p>
+            <a:pPr marL="0" indent="0">
+              <a:lnSpc>
+                <a:spcPct val="120000"/>
+              </a:lnSpc>
+              <a:spcBef>
+                <a:spcPts val="0"/>
+              </a:spcBef>
+              <a:buNone/>
+            </a:pPr>
+            <a:r>
+              <a:rPr lang="en-US" sz="1200" dirty="0"/>
+              <a:t>   , </a:t>
+            </a:r>
+            <a:r>
+              <a:rPr lang="en-US" sz="1200" dirty="0" err="1"/>
+              <a:t>p_end_date</a:t>
+            </a:r>
+            <a:r>
+              <a:rPr lang="en-US" sz="1200" dirty="0"/>
+              <a:t>        </a:t>
+            </a:r>
+            <a:r>
+              <a:rPr lang="en-US" sz="1200" dirty="0" err="1"/>
+              <a:t>job_history.end_date%type</a:t>
+            </a:r>
+            <a:endParaRPr lang="en-US" sz="1200" dirty="0"/>
+          </a:p>
+          <a:p>
+            <a:pPr marL="0" indent="0">
+              <a:lnSpc>
+                <a:spcPct val="120000"/>
+              </a:lnSpc>
+              <a:spcBef>
+                <a:spcPts val="0"/>
+              </a:spcBef>
+              <a:buNone/>
+            </a:pPr>
+            <a:r>
+              <a:rPr lang="en-US" sz="1200" dirty="0"/>
+              <a:t>   , </a:t>
+            </a:r>
+            <a:r>
+              <a:rPr lang="en-US" sz="1200" dirty="0" err="1"/>
+              <a:t>p_job_id</a:t>
+            </a:r>
+            <a:r>
+              <a:rPr lang="en-US" sz="1200" dirty="0"/>
+              <a:t>          </a:t>
+            </a:r>
+            <a:r>
+              <a:rPr lang="en-US" sz="1200" dirty="0" err="1"/>
+              <a:t>job_history.job_id%type</a:t>
+            </a:r>
+            <a:endParaRPr lang="en-US" sz="1200" dirty="0"/>
+          </a:p>
+          <a:p>
+            <a:pPr marL="0" indent="0">
+              <a:lnSpc>
+                <a:spcPct val="120000"/>
+              </a:lnSpc>
+              <a:spcBef>
+                <a:spcPts val="0"/>
+              </a:spcBef>
+              <a:buNone/>
+            </a:pPr>
+            <a:r>
+              <a:rPr lang="en-US" sz="1200" dirty="0"/>
+              <a:t>   , </a:t>
+            </a:r>
+            <a:r>
+              <a:rPr lang="en-US" sz="1200" dirty="0" err="1"/>
+              <a:t>p_new_job_id</a:t>
+            </a:r>
+            <a:r>
+              <a:rPr lang="en-US" sz="1200" dirty="0"/>
+              <a:t>       </a:t>
+            </a:r>
+            <a:r>
+              <a:rPr lang="en-US" sz="1200" dirty="0" err="1"/>
+              <a:t>job_history.new_job_id%type</a:t>
+            </a:r>
+            <a:endParaRPr lang="en-US" sz="1200" dirty="0"/>
+          </a:p>
+          <a:p>
+            <a:pPr marL="0" indent="0">
+              <a:lnSpc>
+                <a:spcPct val="120000"/>
+              </a:lnSpc>
+              <a:spcBef>
+                <a:spcPts val="0"/>
+              </a:spcBef>
+              <a:buNone/>
+            </a:pPr>
+            <a:r>
+              <a:rPr lang="en-US" sz="1200" dirty="0"/>
+              <a:t>   , </a:t>
+            </a:r>
+            <a:r>
+              <a:rPr lang="en-US" sz="1200" dirty="0" err="1"/>
+              <a:t>p_department_id</a:t>
+            </a:r>
+            <a:r>
+              <a:rPr lang="en-US" sz="1200" dirty="0"/>
+              <a:t>   </a:t>
+            </a:r>
+            <a:r>
+              <a:rPr lang="en-US" sz="1200" dirty="0" err="1"/>
+              <a:t>job_history.department_id%type</a:t>
+            </a:r>
+            <a:endParaRPr lang="en-US" sz="1200" dirty="0"/>
+          </a:p>
+          <a:p>
+            <a:pPr marL="0" indent="0">
+              <a:lnSpc>
+                <a:spcPct val="120000"/>
+              </a:lnSpc>
+              <a:spcBef>
+                <a:spcPts val="0"/>
+              </a:spcBef>
+              <a:buNone/>
+            </a:pPr>
+            <a:r>
+              <a:rPr lang="en-US" sz="1200" dirty="0"/>
+              <a:t>   , </a:t>
+            </a:r>
+            <a:r>
+              <a:rPr lang="en-US" sz="1200" dirty="0" err="1"/>
+              <a:t>p_new_department_id</a:t>
+            </a:r>
+            <a:r>
+              <a:rPr lang="en-US" sz="1200" dirty="0"/>
+              <a:t> </a:t>
+            </a:r>
+            <a:r>
+              <a:rPr lang="en-US" sz="1200" dirty="0" err="1"/>
+              <a:t>job_history.new_department_id%type</a:t>
+            </a:r>
+            <a:endParaRPr lang="en-US" sz="1200" dirty="0"/>
+          </a:p>
+          <a:p>
+            <a:pPr marL="0" indent="0">
+              <a:lnSpc>
+                <a:spcPct val="120000"/>
+              </a:lnSpc>
+              <a:spcBef>
+                <a:spcPts val="0"/>
+              </a:spcBef>
+              <a:buNone/>
+            </a:pPr>
+            <a:r>
+              <a:rPr lang="en-US" sz="1200" dirty="0"/>
+              <a:t>   , </a:t>
+            </a:r>
+            <a:r>
+              <a:rPr lang="en-US" sz="1200" dirty="0" err="1"/>
+              <a:t>p_new_salary</a:t>
+            </a:r>
+            <a:r>
+              <a:rPr lang="en-US" sz="1200" dirty="0"/>
+              <a:t> </a:t>
+            </a:r>
+            <a:r>
+              <a:rPr lang="en-US" sz="1200" dirty="0" err="1"/>
+              <a:t>job_history.sal_new%type</a:t>
+            </a:r>
+            <a:endParaRPr lang="en-US" sz="1200" dirty="0"/>
+          </a:p>
+          <a:p>
+            <a:pPr marL="0" indent="0">
+              <a:lnSpc>
+                <a:spcPct val="120000"/>
+              </a:lnSpc>
+              <a:spcBef>
+                <a:spcPts val="0"/>
+              </a:spcBef>
+              <a:buNone/>
+            </a:pPr>
+            <a:r>
+              <a:rPr lang="en-US" sz="1200" dirty="0"/>
+              <a:t>   , </a:t>
+            </a:r>
+            <a:r>
+              <a:rPr lang="en-US" sz="1200" dirty="0" err="1"/>
+              <a:t>p_old_salary</a:t>
+            </a:r>
+            <a:r>
+              <a:rPr lang="en-US" sz="1200" dirty="0"/>
+              <a:t> </a:t>
+            </a:r>
+            <a:r>
+              <a:rPr lang="en-US" sz="1200" dirty="0" err="1"/>
+              <a:t>job_history.sal_old%type</a:t>
+            </a:r>
+            <a:endParaRPr lang="en-US" sz="1200" dirty="0"/>
+          </a:p>
+          <a:p>
+            <a:pPr marL="0" indent="0">
+              <a:lnSpc>
+                <a:spcPct val="120000"/>
+              </a:lnSpc>
+              <a:spcBef>
+                <a:spcPts val="0"/>
+              </a:spcBef>
+              <a:buNone/>
+            </a:pPr>
+            <a:r>
+              <a:rPr lang="en-US" sz="1200" dirty="0"/>
+              <a:t>   )</a:t>
+            </a:r>
+          </a:p>
+          <a:p>
+            <a:pPr marL="0" indent="0">
+              <a:lnSpc>
+                <a:spcPct val="120000"/>
+              </a:lnSpc>
+              <a:spcBef>
+                <a:spcPts val="0"/>
+              </a:spcBef>
+              <a:buNone/>
+            </a:pPr>
+            <a:r>
+              <a:rPr lang="en-US" sz="1200" dirty="0"/>
+              <a:t>IS</a:t>
+            </a:r>
+          </a:p>
+          <a:p>
+            <a:pPr marL="0" indent="0">
+              <a:lnSpc>
+                <a:spcPct val="120000"/>
+              </a:lnSpc>
+              <a:spcBef>
+                <a:spcPts val="0"/>
+              </a:spcBef>
+              <a:buNone/>
+            </a:pPr>
+            <a:r>
+              <a:rPr lang="en-US" sz="1200" dirty="0"/>
+              <a:t>BEGIN</a:t>
+            </a:r>
+          </a:p>
+          <a:p>
+            <a:pPr marL="0" indent="0">
+              <a:lnSpc>
+                <a:spcPct val="120000"/>
+              </a:lnSpc>
+              <a:spcBef>
+                <a:spcPts val="0"/>
+              </a:spcBef>
+              <a:buNone/>
+            </a:pPr>
+            <a:r>
+              <a:rPr lang="en-US" sz="1200" dirty="0"/>
+              <a:t>  INSERT INTO </a:t>
+            </a:r>
+            <a:r>
+              <a:rPr lang="en-US" sz="1200" dirty="0" err="1"/>
+              <a:t>job_history</a:t>
+            </a:r>
+            <a:r>
+              <a:rPr lang="en-US" sz="1200" dirty="0"/>
+              <a:t> (</a:t>
+            </a:r>
+            <a:r>
+              <a:rPr lang="en-US" sz="1200" dirty="0" err="1"/>
+              <a:t>employee_id</a:t>
+            </a:r>
+            <a:r>
+              <a:rPr lang="en-US" sz="1200" dirty="0"/>
+              <a:t>, </a:t>
+            </a:r>
+            <a:r>
+              <a:rPr lang="en-US" sz="1200" dirty="0" err="1"/>
+              <a:t>start_date</a:t>
+            </a:r>
+            <a:r>
+              <a:rPr lang="en-US" sz="1200" dirty="0"/>
+              <a:t>, </a:t>
+            </a:r>
+            <a:r>
+              <a:rPr lang="en-US" sz="1200" dirty="0" err="1"/>
+              <a:t>end_date</a:t>
+            </a:r>
+            <a:r>
+              <a:rPr lang="en-US" sz="1200" dirty="0"/>
+              <a:t>,</a:t>
+            </a:r>
+          </a:p>
+          <a:p>
+            <a:pPr marL="0" indent="0">
+              <a:lnSpc>
+                <a:spcPct val="120000"/>
+              </a:lnSpc>
+              <a:spcBef>
+                <a:spcPts val="0"/>
+              </a:spcBef>
+              <a:buNone/>
+            </a:pPr>
+            <a:r>
+              <a:rPr lang="en-US" sz="1200" dirty="0"/>
+              <a:t>                           </a:t>
+            </a:r>
+            <a:r>
+              <a:rPr lang="en-US" sz="1200" dirty="0" err="1"/>
+              <a:t>job_id</a:t>
+            </a:r>
+            <a:r>
+              <a:rPr lang="en-US" sz="1200" dirty="0"/>
+              <a:t>, </a:t>
+            </a:r>
+            <a:r>
+              <a:rPr lang="en-US" sz="1200" dirty="0" err="1"/>
+              <a:t>department_id</a:t>
+            </a:r>
+            <a:r>
+              <a:rPr lang="en-US" sz="1200" dirty="0"/>
+              <a:t>, </a:t>
+            </a:r>
+            <a:r>
+              <a:rPr lang="en-US" sz="1200" dirty="0" err="1"/>
+              <a:t>new_department_id</a:t>
+            </a:r>
+            <a:r>
+              <a:rPr lang="en-US" sz="1200" dirty="0"/>
+              <a:t>, </a:t>
+            </a:r>
+          </a:p>
+          <a:p>
+            <a:pPr marL="0" indent="0">
+              <a:lnSpc>
+                <a:spcPct val="120000"/>
+              </a:lnSpc>
+              <a:spcBef>
+                <a:spcPts val="0"/>
+              </a:spcBef>
+              <a:buNone/>
+            </a:pPr>
+            <a:r>
+              <a:rPr lang="en-US" sz="1200" dirty="0"/>
+              <a:t>                           </a:t>
+            </a:r>
+            <a:r>
+              <a:rPr lang="en-US" sz="1200" dirty="0" err="1"/>
+              <a:t>sal_new</a:t>
+            </a:r>
+            <a:r>
+              <a:rPr lang="en-US" sz="1200" dirty="0"/>
+              <a:t>, </a:t>
+            </a:r>
+            <a:r>
+              <a:rPr lang="en-US" sz="1200" dirty="0" err="1"/>
+              <a:t>sal_old</a:t>
+            </a:r>
+            <a:r>
+              <a:rPr lang="en-US" sz="1200" dirty="0"/>
+              <a:t>, </a:t>
+            </a:r>
+            <a:r>
+              <a:rPr lang="en-US" sz="1200" dirty="0" err="1"/>
+              <a:t>new_job_id</a:t>
+            </a:r>
+            <a:r>
+              <a:rPr lang="en-US" sz="1200" dirty="0"/>
+              <a:t>)</a:t>
+            </a:r>
+          </a:p>
+          <a:p>
+            <a:pPr marL="0" indent="0">
+              <a:lnSpc>
+                <a:spcPct val="120000"/>
+              </a:lnSpc>
+              <a:spcBef>
+                <a:spcPts val="0"/>
+              </a:spcBef>
+              <a:buNone/>
+            </a:pPr>
+            <a:r>
+              <a:rPr lang="en-US" sz="1200" dirty="0"/>
+              <a:t>    VALUES(</a:t>
+            </a:r>
+            <a:r>
+              <a:rPr lang="en-US" sz="1200" dirty="0" err="1"/>
+              <a:t>p_emp_id</a:t>
+            </a:r>
+            <a:r>
+              <a:rPr lang="en-US" sz="1200" dirty="0"/>
+              <a:t>, </a:t>
+            </a:r>
+            <a:r>
+              <a:rPr lang="en-US" sz="1200" dirty="0" err="1"/>
+              <a:t>p_start_date</a:t>
+            </a:r>
+            <a:r>
+              <a:rPr lang="en-US" sz="1200" dirty="0"/>
+              <a:t>, </a:t>
+            </a:r>
+            <a:r>
+              <a:rPr lang="en-US" sz="1200" dirty="0" err="1"/>
+              <a:t>p_end_date</a:t>
+            </a:r>
+            <a:r>
+              <a:rPr lang="en-US" sz="1200" dirty="0"/>
+              <a:t>, </a:t>
+            </a:r>
+            <a:r>
+              <a:rPr lang="en-US" sz="1200" dirty="0" err="1"/>
+              <a:t>p_job_id</a:t>
+            </a:r>
+            <a:r>
+              <a:rPr lang="en-US" sz="1200" dirty="0"/>
+              <a:t>, </a:t>
+            </a:r>
+            <a:r>
+              <a:rPr lang="en-US" sz="1200" dirty="0" err="1"/>
+              <a:t>p_department_id</a:t>
+            </a:r>
+            <a:r>
+              <a:rPr lang="en-US" sz="1200" dirty="0"/>
+              <a:t>, </a:t>
+            </a:r>
+          </a:p>
+          <a:p>
+            <a:pPr marL="0" indent="0">
+              <a:lnSpc>
+                <a:spcPct val="120000"/>
+              </a:lnSpc>
+              <a:spcBef>
+                <a:spcPts val="0"/>
+              </a:spcBef>
+              <a:buNone/>
+            </a:pPr>
+            <a:r>
+              <a:rPr lang="en-US" sz="1200" dirty="0"/>
+              <a:t>    </a:t>
+            </a:r>
+            <a:r>
+              <a:rPr lang="en-US" sz="1200" dirty="0" err="1"/>
+              <a:t>p_new_department_id</a:t>
+            </a:r>
+            <a:r>
+              <a:rPr lang="en-US" sz="1200" dirty="0"/>
+              <a:t>, </a:t>
+            </a:r>
+            <a:r>
+              <a:rPr lang="en-US" sz="1200" dirty="0" err="1"/>
+              <a:t>p_new_salary</a:t>
+            </a:r>
+            <a:r>
+              <a:rPr lang="en-US" sz="1200" dirty="0"/>
+              <a:t>, </a:t>
+            </a:r>
+            <a:r>
+              <a:rPr lang="en-US" sz="1200" dirty="0" err="1"/>
+              <a:t>p_old_salary</a:t>
+            </a:r>
+            <a:r>
+              <a:rPr lang="en-US" sz="1200" dirty="0"/>
+              <a:t>, </a:t>
+            </a:r>
+            <a:r>
+              <a:rPr lang="en-US" sz="1200" dirty="0" err="1"/>
+              <a:t>p_new_job_id</a:t>
+            </a:r>
+            <a:r>
+              <a:rPr lang="en-US" sz="1200" dirty="0"/>
+              <a:t>);</a:t>
+            </a:r>
+          </a:p>
+          <a:p>
+            <a:pPr marL="0" indent="0">
+              <a:lnSpc>
+                <a:spcPct val="120000"/>
+              </a:lnSpc>
+              <a:spcBef>
+                <a:spcPts val="0"/>
+              </a:spcBef>
+              <a:buNone/>
+            </a:pPr>
+            <a:r>
+              <a:rPr lang="en-US" sz="1200" dirty="0"/>
+              <a:t>EXCEPTION</a:t>
+            </a:r>
+          </a:p>
+          <a:p>
+            <a:pPr marL="0" indent="0">
+              <a:lnSpc>
+                <a:spcPct val="120000"/>
+              </a:lnSpc>
+              <a:spcBef>
+                <a:spcPts val="0"/>
+              </a:spcBef>
+              <a:buNone/>
+            </a:pPr>
+            <a:r>
+              <a:rPr lang="en-US" sz="1200" dirty="0"/>
+              <a:t>    WHEN DUP_VAL_ON_INDEX THEN</a:t>
+            </a:r>
+          </a:p>
+          <a:p>
+            <a:pPr marL="0" indent="0">
+              <a:lnSpc>
+                <a:spcPct val="120000"/>
+              </a:lnSpc>
+              <a:spcBef>
+                <a:spcPts val="0"/>
+              </a:spcBef>
+              <a:buNone/>
+            </a:pPr>
+            <a:r>
+              <a:rPr lang="en-US" sz="1200" dirty="0"/>
+              <a:t>        UPDATE </a:t>
+            </a:r>
+            <a:r>
+              <a:rPr lang="en-US" sz="1200" dirty="0" err="1"/>
+              <a:t>job_history</a:t>
+            </a:r>
+            <a:endParaRPr lang="en-US" sz="1200" dirty="0"/>
+          </a:p>
+          <a:p>
+            <a:pPr marL="0" indent="0">
+              <a:lnSpc>
+                <a:spcPct val="120000"/>
+              </a:lnSpc>
+              <a:spcBef>
+                <a:spcPts val="0"/>
+              </a:spcBef>
+              <a:buNone/>
+            </a:pPr>
+            <a:r>
+              <a:rPr lang="en-US" sz="1200" dirty="0"/>
+              <a:t>        SET </a:t>
+            </a:r>
+            <a:r>
+              <a:rPr lang="en-US" sz="1200" dirty="0" err="1"/>
+              <a:t>end_date</a:t>
+            </a:r>
+            <a:r>
+              <a:rPr lang="en-US" sz="1200" dirty="0"/>
+              <a:t>=</a:t>
+            </a:r>
+            <a:r>
+              <a:rPr lang="en-US" sz="1200" dirty="0" err="1"/>
+              <a:t>p_end_date</a:t>
+            </a:r>
+            <a:r>
+              <a:rPr lang="en-US" sz="1200" dirty="0"/>
+              <a:t>, </a:t>
+            </a:r>
+            <a:r>
+              <a:rPr lang="en-US" sz="1200" dirty="0" err="1"/>
+              <a:t>department_id</a:t>
+            </a:r>
+            <a:r>
+              <a:rPr lang="en-US" sz="1200" dirty="0"/>
+              <a:t>=</a:t>
+            </a:r>
+            <a:r>
+              <a:rPr lang="en-US" sz="1200" dirty="0" err="1"/>
+              <a:t>p_department_id</a:t>
+            </a:r>
+            <a:r>
+              <a:rPr lang="en-US" sz="1200" dirty="0"/>
+              <a:t>, </a:t>
+            </a:r>
+          </a:p>
+          <a:p>
+            <a:pPr marL="0" indent="0">
+              <a:lnSpc>
+                <a:spcPct val="120000"/>
+              </a:lnSpc>
+              <a:spcBef>
+                <a:spcPts val="0"/>
+              </a:spcBef>
+              <a:buNone/>
+            </a:pPr>
+            <a:r>
+              <a:rPr lang="en-US" sz="1200" dirty="0"/>
+              <a:t>            </a:t>
+            </a:r>
+            <a:r>
+              <a:rPr lang="en-US" sz="1200" dirty="0" err="1"/>
+              <a:t>new_department_id</a:t>
+            </a:r>
+            <a:r>
+              <a:rPr lang="en-US" sz="1200" dirty="0"/>
+              <a:t>=</a:t>
+            </a:r>
+            <a:r>
+              <a:rPr lang="en-US" sz="1200" dirty="0" err="1"/>
+              <a:t>p_new_department_id</a:t>
+            </a:r>
+            <a:r>
+              <a:rPr lang="en-US" sz="1200" dirty="0"/>
+              <a:t>,</a:t>
+            </a:r>
+          </a:p>
+          <a:p>
+            <a:pPr marL="0" indent="0">
+              <a:lnSpc>
+                <a:spcPct val="120000"/>
+              </a:lnSpc>
+              <a:spcBef>
+                <a:spcPts val="0"/>
+              </a:spcBef>
+              <a:buNone/>
+            </a:pPr>
+            <a:r>
+              <a:rPr lang="en-US" sz="1200" dirty="0"/>
+              <a:t>            </a:t>
+            </a:r>
+            <a:r>
+              <a:rPr lang="en-US" sz="1200" dirty="0" err="1"/>
+              <a:t>job_id</a:t>
+            </a:r>
+            <a:r>
+              <a:rPr lang="en-US" sz="1200" dirty="0"/>
+              <a:t>=</a:t>
+            </a:r>
+            <a:r>
+              <a:rPr lang="en-US" sz="1200" dirty="0" err="1"/>
+              <a:t>p_job_id</a:t>
+            </a:r>
+            <a:r>
+              <a:rPr lang="en-US" sz="1200" dirty="0"/>
+              <a:t>, </a:t>
+            </a:r>
+            <a:r>
+              <a:rPr lang="en-US" sz="1200" dirty="0" err="1"/>
+              <a:t>new_job_id</a:t>
+            </a:r>
+            <a:r>
+              <a:rPr lang="en-US" sz="1200" dirty="0"/>
+              <a:t>=</a:t>
+            </a:r>
+            <a:r>
+              <a:rPr lang="en-US" sz="1200" dirty="0" err="1"/>
+              <a:t>p_new_job_id</a:t>
+            </a:r>
+            <a:r>
+              <a:rPr lang="en-US" sz="1200" dirty="0"/>
+              <a:t>,</a:t>
+            </a:r>
+          </a:p>
+          <a:p>
+            <a:pPr marL="0" indent="0">
+              <a:lnSpc>
+                <a:spcPct val="120000"/>
+              </a:lnSpc>
+              <a:spcBef>
+                <a:spcPts val="0"/>
+              </a:spcBef>
+              <a:buNone/>
+            </a:pPr>
+            <a:r>
+              <a:rPr lang="en-US" sz="1200" dirty="0"/>
+              <a:t>            </a:t>
+            </a:r>
+            <a:r>
+              <a:rPr lang="en-US" sz="1200" dirty="0" err="1"/>
+              <a:t>sal_old</a:t>
+            </a:r>
+            <a:r>
+              <a:rPr lang="en-US" sz="1200" dirty="0"/>
+              <a:t>=</a:t>
+            </a:r>
+            <a:r>
+              <a:rPr lang="en-US" sz="1200" dirty="0" err="1"/>
+              <a:t>p_old_salary</a:t>
+            </a:r>
+            <a:r>
+              <a:rPr lang="en-US" sz="1200" dirty="0"/>
+              <a:t>, </a:t>
+            </a:r>
+            <a:r>
+              <a:rPr lang="en-US" sz="1200" dirty="0" err="1"/>
+              <a:t>sal_new</a:t>
+            </a:r>
+            <a:r>
+              <a:rPr lang="en-US" sz="1200" dirty="0"/>
+              <a:t>=</a:t>
+            </a:r>
+            <a:r>
+              <a:rPr lang="en-US" sz="1200" dirty="0" err="1"/>
+              <a:t>p_new_salary</a:t>
+            </a:r>
+            <a:endParaRPr lang="en-US" sz="1200" dirty="0"/>
+          </a:p>
+          <a:p>
+            <a:pPr marL="0" indent="0">
+              <a:lnSpc>
+                <a:spcPct val="120000"/>
+              </a:lnSpc>
+              <a:spcBef>
+                <a:spcPts val="0"/>
+              </a:spcBef>
+              <a:buNone/>
+            </a:pPr>
+            <a:r>
+              <a:rPr lang="en-US" sz="1200" dirty="0"/>
+              <a:t>        WHERE </a:t>
+            </a:r>
+            <a:r>
+              <a:rPr lang="en-US" sz="1200" dirty="0" err="1"/>
+              <a:t>employee_id</a:t>
+            </a:r>
+            <a:r>
+              <a:rPr lang="en-US" sz="1200" dirty="0"/>
+              <a:t>=</a:t>
+            </a:r>
+            <a:r>
+              <a:rPr lang="en-US" sz="1200" dirty="0" err="1"/>
+              <a:t>p_emp_id</a:t>
+            </a:r>
+            <a:r>
+              <a:rPr lang="en-US" sz="1200" dirty="0"/>
+              <a:t>;</a:t>
+            </a:r>
+          </a:p>
+          <a:p>
+            <a:pPr marL="0" indent="0">
+              <a:lnSpc>
+                <a:spcPct val="120000"/>
+              </a:lnSpc>
+              <a:spcBef>
+                <a:spcPts val="0"/>
+              </a:spcBef>
+              <a:buNone/>
+            </a:pPr>
+            <a:r>
+              <a:rPr lang="en-US" sz="1200" dirty="0"/>
+              <a:t>END </a:t>
+            </a:r>
+            <a:r>
+              <a:rPr lang="en-US" sz="1200" dirty="0" err="1"/>
+              <a:t>add_job_history</a:t>
+            </a:r>
+            <a:r>
+              <a:rPr lang="en-US" sz="1200" dirty="0"/>
+              <a:t>;</a:t>
+            </a:r>
+            <a:endParaRPr lang="pt-BR" sz="1200" dirty="0"/>
+          </a:p>
+        </p:txBody>
+      </p:sp>
+    </p:spTree>
+    <p:extLst>
+      <p:ext uri="{BB962C8B-B14F-4D97-AF65-F5344CB8AC3E}">
+        <p14:creationId xmlns:p14="http://schemas.microsoft.com/office/powerpoint/2010/main" val="3758407012"/>
+      </p:ext>
+    </p:extLst>
+  </p:cSld>
+  <p:clrMapOvr>
+    <a:masterClrMapping/>
+  </p:clrMapOvr>
+  <mc:AlternateContent xmlns:mc="http://schemas.openxmlformats.org/markup-compatibility/2006" xmlns:p14="http://schemas.microsoft.com/office/powerpoint/2010/main">
+    <mc:Choice Requires="p14">
+      <p:transition spd="med" p14:dur="700">
+        <p:fade/>
+      </p:transition>
+    </mc:Choice>
+    <mc:Fallback xmlns="">
+      <p:transition spd="med">
+        <p:fade/>
+      </p:transition>
+    </mc:Fallback>
+  </mc:AlternateContent>
+</p:sld>
+</file>
+
+<file path=ppt/slides/slide11.xml><?xml version="1.0" encoding="utf-8"?>
+<p:sld xmlns:a="http://schemas.openxmlformats.org/drawingml/2006/main" xmlns:r="http://schemas.openxmlformats.org/officeDocument/2006/relationships" xmlns:p="http://schemas.openxmlformats.org/presentationml/2006/main">
+  <p:cSld>
+    <p:spTree>
+      <p:nvGrpSpPr>
+        <p:cNvPr id="1" name=""/>
+        <p:cNvGrpSpPr/>
+        <p:nvPr/>
+      </p:nvGrpSpPr>
+      <p:grpSpPr>
+        <a:xfrm>
+          <a:off x="0" y="0"/>
+          <a:ext cx="0" cy="0"/>
+          <a:chOff x="0" y="0"/>
+          <a:chExt cx="0" cy="0"/>
+        </a:xfrm>
+      </p:grpSpPr>
+      <p:sp>
+        <p:nvSpPr>
           <p:cNvPr id="2" name="Título 1">
             <a:extLst>
               <a:ext uri="{FF2B5EF4-FFF2-40B4-BE49-F238E27FC236}">
@@ -5013,6 +5904,395 @@
   <p:clrMapOvr>
     <a:masterClrMapping/>
   </p:clrMapOvr>
+  <mc:AlternateContent xmlns:mc="http://schemas.openxmlformats.org/markup-compatibility/2006" xmlns:p14="http://schemas.microsoft.com/office/powerpoint/2010/main">
+    <mc:Choice Requires="p14">
+      <p:transition spd="med" p14:dur="700">
+        <p:fade/>
+      </p:transition>
+    </mc:Choice>
+    <mc:Fallback xmlns="">
+      <p:transition spd="med">
+        <p:fade/>
+      </p:transition>
+    </mc:Fallback>
+  </mc:AlternateContent>
+</p:sld>
+</file>
+
+<file path=ppt/slides/slide12.xml><?xml version="1.0" encoding="utf-8"?>
+<p:sld xmlns:a="http://schemas.openxmlformats.org/drawingml/2006/main" xmlns:r="http://schemas.openxmlformats.org/officeDocument/2006/relationships" xmlns:p="http://schemas.openxmlformats.org/presentationml/2006/main">
+  <p:cSld>
+    <p:spTree>
+      <p:nvGrpSpPr>
+        <p:cNvPr id="1" name=""/>
+        <p:cNvGrpSpPr/>
+        <p:nvPr/>
+      </p:nvGrpSpPr>
+      <p:grpSpPr>
+        <a:xfrm>
+          <a:off x="0" y="0"/>
+          <a:ext cx="0" cy="0"/>
+          <a:chOff x="0" y="0"/>
+          <a:chExt cx="0" cy="0"/>
+        </a:xfrm>
+      </p:grpSpPr>
+      <p:sp>
+        <p:nvSpPr>
+          <p:cNvPr id="2" name="Título 1">
+            <a:extLst>
+              <a:ext uri="{FF2B5EF4-FFF2-40B4-BE49-F238E27FC236}">
+                <a16:creationId xmlns:a16="http://schemas.microsoft.com/office/drawing/2014/main" id="{35E74264-AAF4-4343-A5CF-B33FE8C479F4}"/>
+              </a:ext>
+            </a:extLst>
+          </p:cNvPr>
+          <p:cNvSpPr>
+            <a:spLocks noGrp="1"/>
+          </p:cNvSpPr>
+          <p:nvPr>
+            <p:ph type="title"/>
+          </p:nvPr>
+        </p:nvSpPr>
+        <p:spPr/>
+        <p:txBody>
+          <a:bodyPr/>
+          <a:lstStyle/>
+          <a:p>
+            <a:r>
+              <a:rPr lang="pt-BR" dirty="0"/>
+              <a:t>Terceiro Passo – Atualização do Trigger</a:t>
+            </a:r>
+          </a:p>
+        </p:txBody>
+      </p:sp>
+      <p:sp>
+        <p:nvSpPr>
+          <p:cNvPr id="3" name="Espaço Reservado para Conteúdo 2">
+            <a:extLst>
+              <a:ext uri="{FF2B5EF4-FFF2-40B4-BE49-F238E27FC236}">
+                <a16:creationId xmlns:a16="http://schemas.microsoft.com/office/drawing/2014/main" id="{839A45D3-AE46-4B7B-B698-A144A6BB160A}"/>
+              </a:ext>
+            </a:extLst>
+          </p:cNvPr>
+          <p:cNvSpPr>
+            <a:spLocks noGrp="1"/>
+          </p:cNvSpPr>
+          <p:nvPr>
+            <p:ph idx="1"/>
+          </p:nvPr>
+        </p:nvSpPr>
+        <p:spPr/>
+        <p:txBody>
+          <a:bodyPr>
+            <a:normAutofit fontScale="92500" lnSpcReduction="20000"/>
+          </a:bodyPr>
+          <a:lstStyle/>
+          <a:p>
+            <a:pPr marL="0" indent="0">
+              <a:lnSpc>
+                <a:spcPct val="120000"/>
+              </a:lnSpc>
+              <a:spcBef>
+                <a:spcPts val="0"/>
+              </a:spcBef>
+              <a:buNone/>
+            </a:pPr>
+            <a:r>
+              <a:rPr lang="pt-BR" dirty="0"/>
+              <a:t>CRATE OR REPLACE TRIGGER </a:t>
+            </a:r>
+            <a:r>
+              <a:rPr lang="pt-BR" dirty="0" err="1"/>
+              <a:t>update_job_history</a:t>
+            </a:r>
+            <a:endParaRPr lang="pt-BR" dirty="0"/>
+          </a:p>
+          <a:p>
+            <a:pPr marL="0" indent="0">
+              <a:lnSpc>
+                <a:spcPct val="120000"/>
+              </a:lnSpc>
+              <a:spcBef>
+                <a:spcPts val="0"/>
+              </a:spcBef>
+              <a:buNone/>
+            </a:pPr>
+            <a:r>
+              <a:rPr lang="pt-BR" dirty="0"/>
+              <a:t>  AFTER UPDATE OF </a:t>
+            </a:r>
+            <a:r>
+              <a:rPr lang="pt-BR" dirty="0" err="1"/>
+              <a:t>job_id</a:t>
+            </a:r>
+            <a:r>
+              <a:rPr lang="pt-BR" dirty="0"/>
+              <a:t>, </a:t>
+            </a:r>
+            <a:r>
+              <a:rPr lang="pt-BR" dirty="0" err="1"/>
+              <a:t>department_id</a:t>
+            </a:r>
+            <a:r>
+              <a:rPr lang="pt-BR" dirty="0"/>
+              <a:t> ON </a:t>
+            </a:r>
+            <a:r>
+              <a:rPr lang="pt-BR" dirty="0" err="1"/>
+              <a:t>employees</a:t>
+            </a:r>
+            <a:endParaRPr lang="pt-BR" dirty="0"/>
+          </a:p>
+          <a:p>
+            <a:pPr marL="0" indent="0">
+              <a:lnSpc>
+                <a:spcPct val="120000"/>
+              </a:lnSpc>
+              <a:spcBef>
+                <a:spcPts val="0"/>
+              </a:spcBef>
+              <a:buNone/>
+            </a:pPr>
+            <a:r>
+              <a:rPr lang="pt-BR" dirty="0"/>
+              <a:t>  FOR EACH ROW</a:t>
+            </a:r>
+          </a:p>
+          <a:p>
+            <a:pPr marL="0" indent="0">
+              <a:lnSpc>
+                <a:spcPct val="120000"/>
+              </a:lnSpc>
+              <a:spcBef>
+                <a:spcPts val="0"/>
+              </a:spcBef>
+              <a:buNone/>
+            </a:pPr>
+            <a:r>
+              <a:rPr lang="pt-BR" dirty="0"/>
+              <a:t>    </a:t>
+            </a:r>
+          </a:p>
+          <a:p>
+            <a:pPr marL="0" indent="0">
+              <a:lnSpc>
+                <a:spcPct val="120000"/>
+              </a:lnSpc>
+              <a:spcBef>
+                <a:spcPts val="0"/>
+              </a:spcBef>
+              <a:buNone/>
+            </a:pPr>
+            <a:r>
+              <a:rPr lang="pt-BR" dirty="0"/>
+              <a:t>BEGIN</a:t>
+            </a:r>
+          </a:p>
+          <a:p>
+            <a:pPr marL="0" indent="0">
+              <a:lnSpc>
+                <a:spcPct val="120000"/>
+              </a:lnSpc>
+              <a:spcBef>
+                <a:spcPts val="0"/>
+              </a:spcBef>
+              <a:buNone/>
+            </a:pPr>
+            <a:r>
+              <a:rPr lang="pt-BR" dirty="0"/>
+              <a:t>    </a:t>
+            </a:r>
+            <a:r>
+              <a:rPr lang="pt-BR" dirty="0" err="1"/>
+              <a:t>add_job_history</a:t>
+            </a:r>
+            <a:r>
+              <a:rPr lang="pt-BR" dirty="0"/>
+              <a:t>(:</a:t>
+            </a:r>
+            <a:r>
+              <a:rPr lang="pt-BR" dirty="0" err="1"/>
+              <a:t>old.employee_id</a:t>
+            </a:r>
+            <a:r>
+              <a:rPr lang="pt-BR" dirty="0"/>
+              <a:t>, :</a:t>
+            </a:r>
+            <a:r>
+              <a:rPr lang="pt-BR" dirty="0" err="1"/>
+              <a:t>old.hire_date</a:t>
+            </a:r>
+            <a:r>
+              <a:rPr lang="pt-BR" dirty="0"/>
+              <a:t>, </a:t>
+            </a:r>
+            <a:r>
+              <a:rPr lang="pt-BR" dirty="0" err="1"/>
+              <a:t>sysdate</a:t>
+            </a:r>
+            <a:r>
+              <a:rPr lang="pt-BR" dirty="0"/>
+              <a:t>,</a:t>
+            </a:r>
+          </a:p>
+          <a:p>
+            <a:pPr marL="0" indent="0">
+              <a:lnSpc>
+                <a:spcPct val="120000"/>
+              </a:lnSpc>
+              <a:spcBef>
+                <a:spcPts val="0"/>
+              </a:spcBef>
+              <a:buNone/>
+            </a:pPr>
+            <a:r>
+              <a:rPr lang="pt-BR" dirty="0"/>
+              <a:t>                  :</a:t>
+            </a:r>
+            <a:r>
+              <a:rPr lang="pt-BR" dirty="0" err="1"/>
+              <a:t>old.job_id</a:t>
+            </a:r>
+            <a:r>
+              <a:rPr lang="pt-BR" dirty="0"/>
+              <a:t>, :</a:t>
+            </a:r>
+            <a:r>
+              <a:rPr lang="pt-BR" dirty="0" err="1"/>
+              <a:t>new.job_id</a:t>
+            </a:r>
+            <a:r>
+              <a:rPr lang="pt-BR" dirty="0"/>
+              <a:t>, :</a:t>
+            </a:r>
+            <a:r>
+              <a:rPr lang="pt-BR" dirty="0" err="1"/>
+              <a:t>old.department_id</a:t>
+            </a:r>
+            <a:r>
+              <a:rPr lang="pt-BR" dirty="0"/>
+              <a:t>, </a:t>
+            </a:r>
+          </a:p>
+          <a:p>
+            <a:pPr marL="0" indent="0">
+              <a:lnSpc>
+                <a:spcPct val="120000"/>
+              </a:lnSpc>
+              <a:spcBef>
+                <a:spcPts val="0"/>
+              </a:spcBef>
+              <a:buNone/>
+            </a:pPr>
+            <a:r>
+              <a:rPr lang="pt-BR" dirty="0"/>
+              <a:t>                  :</a:t>
+            </a:r>
+            <a:r>
+              <a:rPr lang="pt-BR" dirty="0" err="1"/>
+              <a:t>new.department_id</a:t>
+            </a:r>
+            <a:r>
+              <a:rPr lang="pt-BR" dirty="0"/>
+              <a:t>, :</a:t>
+            </a:r>
+            <a:r>
+              <a:rPr lang="pt-BR" dirty="0" err="1"/>
+              <a:t>new.salary</a:t>
+            </a:r>
+            <a:r>
+              <a:rPr lang="pt-BR" dirty="0"/>
+              <a:t>, :</a:t>
+            </a:r>
+            <a:r>
+              <a:rPr lang="pt-BR" dirty="0" err="1"/>
+              <a:t>old.salary</a:t>
+            </a:r>
+            <a:r>
+              <a:rPr lang="pt-BR" dirty="0"/>
+              <a:t>);</a:t>
+            </a:r>
+          </a:p>
+          <a:p>
+            <a:pPr marL="0" indent="0">
+              <a:lnSpc>
+                <a:spcPct val="120000"/>
+              </a:lnSpc>
+              <a:spcBef>
+                <a:spcPts val="0"/>
+              </a:spcBef>
+              <a:buNone/>
+            </a:pPr>
+            <a:r>
+              <a:rPr lang="pt-BR" dirty="0"/>
+              <a:t>    </a:t>
+            </a:r>
+          </a:p>
+          <a:p>
+            <a:pPr marL="0" indent="0">
+              <a:lnSpc>
+                <a:spcPct val="120000"/>
+              </a:lnSpc>
+              <a:spcBef>
+                <a:spcPts val="0"/>
+              </a:spcBef>
+              <a:buNone/>
+            </a:pPr>
+            <a:r>
+              <a:rPr lang="pt-BR" dirty="0"/>
+              <a:t>    DBMS_OUTPUT.PUT_LINE('Aumento foi de: R$'|| </a:t>
+            </a:r>
+            <a:r>
+              <a:rPr lang="pt-BR" dirty="0" err="1"/>
+              <a:t>to_char</a:t>
+            </a:r>
+            <a:r>
+              <a:rPr lang="pt-BR" dirty="0"/>
+              <a:t>(:</a:t>
+            </a:r>
+            <a:r>
+              <a:rPr lang="pt-BR" dirty="0" err="1"/>
+              <a:t>new.salary</a:t>
+            </a:r>
+            <a:r>
+              <a:rPr lang="pt-BR" dirty="0"/>
+              <a:t> - :</a:t>
+            </a:r>
+            <a:r>
+              <a:rPr lang="pt-BR" dirty="0" err="1"/>
+              <a:t>old.salary</a:t>
+            </a:r>
+            <a:r>
+              <a:rPr lang="pt-BR" dirty="0"/>
+              <a:t>));</a:t>
+            </a:r>
+          </a:p>
+          <a:p>
+            <a:pPr marL="0" indent="0">
+              <a:lnSpc>
+                <a:spcPct val="120000"/>
+              </a:lnSpc>
+              <a:spcBef>
+                <a:spcPts val="0"/>
+              </a:spcBef>
+              <a:buNone/>
+            </a:pPr>
+            <a:r>
+              <a:rPr lang="pt-BR" dirty="0"/>
+              <a:t>END;</a:t>
+            </a:r>
+          </a:p>
+        </p:txBody>
+      </p:sp>
+    </p:spTree>
+    <p:extLst>
+      <p:ext uri="{BB962C8B-B14F-4D97-AF65-F5344CB8AC3E}">
+        <p14:creationId xmlns:p14="http://schemas.microsoft.com/office/powerpoint/2010/main" val="1015535448"/>
+      </p:ext>
+    </p:extLst>
+  </p:cSld>
+  <p:clrMapOvr>
+    <a:masterClrMapping/>
+  </p:clrMapOvr>
   <mc:AlternateContent xmlns:mc="http://schemas.openxmlformats.org/markup-compatibility/2006">
     <mc:Choice xmlns:p14="http://schemas.microsoft.com/office/powerpoint/2010/main" Requires="p14">
       <p:transition spd="med" p14:dur="700">
@@ -5028,7 +6308,7 @@
 </p:sld>
 </file>
 
-<file path=ppt/slides/slide11.xml><?xml version="1.0" encoding="utf-8"?>
+<file path=ppt/slides/slide13.xml><?xml version="1.0" encoding="utf-8"?>
 <p:sld xmlns:a="http://schemas.openxmlformats.org/drawingml/2006/main" xmlns:r="http://schemas.openxmlformats.org/officeDocument/2006/relationships" xmlns:p="http://schemas.openxmlformats.org/presentationml/2006/main">
   <p:cSld>
     <p:spTree>
@@ -6517,13 +7797,13 @@
   <p:clrMapOvr>
     <a:masterClrMapping/>
   </p:clrMapOvr>
-  <mc:AlternateContent xmlns:mc="http://schemas.openxmlformats.org/markup-compatibility/2006">
-    <mc:Choice xmlns:p14="http://schemas.microsoft.com/office/powerpoint/2010/main" Requires="p14">
+  <mc:AlternateContent xmlns:mc="http://schemas.openxmlformats.org/markup-compatibility/2006" xmlns:p14="http://schemas.microsoft.com/office/powerpoint/2010/main">
+    <mc:Choice Requires="p14">
       <p:transition spd="med" p14:dur="700">
         <p:fade/>
       </p:transition>
     </mc:Choice>
-    <mc:Fallback>
+    <mc:Fallback xmlns="">
       <p:transition spd="med">
         <p:fade/>
       </p:transition>
@@ -8941,6 +10221,15 @@
 </file>
 
 <file path=customXml/item2.xml><?xml version="1.0" encoding="utf-8"?>
+<?mso-contentType ?>
+<FormTemplates xmlns="http://schemas.microsoft.com/sharepoint/v3/contenttype/forms">
+  <Display>DocumentLibraryForm</Display>
+  <Edit>AssetEditForm</Edit>
+  <New>DocumentLibraryForm</New>
+</FormTemplates>
+</file>
+
+<file path=customXml/item3.xml><?xml version="1.0" encoding="utf-8"?>
 <p:properties xmlns:p="http://schemas.microsoft.com/office/2006/metadata/properties" xmlns:xsi="http://www.w3.org/2001/XMLSchema-instance" xmlns:pc="http://schemas.microsoft.com/office/infopath/2007/PartnerControls">
   <documentManagement>
     <DirectSourceMarket xmlns="4873beb7-5857-4685-be1f-d57550cc96cc" xsi:nil="true"/>
@@ -9066,15 +10355,6 @@
 </p:properties>
 </file>
 
-<file path=customXml/item3.xml><?xml version="1.0" encoding="utf-8"?>
-<?mso-contentType ?>
-<FormTemplates xmlns="http://schemas.microsoft.com/sharepoint/v3/contenttype/forms">
-  <Display>DocumentLibraryForm</Display>
-  <Edit>AssetEditForm</Edit>
-  <New>DocumentLibraryForm</New>
-</FormTemplates>
-</file>
-
 <file path=customXml/itemProps1.xml><?xml version="1.0" encoding="utf-8"?>
 <ds:datastoreItem xmlns:ds="http://schemas.openxmlformats.org/officeDocument/2006/customXml" ds:itemID="{83ED4759-CFDD-43F0-817C-11D9197192BA}">
   <ds:schemaRefs>
@@ -9094,25 +10374,25 @@
 </file>
 
 <file path=customXml/itemProps2.xml><?xml version="1.0" encoding="utf-8"?>
-<ds:datastoreItem xmlns:ds="http://schemas.openxmlformats.org/officeDocument/2006/customXml" ds:itemID="{4ED80E12-3BE9-4746-820E-FFB249F467F2}">
+<ds:datastoreItem xmlns:ds="http://schemas.openxmlformats.org/officeDocument/2006/customXml" ds:itemID="{8D003AC8-209A-4321-A17C-1B7A20643390}">
   <ds:schemaRefs>
-    <ds:schemaRef ds:uri="http://schemas.openxmlformats.org/package/2006/metadata/core-properties"/>
-    <ds:schemaRef ds:uri="http://purl.org/dc/elements/1.1/"/>
-    <ds:schemaRef ds:uri="http://purl.org/dc/terms/"/>
-    <ds:schemaRef ds:uri="http://schemas.microsoft.com/office/2006/metadata/properties"/>
-    <ds:schemaRef ds:uri="http://purl.org/dc/dcmitype/"/>
-    <ds:schemaRef ds:uri="http://schemas.microsoft.com/office/2006/documentManagement/types"/>
-    <ds:schemaRef ds:uri="http://schemas.microsoft.com/office/infopath/2007/PartnerControls"/>
-    <ds:schemaRef ds:uri="4873beb7-5857-4685-be1f-d57550cc96cc"/>
-    <ds:schemaRef ds:uri="http://www.w3.org/XML/1998/namespace"/>
+    <ds:schemaRef ds:uri="http://schemas.microsoft.com/sharepoint/v3/contenttype/forms"/>
   </ds:schemaRefs>
 </ds:datastoreItem>
 </file>
 
 <file path=customXml/itemProps3.xml><?xml version="1.0" encoding="utf-8"?>
-<ds:datastoreItem xmlns:ds="http://schemas.openxmlformats.org/officeDocument/2006/customXml" ds:itemID="{8D003AC8-209A-4321-A17C-1B7A20643390}">
+<ds:datastoreItem xmlns:ds="http://schemas.openxmlformats.org/officeDocument/2006/customXml" ds:itemID="{4ED80E12-3BE9-4746-820E-FFB249F467F2}">
   <ds:schemaRefs>
-    <ds:schemaRef ds:uri="http://schemas.microsoft.com/sharepoint/v3/contenttype/forms"/>
+    <ds:schemaRef ds:uri="http://schemas.microsoft.com/office/2006/documentManagement/types"/>
+    <ds:schemaRef ds:uri="http://purl.org/dc/terms/"/>
+    <ds:schemaRef ds:uri="4873beb7-5857-4685-be1f-d57550cc96cc"/>
+    <ds:schemaRef ds:uri="http://www.w3.org/XML/1998/namespace"/>
+    <ds:schemaRef ds:uri="http://purl.org/dc/elements/1.1/"/>
+    <ds:schemaRef ds:uri="http://schemas.openxmlformats.org/package/2006/metadata/core-properties"/>
+    <ds:schemaRef ds:uri="http://schemas.microsoft.com/office/infopath/2007/PartnerControls"/>
+    <ds:schemaRef ds:uri="http://schemas.microsoft.com/office/2006/metadata/properties"/>
+    <ds:schemaRef ds:uri="http://purl.org/dc/dcmitype/"/>
   </ds:schemaRefs>
 </ds:datastoreItem>
 </file>